--- a/Variables y Condicionales.pptx
+++ b/Variables y Condicionales.pptx
@@ -1,55 +1,56 @@
 
 <file path=ppt/presentation.xml><?xml version="1.0" encoding="utf-8"?>
-<p:presentation xmlns:a="http://schemas.openxmlformats.org/drawingml/2006/main" xmlns:r="http://schemas.openxmlformats.org/officeDocument/2006/relationships" xmlns:mc="http://schemas.openxmlformats.org/markup-compatibility/2006" xmlns:mv="urn:schemas-microsoft-com:mac:vml" xmlns:p="http://schemas.openxmlformats.org/presentationml/2006/main" xmlns:c="http://schemas.openxmlformats.org/drawingml/2006/chart" xmlns:dgm="http://schemas.openxmlformats.org/drawingml/2006/diagram" xmlns:o="urn:schemas-microsoft-com:office:office" xmlns:v="urn:schemas-microsoft-com:vml" xmlns:pvml="urn:schemas-microsoft-com:office:powerpoint" xmlns:com="http://schemas.openxmlformats.org/drawingml/2006/compatibility" xmlns:p14="http://schemas.microsoft.com/office/powerpoint/2010/main" xmlns:p15="http://schemas.microsoft.com/office/powerpoint/2012/main" xmlns:ahyp="http://schemas.microsoft.com/office/drawing/2018/hyperlinkcolor" autoCompressPictures="0" embedTrueTypeFonts="1" strictFirstAndLastChars="0" saveSubsetFonts="1">
+<p:presentation xmlns:a="http://schemas.openxmlformats.org/drawingml/2006/main" xmlns:r="http://schemas.openxmlformats.org/officeDocument/2006/relationships" xmlns:p="http://schemas.openxmlformats.org/presentationml/2006/main" strictFirstAndLastChars="0" embedTrueTypeFonts="1" saveSubsetFonts="1" autoCompressPictures="0">
   <p:sldMasterIdLst>
-    <p:sldMasterId id="2147483659" r:id="rId4"/>
+    <p:sldMasterId id="2147483659" r:id="rId1"/>
   </p:sldMasterIdLst>
   <p:notesMasterIdLst>
-    <p:notesMasterId r:id="rId5"/>
+    <p:notesMasterId r:id="rId24"/>
   </p:notesMasterIdLst>
   <p:sldIdLst>
-    <p:sldId id="256" r:id="rId6"/>
-    <p:sldId id="257" r:id="rId7"/>
-    <p:sldId id="258" r:id="rId8"/>
-    <p:sldId id="259" r:id="rId9"/>
-    <p:sldId id="260" r:id="rId10"/>
-    <p:sldId id="261" r:id="rId11"/>
-    <p:sldId id="262" r:id="rId12"/>
-    <p:sldId id="263" r:id="rId13"/>
-    <p:sldId id="264" r:id="rId14"/>
-    <p:sldId id="265" r:id="rId15"/>
-    <p:sldId id="266" r:id="rId16"/>
-    <p:sldId id="267" r:id="rId17"/>
-    <p:sldId id="268" r:id="rId18"/>
-    <p:sldId id="269" r:id="rId19"/>
-    <p:sldId id="270" r:id="rId20"/>
-    <p:sldId id="271" r:id="rId21"/>
-    <p:sldId id="272" r:id="rId22"/>
-    <p:sldId id="273" r:id="rId23"/>
-    <p:sldId id="274" r:id="rId24"/>
-    <p:sldId id="275" r:id="rId25"/>
-    <p:sldId id="276" r:id="rId26"/>
+    <p:sldId id="256" r:id="rId2"/>
+    <p:sldId id="257" r:id="rId3"/>
+    <p:sldId id="258" r:id="rId4"/>
+    <p:sldId id="259" r:id="rId5"/>
+    <p:sldId id="260" r:id="rId6"/>
+    <p:sldId id="261" r:id="rId7"/>
+    <p:sldId id="262" r:id="rId8"/>
+    <p:sldId id="263" r:id="rId9"/>
+    <p:sldId id="264" r:id="rId10"/>
+    <p:sldId id="265" r:id="rId11"/>
+    <p:sldId id="266" r:id="rId12"/>
+    <p:sldId id="267" r:id="rId13"/>
+    <p:sldId id="268" r:id="rId14"/>
+    <p:sldId id="269" r:id="rId15"/>
+    <p:sldId id="270" r:id="rId16"/>
+    <p:sldId id="271" r:id="rId17"/>
+    <p:sldId id="272" r:id="rId18"/>
+    <p:sldId id="273" r:id="rId19"/>
+    <p:sldId id="274" r:id="rId20"/>
+    <p:sldId id="275" r:id="rId21"/>
+    <p:sldId id="277" r:id="rId22"/>
+    <p:sldId id="276" r:id="rId23"/>
   </p:sldIdLst>
-  <p:sldSz cy="5143500" cx="9144000"/>
+  <p:sldSz cx="9144000" cy="5143500" type="screen16x9"/>
   <p:notesSz cx="6858000" cy="9144000"/>
   <p:embeddedFontLst>
     <p:embeddedFont>
-      <p:font typeface="Raleway"/>
-      <p:regular r:id="rId27"/>
-      <p:bold r:id="rId28"/>
-      <p:italic r:id="rId29"/>
-      <p:boldItalic r:id="rId30"/>
+      <p:font typeface="Lato" panose="020F0502020204030203" pitchFamily="34" charset="0"/>
+      <p:regular r:id="rId25"/>
+      <p:bold r:id="rId26"/>
+      <p:italic r:id="rId27"/>
+      <p:boldItalic r:id="rId28"/>
     </p:embeddedFont>
     <p:embeddedFont>
-      <p:font typeface="Lato"/>
-      <p:regular r:id="rId31"/>
-      <p:bold r:id="rId32"/>
-      <p:italic r:id="rId33"/>
-      <p:boldItalic r:id="rId34"/>
+      <p:font typeface="Raleway" panose="020B0003030101060003" pitchFamily="34" charset="0"/>
+      <p:regular r:id="rId29"/>
+      <p:bold r:id="rId30"/>
+      <p:italic r:id="rId31"/>
+      <p:boldItalic r:id="rId32"/>
     </p:embeddedFont>
   </p:embeddedFontLst>
   <p:defaultTextStyle>
-    <a:defPPr lvl="0" marR="0" rtl="0" algn="l">
+    <a:defPPr marR="0" lvl="0" algn="l" rtl="0">
       <a:lnSpc>
         <a:spcPct val="100000"/>
       </a:lnSpc>
@@ -60,7 +61,7 @@
         <a:spcPts val="0"/>
       </a:spcAft>
     </a:defPPr>
-    <a:lvl1pPr lvl="0" marR="0" rtl="0" algn="l">
+    <a:lvl1pPr marR="0" lvl="0" algn="l" rtl="0">
       <a:lnSpc>
         <a:spcPct val="100000"/>
       </a:lnSpc>
@@ -74,7 +75,7 @@
         <a:srgbClr val="000000"/>
       </a:buClr>
       <a:buFont typeface="Arial"/>
-      <a:defRPr b="0" i="0" sz="1400" u="none" cap="none" strike="noStrike">
+      <a:defRPr sz="1400" b="0" i="0" u="none" strike="noStrike" cap="none">
         <a:solidFill>
           <a:srgbClr val="000000"/>
         </a:solidFill>
@@ -84,7 +85,7 @@
         <a:sym typeface="Arial"/>
       </a:defRPr>
     </a:lvl1pPr>
-    <a:lvl2pPr lvl="1" marR="0" rtl="0" algn="l">
+    <a:lvl2pPr marR="0" lvl="1" algn="l" rtl="0">
       <a:lnSpc>
         <a:spcPct val="100000"/>
       </a:lnSpc>
@@ -98,7 +99,7 @@
         <a:srgbClr val="000000"/>
       </a:buClr>
       <a:buFont typeface="Arial"/>
-      <a:defRPr b="0" i="0" sz="1400" u="none" cap="none" strike="noStrike">
+      <a:defRPr sz="1400" b="0" i="0" u="none" strike="noStrike" cap="none">
         <a:solidFill>
           <a:srgbClr val="000000"/>
         </a:solidFill>
@@ -108,7 +109,7 @@
         <a:sym typeface="Arial"/>
       </a:defRPr>
     </a:lvl2pPr>
-    <a:lvl3pPr lvl="2" marR="0" rtl="0" algn="l">
+    <a:lvl3pPr marR="0" lvl="2" algn="l" rtl="0">
       <a:lnSpc>
         <a:spcPct val="100000"/>
       </a:lnSpc>
@@ -122,7 +123,7 @@
         <a:srgbClr val="000000"/>
       </a:buClr>
       <a:buFont typeface="Arial"/>
-      <a:defRPr b="0" i="0" sz="1400" u="none" cap="none" strike="noStrike">
+      <a:defRPr sz="1400" b="0" i="0" u="none" strike="noStrike" cap="none">
         <a:solidFill>
           <a:srgbClr val="000000"/>
         </a:solidFill>
@@ -132,7 +133,7 @@
         <a:sym typeface="Arial"/>
       </a:defRPr>
     </a:lvl3pPr>
-    <a:lvl4pPr lvl="3" marR="0" rtl="0" algn="l">
+    <a:lvl4pPr marR="0" lvl="3" algn="l" rtl="0">
       <a:lnSpc>
         <a:spcPct val="100000"/>
       </a:lnSpc>
@@ -146,7 +147,7 @@
         <a:srgbClr val="000000"/>
       </a:buClr>
       <a:buFont typeface="Arial"/>
-      <a:defRPr b="0" i="0" sz="1400" u="none" cap="none" strike="noStrike">
+      <a:defRPr sz="1400" b="0" i="0" u="none" strike="noStrike" cap="none">
         <a:solidFill>
           <a:srgbClr val="000000"/>
         </a:solidFill>
@@ -156,7 +157,7 @@
         <a:sym typeface="Arial"/>
       </a:defRPr>
     </a:lvl4pPr>
-    <a:lvl5pPr lvl="4" marR="0" rtl="0" algn="l">
+    <a:lvl5pPr marR="0" lvl="4" algn="l" rtl="0">
       <a:lnSpc>
         <a:spcPct val="100000"/>
       </a:lnSpc>
@@ -170,7 +171,7 @@
         <a:srgbClr val="000000"/>
       </a:buClr>
       <a:buFont typeface="Arial"/>
-      <a:defRPr b="0" i="0" sz="1400" u="none" cap="none" strike="noStrike">
+      <a:defRPr sz="1400" b="0" i="0" u="none" strike="noStrike" cap="none">
         <a:solidFill>
           <a:srgbClr val="000000"/>
         </a:solidFill>
@@ -180,7 +181,7 @@
         <a:sym typeface="Arial"/>
       </a:defRPr>
     </a:lvl5pPr>
-    <a:lvl6pPr lvl="5" marR="0" rtl="0" algn="l">
+    <a:lvl6pPr marR="0" lvl="5" algn="l" rtl="0">
       <a:lnSpc>
         <a:spcPct val="100000"/>
       </a:lnSpc>
@@ -194,7 +195,7 @@
         <a:srgbClr val="000000"/>
       </a:buClr>
       <a:buFont typeface="Arial"/>
-      <a:defRPr b="0" i="0" sz="1400" u="none" cap="none" strike="noStrike">
+      <a:defRPr sz="1400" b="0" i="0" u="none" strike="noStrike" cap="none">
         <a:solidFill>
           <a:srgbClr val="000000"/>
         </a:solidFill>
@@ -204,7 +205,7 @@
         <a:sym typeface="Arial"/>
       </a:defRPr>
     </a:lvl6pPr>
-    <a:lvl7pPr lvl="6" marR="0" rtl="0" algn="l">
+    <a:lvl7pPr marR="0" lvl="6" algn="l" rtl="0">
       <a:lnSpc>
         <a:spcPct val="100000"/>
       </a:lnSpc>
@@ -218,7 +219,7 @@
         <a:srgbClr val="000000"/>
       </a:buClr>
       <a:buFont typeface="Arial"/>
-      <a:defRPr b="0" i="0" sz="1400" u="none" cap="none" strike="noStrike">
+      <a:defRPr sz="1400" b="0" i="0" u="none" strike="noStrike" cap="none">
         <a:solidFill>
           <a:srgbClr val="000000"/>
         </a:solidFill>
@@ -228,7 +229,7 @@
         <a:sym typeface="Arial"/>
       </a:defRPr>
     </a:lvl7pPr>
-    <a:lvl8pPr lvl="7" marR="0" rtl="0" algn="l">
+    <a:lvl8pPr marR="0" lvl="7" algn="l" rtl="0">
       <a:lnSpc>
         <a:spcPct val="100000"/>
       </a:lnSpc>
@@ -242,7 +243,7 @@
         <a:srgbClr val="000000"/>
       </a:buClr>
       <a:buFont typeface="Arial"/>
-      <a:defRPr b="0" i="0" sz="1400" u="none" cap="none" strike="noStrike">
+      <a:defRPr sz="1400" b="0" i="0" u="none" strike="noStrike" cap="none">
         <a:solidFill>
           <a:srgbClr val="000000"/>
         </a:solidFill>
@@ -252,7 +253,7 @@
         <a:sym typeface="Arial"/>
       </a:defRPr>
     </a:lvl8pPr>
-    <a:lvl9pPr lvl="8" marR="0" rtl="0" algn="l">
+    <a:lvl9pPr marR="0" lvl="8" algn="l" rtl="0">
       <a:lnSpc>
         <a:spcPct val="100000"/>
       </a:lnSpc>
@@ -266,7 +267,7 @@
         <a:srgbClr val="000000"/>
       </a:buClr>
       <a:buFont typeface="Arial"/>
-      <a:defRPr b="0" i="0" sz="1400" u="none" cap="none" strike="noStrike">
+      <a:defRPr sz="1400" b="0" i="0" u="none" strike="noStrike" cap="none">
         <a:solidFill>
           <a:srgbClr val="000000"/>
         </a:solidFill>
@@ -279,7 +280,7 @@
   </p:defaultTextStyle>
   <p:extLst>
     <p:ext uri="{EFAFB233-063F-42B5-8137-9DF3F51BA10A}">
-      <p15:sldGuideLst>
+      <p15:sldGuideLst xmlns:p15="http://schemas.microsoft.com/office/powerpoint/2012/main">
         <p15:guide id="1" orient="horz" pos="1620">
           <p15:clr>
             <a:srgbClr val="747775"/>
@@ -297,11 +298,16 @@
 </file>
 
 <file path=ppt/notesMasters/notesMaster1.xml><?xml version="1.0" encoding="utf-8"?>
-<p:notesMaster xmlns:a="http://schemas.openxmlformats.org/drawingml/2006/main" xmlns:r="http://schemas.openxmlformats.org/officeDocument/2006/relationships" xmlns:mc="http://schemas.openxmlformats.org/markup-compatibility/2006" xmlns:mv="urn:schemas-microsoft-com:mac:vml" xmlns:p="http://schemas.openxmlformats.org/presentationml/2006/main" xmlns:c="http://schemas.openxmlformats.org/drawingml/2006/chart" xmlns:dgm="http://schemas.openxmlformats.org/drawingml/2006/diagram" xmlns:o="urn:schemas-microsoft-com:office:office" xmlns:v="urn:schemas-microsoft-com:vml" xmlns:pvml="urn:schemas-microsoft-com:office:powerpoint" xmlns:com="http://schemas.openxmlformats.org/drawingml/2006/compatibility" xmlns:p14="http://schemas.microsoft.com/office/powerpoint/2010/main" xmlns:p15="http://schemas.microsoft.com/office/powerpoint/2012/main" xmlns:ahyp="http://schemas.microsoft.com/office/drawing/2018/hyperlinkcolor">
+<p:notesMaster xmlns:a="http://schemas.openxmlformats.org/drawingml/2006/main" xmlns:r="http://schemas.openxmlformats.org/officeDocument/2006/relationships" xmlns:p="http://schemas.openxmlformats.org/presentationml/2006/main">
   <p:cSld>
+    <p:bg>
+      <p:bgRef idx="1001">
+        <a:schemeClr val="bg1"/>
+      </p:bgRef>
+    </p:bg>
     <p:spTree>
       <p:nvGrpSpPr>
-        <p:cNvPr id="2" name="Shape 2"/>
+        <p:cNvPr id="1" name="Shape 2"/>
         <p:cNvGrpSpPr/>
         <p:nvPr/>
       </p:nvGrpSpPr>
@@ -316,9 +322,11 @@
       <p:sp>
         <p:nvSpPr>
           <p:cNvPr id="3" name="Google Shape;3;n"/>
-          <p:cNvSpPr/>
+          <p:cNvSpPr>
+            <a:spLocks noGrp="1" noRot="1" noChangeAspect="1"/>
+          </p:cNvSpPr>
           <p:nvPr>
-            <p:ph idx="2" type="sldImg"/>
+            <p:ph type="sldImg" idx="2"/>
           </p:nvPr>
         </p:nvSpPr>
         <p:spPr>
@@ -327,9 +335,13 @@
             <a:ext cx="6096075" cy="3429000"/>
           </a:xfrm>
           <a:custGeom>
-            <a:rect b="b" l="l" r="r" t="t"/>
+            <a:avLst/>
+            <a:gdLst/>
+            <a:ahLst/>
+            <a:cxnLst/>
+            <a:rect l="l" t="t" r="r" b="b"/>
             <a:pathLst>
-              <a:path extrusionOk="0" h="120000" w="120000">
+              <a:path w="120000" h="120000" extrusionOk="0">
                 <a:moveTo>
                   <a:pt x="0" y="0"/>
                 </a:moveTo>
@@ -347,23 +359,25 @@
             </a:pathLst>
           </a:custGeom>
           <a:noFill/>
-          <a:ln cap="flat" cmpd="sng" w="9525">
+          <a:ln w="9525" cap="flat" cmpd="sng">
             <a:solidFill>
               <a:srgbClr val="000000"/>
             </a:solidFill>
             <a:prstDash val="solid"/>
             <a:round/>
-            <a:headEnd len="sm" w="sm" type="none"/>
-            <a:tailEnd len="sm" w="sm" type="none"/>
+            <a:headEnd type="none" w="sm" len="sm"/>
+            <a:tailEnd type="none" w="sm" len="sm"/>
           </a:ln>
         </p:spPr>
       </p:sp>
       <p:sp>
         <p:nvSpPr>
           <p:cNvPr id="4" name="Google Shape;4;n"/>
-          <p:cNvSpPr txBox="1"/>
+          <p:cNvSpPr txBox="1">
+            <a:spLocks noGrp="1"/>
+          </p:cNvSpPr>
           <p:nvPr>
-            <p:ph idx="1" type="body"/>
+            <p:ph type="body" idx="1"/>
           </p:nvPr>
         </p:nvSpPr>
         <p:spPr>
@@ -380,11 +394,11 @@
           </a:ln>
         </p:spPr>
         <p:txBody>
-          <a:bodyPr anchorCtr="0" anchor="t" bIns="91425" lIns="91425" spcFirstLastPara="1" rIns="91425" wrap="square" tIns="91425">
+          <a:bodyPr spcFirstLastPara="1" wrap="square" lIns="91425" tIns="91425" rIns="91425" bIns="91425" anchor="t" anchorCtr="0">
             <a:noAutofit/>
           </a:bodyPr>
           <a:lstStyle>
-            <a:lvl1pPr indent="-298450" lvl="0" marL="457200">
+            <a:lvl1pPr marL="457200" lvl="0" indent="-298450">
               <a:spcBef>
                 <a:spcPts val="0"/>
               </a:spcBef>
@@ -395,7 +409,7 @@
               <a:buChar char="●"/>
               <a:defRPr sz="1100"/>
             </a:lvl1pPr>
-            <a:lvl2pPr indent="-298450" lvl="1" marL="914400">
+            <a:lvl2pPr marL="914400" lvl="1" indent="-298450">
               <a:spcBef>
                 <a:spcPts val="0"/>
               </a:spcBef>
@@ -406,7 +420,7 @@
               <a:buChar char="○"/>
               <a:defRPr sz="1100"/>
             </a:lvl2pPr>
-            <a:lvl3pPr indent="-298450" lvl="2" marL="1371600">
+            <a:lvl3pPr marL="1371600" lvl="2" indent="-298450">
               <a:spcBef>
                 <a:spcPts val="0"/>
               </a:spcBef>
@@ -417,7 +431,7 @@
               <a:buChar char="■"/>
               <a:defRPr sz="1100"/>
             </a:lvl3pPr>
-            <a:lvl4pPr indent="-298450" lvl="3" marL="1828800">
+            <a:lvl4pPr marL="1828800" lvl="3" indent="-298450">
               <a:spcBef>
                 <a:spcPts val="0"/>
               </a:spcBef>
@@ -428,7 +442,7 @@
               <a:buChar char="●"/>
               <a:defRPr sz="1100"/>
             </a:lvl4pPr>
-            <a:lvl5pPr indent="-298450" lvl="4" marL="2286000">
+            <a:lvl5pPr marL="2286000" lvl="4" indent="-298450">
               <a:spcBef>
                 <a:spcPts val="0"/>
               </a:spcBef>
@@ -439,7 +453,7 @@
               <a:buChar char="○"/>
               <a:defRPr sz="1100"/>
             </a:lvl5pPr>
-            <a:lvl6pPr indent="-298450" lvl="5" marL="2743200">
+            <a:lvl6pPr marL="2743200" lvl="5" indent="-298450">
               <a:spcBef>
                 <a:spcPts val="0"/>
               </a:spcBef>
@@ -450,7 +464,7 @@
               <a:buChar char="■"/>
               <a:defRPr sz="1100"/>
             </a:lvl6pPr>
-            <a:lvl7pPr indent="-298450" lvl="6" marL="3200400">
+            <a:lvl7pPr marL="3200400" lvl="6" indent="-298450">
               <a:spcBef>
                 <a:spcPts val="0"/>
               </a:spcBef>
@@ -461,7 +475,7 @@
               <a:buChar char="●"/>
               <a:defRPr sz="1100"/>
             </a:lvl7pPr>
-            <a:lvl8pPr indent="-298450" lvl="7" marL="3657600">
+            <a:lvl8pPr marL="3657600" lvl="7" indent="-298450">
               <a:spcBef>
                 <a:spcPts val="0"/>
               </a:spcBef>
@@ -472,7 +486,7 @@
               <a:buChar char="○"/>
               <a:defRPr sz="1100"/>
             </a:lvl8pPr>
-            <a:lvl9pPr indent="-298450" lvl="8" marL="4114800">
+            <a:lvl9pPr marL="4114800" lvl="8" indent="-298450">
               <a:spcBef>
                 <a:spcPts val="0"/>
               </a:spcBef>
@@ -484,14 +498,16 @@
               <a:defRPr sz="1100"/>
             </a:lvl9pPr>
           </a:lstStyle>
-          <a:p/>
+          <a:p>
+            <a:endParaRPr/>
+          </a:p>
         </p:txBody>
       </p:sp>
     </p:spTree>
   </p:cSld>
-  <p:clrMap accent1="accent1" accent2="accent2" accent3="accent3" accent4="accent4" accent5="accent5" accent6="accent6" bg1="lt1" bg2="dk2" tx1="dk1" tx2="lt2" folHlink="folHlink" hlink="hlink"/>
+  <p:clrMap bg1="lt1" tx1="dk1" bg2="dk2" tx2="lt2" accent1="accent1" accent2="accent2" accent3="accent3" accent4="accent4" accent5="accent5" accent6="accent6" hlink="hlink" folHlink="folHlink"/>
   <p:notesStyle>
-    <a:defPPr lvl="0" marR="0" rtl="0" algn="l">
+    <a:defPPr marR="0" lvl="0" algn="l" rtl="0">
       <a:lnSpc>
         <a:spcPct val="100000"/>
       </a:lnSpc>
@@ -502,7 +518,7 @@
         <a:spcPts val="0"/>
       </a:spcAft>
     </a:defPPr>
-    <a:lvl1pPr lvl="0" marR="0" rtl="0" algn="l">
+    <a:lvl1pPr marR="0" lvl="0" algn="l" rtl="0">
       <a:lnSpc>
         <a:spcPct val="100000"/>
       </a:lnSpc>
@@ -516,7 +532,7 @@
         <a:srgbClr val="000000"/>
       </a:buClr>
       <a:buFont typeface="Arial"/>
-      <a:defRPr b="0" i="0" sz="1400" u="none" cap="none" strike="noStrike">
+      <a:defRPr sz="1400" b="0" i="0" u="none" strike="noStrike" cap="none">
         <a:solidFill>
           <a:srgbClr val="000000"/>
         </a:solidFill>
@@ -526,7 +542,7 @@
         <a:sym typeface="Arial"/>
       </a:defRPr>
     </a:lvl1pPr>
-    <a:lvl2pPr lvl="1" marR="0" rtl="0" algn="l">
+    <a:lvl2pPr marR="0" lvl="1" algn="l" rtl="0">
       <a:lnSpc>
         <a:spcPct val="100000"/>
       </a:lnSpc>
@@ -540,7 +556,7 @@
         <a:srgbClr val="000000"/>
       </a:buClr>
       <a:buFont typeface="Arial"/>
-      <a:defRPr b="0" i="0" sz="1400" u="none" cap="none" strike="noStrike">
+      <a:defRPr sz="1400" b="0" i="0" u="none" strike="noStrike" cap="none">
         <a:solidFill>
           <a:srgbClr val="000000"/>
         </a:solidFill>
@@ -550,7 +566,7 @@
         <a:sym typeface="Arial"/>
       </a:defRPr>
     </a:lvl2pPr>
-    <a:lvl3pPr lvl="2" marR="0" rtl="0" algn="l">
+    <a:lvl3pPr marR="0" lvl="2" algn="l" rtl="0">
       <a:lnSpc>
         <a:spcPct val="100000"/>
       </a:lnSpc>
@@ -564,7 +580,7 @@
         <a:srgbClr val="000000"/>
       </a:buClr>
       <a:buFont typeface="Arial"/>
-      <a:defRPr b="0" i="0" sz="1400" u="none" cap="none" strike="noStrike">
+      <a:defRPr sz="1400" b="0" i="0" u="none" strike="noStrike" cap="none">
         <a:solidFill>
           <a:srgbClr val="000000"/>
         </a:solidFill>
@@ -574,7 +590,7 @@
         <a:sym typeface="Arial"/>
       </a:defRPr>
     </a:lvl3pPr>
-    <a:lvl4pPr lvl="3" marR="0" rtl="0" algn="l">
+    <a:lvl4pPr marR="0" lvl="3" algn="l" rtl="0">
       <a:lnSpc>
         <a:spcPct val="100000"/>
       </a:lnSpc>
@@ -588,7 +604,7 @@
         <a:srgbClr val="000000"/>
       </a:buClr>
       <a:buFont typeface="Arial"/>
-      <a:defRPr b="0" i="0" sz="1400" u="none" cap="none" strike="noStrike">
+      <a:defRPr sz="1400" b="0" i="0" u="none" strike="noStrike" cap="none">
         <a:solidFill>
           <a:srgbClr val="000000"/>
         </a:solidFill>
@@ -598,7 +614,7 @@
         <a:sym typeface="Arial"/>
       </a:defRPr>
     </a:lvl4pPr>
-    <a:lvl5pPr lvl="4" marR="0" rtl="0" algn="l">
+    <a:lvl5pPr marR="0" lvl="4" algn="l" rtl="0">
       <a:lnSpc>
         <a:spcPct val="100000"/>
       </a:lnSpc>
@@ -612,7 +628,7 @@
         <a:srgbClr val="000000"/>
       </a:buClr>
       <a:buFont typeface="Arial"/>
-      <a:defRPr b="0" i="0" sz="1400" u="none" cap="none" strike="noStrike">
+      <a:defRPr sz="1400" b="0" i="0" u="none" strike="noStrike" cap="none">
         <a:solidFill>
           <a:srgbClr val="000000"/>
         </a:solidFill>
@@ -622,7 +638,7 @@
         <a:sym typeface="Arial"/>
       </a:defRPr>
     </a:lvl5pPr>
-    <a:lvl6pPr lvl="5" marR="0" rtl="0" algn="l">
+    <a:lvl6pPr marR="0" lvl="5" algn="l" rtl="0">
       <a:lnSpc>
         <a:spcPct val="100000"/>
       </a:lnSpc>
@@ -636,7 +652,7 @@
         <a:srgbClr val="000000"/>
       </a:buClr>
       <a:buFont typeface="Arial"/>
-      <a:defRPr b="0" i="0" sz="1400" u="none" cap="none" strike="noStrike">
+      <a:defRPr sz="1400" b="0" i="0" u="none" strike="noStrike" cap="none">
         <a:solidFill>
           <a:srgbClr val="000000"/>
         </a:solidFill>
@@ -646,7 +662,7 @@
         <a:sym typeface="Arial"/>
       </a:defRPr>
     </a:lvl6pPr>
-    <a:lvl7pPr lvl="6" marR="0" rtl="0" algn="l">
+    <a:lvl7pPr marR="0" lvl="6" algn="l" rtl="0">
       <a:lnSpc>
         <a:spcPct val="100000"/>
       </a:lnSpc>
@@ -660,7 +676,7 @@
         <a:srgbClr val="000000"/>
       </a:buClr>
       <a:buFont typeface="Arial"/>
-      <a:defRPr b="0" i="0" sz="1400" u="none" cap="none" strike="noStrike">
+      <a:defRPr sz="1400" b="0" i="0" u="none" strike="noStrike" cap="none">
         <a:solidFill>
           <a:srgbClr val="000000"/>
         </a:solidFill>
@@ -670,7 +686,7 @@
         <a:sym typeface="Arial"/>
       </a:defRPr>
     </a:lvl7pPr>
-    <a:lvl8pPr lvl="7" marR="0" rtl="0" algn="l">
+    <a:lvl8pPr marR="0" lvl="7" algn="l" rtl="0">
       <a:lnSpc>
         <a:spcPct val="100000"/>
       </a:lnSpc>
@@ -684,7 +700,7 @@
         <a:srgbClr val="000000"/>
       </a:buClr>
       <a:buFont typeface="Arial"/>
-      <a:defRPr b="0" i="0" sz="1400" u="none" cap="none" strike="noStrike">
+      <a:defRPr sz="1400" b="0" i="0" u="none" strike="noStrike" cap="none">
         <a:solidFill>
           <a:srgbClr val="000000"/>
         </a:solidFill>
@@ -694,7 +710,7 @@
         <a:sym typeface="Arial"/>
       </a:defRPr>
     </a:lvl8pPr>
-    <a:lvl9pPr lvl="8" marR="0" rtl="0" algn="l">
+    <a:lvl9pPr marR="0" lvl="8" algn="l" rtl="0">
       <a:lnSpc>
         <a:spcPct val="100000"/>
       </a:lnSpc>
@@ -708,7 +724,7 @@
         <a:srgbClr val="000000"/>
       </a:buClr>
       <a:buFont typeface="Arial"/>
-      <a:defRPr b="0" i="0" sz="1400" u="none" cap="none" strike="noStrike">
+      <a:defRPr sz="1400" b="0" i="0" u="none" strike="noStrike" cap="none">
         <a:solidFill>
           <a:srgbClr val="000000"/>
         </a:solidFill>
@@ -723,11 +739,11 @@
 </file>
 
 <file path=ppt/notesSlides/notesSlide1.xml><?xml version="1.0" encoding="utf-8"?>
-<p:notes xmlns:a="http://schemas.openxmlformats.org/drawingml/2006/main" xmlns:r="http://schemas.openxmlformats.org/officeDocument/2006/relationships" xmlns:mc="http://schemas.openxmlformats.org/markup-compatibility/2006" xmlns:mv="urn:schemas-microsoft-com:mac:vml" xmlns:p="http://schemas.openxmlformats.org/presentationml/2006/main" xmlns:c="http://schemas.openxmlformats.org/drawingml/2006/chart" xmlns:dgm="http://schemas.openxmlformats.org/drawingml/2006/diagram" xmlns:o="urn:schemas-microsoft-com:office:office" xmlns:v="urn:schemas-microsoft-com:vml" xmlns:pvml="urn:schemas-microsoft-com:office:powerpoint" xmlns:com="http://schemas.openxmlformats.org/drawingml/2006/compatibility" xmlns:p14="http://schemas.microsoft.com/office/powerpoint/2010/main" xmlns:p15="http://schemas.microsoft.com/office/powerpoint/2012/main" xmlns:ahyp="http://schemas.microsoft.com/office/drawing/2018/hyperlinkcolor" showMasterPhAnim="0" showMasterSp="0">
+<p:notes xmlns:a="http://schemas.openxmlformats.org/drawingml/2006/main" xmlns:r="http://schemas.openxmlformats.org/officeDocument/2006/relationships" xmlns:p="http://schemas.openxmlformats.org/presentationml/2006/main" showMasterSp="0" showMasterPhAnim="0">
   <p:cSld>
     <p:spTree>
       <p:nvGrpSpPr>
-        <p:cNvPr id="82" name="Shape 82"/>
+        <p:cNvPr id="1" name="Shape 82"/>
         <p:cNvGrpSpPr/>
         <p:nvPr/>
       </p:nvGrpSpPr>
@@ -742,9 +758,11 @@
       <p:sp>
         <p:nvSpPr>
           <p:cNvPr id="83" name="Google Shape;83;p:notes"/>
-          <p:cNvSpPr/>
+          <p:cNvSpPr>
+            <a:spLocks noGrp="1" noRot="1" noChangeAspect="1"/>
+          </p:cNvSpPr>
           <p:nvPr>
-            <p:ph idx="2" type="sldImg"/>
+            <p:ph type="sldImg" idx="2"/>
           </p:nvPr>
         </p:nvSpPr>
         <p:spPr>
@@ -753,9 +771,13 @@
             <a:ext cx="6096075" cy="3429000"/>
           </a:xfrm>
           <a:custGeom>
-            <a:rect b="b" l="l" r="r" t="t"/>
+            <a:avLst/>
+            <a:gdLst/>
+            <a:ahLst/>
+            <a:cxnLst/>
+            <a:rect l="l" t="t" r="r" b="b"/>
             <a:pathLst>
-              <a:path extrusionOk="0" h="120000" w="120000">
+              <a:path w="120000" h="120000" extrusionOk="0">
                 <a:moveTo>
                   <a:pt x="0" y="0"/>
                 </a:moveTo>
@@ -777,9 +799,11 @@
       <p:sp>
         <p:nvSpPr>
           <p:cNvPr id="84" name="Google Shape;84;p:notes"/>
-          <p:cNvSpPr txBox="1"/>
+          <p:cNvSpPr txBox="1">
+            <a:spLocks noGrp="1"/>
+          </p:cNvSpPr>
           <p:nvPr>
-            <p:ph idx="1" type="body"/>
+            <p:ph type="body" idx="1"/>
           </p:nvPr>
         </p:nvSpPr>
         <p:spPr>
@@ -792,12 +816,12 @@
           </a:prstGeom>
         </p:spPr>
         <p:txBody>
-          <a:bodyPr anchorCtr="0" anchor="t" bIns="91425" lIns="91425" spcFirstLastPara="1" rIns="91425" wrap="square" tIns="91425">
+          <a:bodyPr spcFirstLastPara="1" wrap="square" lIns="91425" tIns="91425" rIns="91425" bIns="91425" anchor="t" anchorCtr="0">
             <a:noAutofit/>
           </a:bodyPr>
           <a:lstStyle/>
           <a:p>
-            <a:pPr indent="0" lvl="0" marL="0" rtl="0" algn="l">
+            <a:pPr marL="0" lvl="0" indent="0" algn="l" rtl="0">
               <a:spcBef>
                 <a:spcPts val="0"/>
               </a:spcBef>
@@ -806,9 +830,6 @@
               </a:spcAft>
               <a:buNone/>
             </a:pPr>
-            <a:r>
-              <a:t/>
-            </a:r>
             <a:endParaRPr/>
           </a:p>
         </p:txBody>
@@ -822,11 +843,11 @@
 </file>
 
 <file path=ppt/notesSlides/notesSlide10.xml><?xml version="1.0" encoding="utf-8"?>
-<p:notes xmlns:a="http://schemas.openxmlformats.org/drawingml/2006/main" xmlns:r="http://schemas.openxmlformats.org/officeDocument/2006/relationships" xmlns:mc="http://schemas.openxmlformats.org/markup-compatibility/2006" xmlns:mv="urn:schemas-microsoft-com:mac:vml" xmlns:p="http://schemas.openxmlformats.org/presentationml/2006/main" xmlns:c="http://schemas.openxmlformats.org/drawingml/2006/chart" xmlns:dgm="http://schemas.openxmlformats.org/drawingml/2006/diagram" xmlns:o="urn:schemas-microsoft-com:office:office" xmlns:v="urn:schemas-microsoft-com:vml" xmlns:pvml="urn:schemas-microsoft-com:office:powerpoint" xmlns:com="http://schemas.openxmlformats.org/drawingml/2006/compatibility" xmlns:p14="http://schemas.microsoft.com/office/powerpoint/2010/main" xmlns:p15="http://schemas.microsoft.com/office/powerpoint/2012/main" xmlns:ahyp="http://schemas.microsoft.com/office/drawing/2018/hyperlinkcolor" showMasterPhAnim="0" showMasterSp="0">
+<p:notes xmlns:a="http://schemas.openxmlformats.org/drawingml/2006/main" xmlns:r="http://schemas.openxmlformats.org/officeDocument/2006/relationships" xmlns:p="http://schemas.openxmlformats.org/presentationml/2006/main" showMasterSp="0" showMasterPhAnim="0">
   <p:cSld>
     <p:spTree>
       <p:nvGrpSpPr>
-        <p:cNvPr id="130" name="Shape 130"/>
+        <p:cNvPr id="1" name="Shape 130"/>
         <p:cNvGrpSpPr/>
         <p:nvPr/>
       </p:nvGrpSpPr>
@@ -841,9 +862,11 @@
       <p:sp>
         <p:nvSpPr>
           <p:cNvPr id="131" name="Google Shape;131;g364aa7162a0_0_95:notes"/>
-          <p:cNvSpPr/>
+          <p:cNvSpPr>
+            <a:spLocks noGrp="1" noRot="1" noChangeAspect="1"/>
+          </p:cNvSpPr>
           <p:nvPr>
-            <p:ph idx="2" type="sldImg"/>
+            <p:ph type="sldImg" idx="2"/>
           </p:nvPr>
         </p:nvSpPr>
         <p:spPr>
@@ -852,9 +875,13 @@
             <a:ext cx="6096000" cy="3429000"/>
           </a:xfrm>
           <a:custGeom>
-            <a:rect b="b" l="l" r="r" t="t"/>
+            <a:avLst/>
+            <a:gdLst/>
+            <a:ahLst/>
+            <a:cxnLst/>
+            <a:rect l="l" t="t" r="r" b="b"/>
             <a:pathLst>
-              <a:path extrusionOk="0" h="120000" w="120000">
+              <a:path w="120000" h="120000" extrusionOk="0">
                 <a:moveTo>
                   <a:pt x="0" y="0"/>
                 </a:moveTo>
@@ -876,9 +903,11 @@
       <p:sp>
         <p:nvSpPr>
           <p:cNvPr id="132" name="Google Shape;132;g364aa7162a0_0_95:notes"/>
-          <p:cNvSpPr txBox="1"/>
+          <p:cNvSpPr txBox="1">
+            <a:spLocks noGrp="1"/>
+          </p:cNvSpPr>
           <p:nvPr>
-            <p:ph idx="1" type="body"/>
+            <p:ph type="body" idx="1"/>
           </p:nvPr>
         </p:nvSpPr>
         <p:spPr>
@@ -891,12 +920,12 @@
           </a:prstGeom>
         </p:spPr>
         <p:txBody>
-          <a:bodyPr anchorCtr="0" anchor="t" bIns="91425" lIns="91425" spcFirstLastPara="1" rIns="91425" wrap="square" tIns="91425">
+          <a:bodyPr spcFirstLastPara="1" wrap="square" lIns="91425" tIns="91425" rIns="91425" bIns="91425" anchor="t" anchorCtr="0">
             <a:noAutofit/>
           </a:bodyPr>
           <a:lstStyle/>
           <a:p>
-            <a:pPr indent="0" lvl="0" marL="0" rtl="0" algn="l">
+            <a:pPr marL="0" lvl="0" indent="0" algn="l" rtl="0">
               <a:spcBef>
                 <a:spcPts val="0"/>
               </a:spcBef>
@@ -905,9 +934,6 @@
               </a:spcAft>
               <a:buNone/>
             </a:pPr>
-            <a:r>
-              <a:t/>
-            </a:r>
             <a:endParaRPr/>
           </a:p>
         </p:txBody>
@@ -921,11 +947,11 @@
 </file>
 
 <file path=ppt/notesSlides/notesSlide11.xml><?xml version="1.0" encoding="utf-8"?>
-<p:notes xmlns:a="http://schemas.openxmlformats.org/drawingml/2006/main" xmlns:r="http://schemas.openxmlformats.org/officeDocument/2006/relationships" xmlns:mc="http://schemas.openxmlformats.org/markup-compatibility/2006" xmlns:mv="urn:schemas-microsoft-com:mac:vml" xmlns:p="http://schemas.openxmlformats.org/presentationml/2006/main" xmlns:c="http://schemas.openxmlformats.org/drawingml/2006/chart" xmlns:dgm="http://schemas.openxmlformats.org/drawingml/2006/diagram" xmlns:o="urn:schemas-microsoft-com:office:office" xmlns:v="urn:schemas-microsoft-com:vml" xmlns:pvml="urn:schemas-microsoft-com:office:powerpoint" xmlns:com="http://schemas.openxmlformats.org/drawingml/2006/compatibility" xmlns:p14="http://schemas.microsoft.com/office/powerpoint/2010/main" xmlns:p15="http://schemas.microsoft.com/office/powerpoint/2012/main" xmlns:ahyp="http://schemas.microsoft.com/office/drawing/2018/hyperlinkcolor" showMasterPhAnim="0" showMasterSp="0">
+<p:notes xmlns:a="http://schemas.openxmlformats.org/drawingml/2006/main" xmlns:r="http://schemas.openxmlformats.org/officeDocument/2006/relationships" xmlns:p="http://schemas.openxmlformats.org/presentationml/2006/main" showMasterSp="0" showMasterPhAnim="0">
   <p:cSld>
     <p:spTree>
       <p:nvGrpSpPr>
-        <p:cNvPr id="135" name="Shape 135"/>
+        <p:cNvPr id="1" name="Shape 135"/>
         <p:cNvGrpSpPr/>
         <p:nvPr/>
       </p:nvGrpSpPr>
@@ -940,9 +966,11 @@
       <p:sp>
         <p:nvSpPr>
           <p:cNvPr id="136" name="Google Shape;136;g364aa7162a0_0_456:notes"/>
-          <p:cNvSpPr/>
+          <p:cNvSpPr>
+            <a:spLocks noGrp="1" noRot="1" noChangeAspect="1"/>
+          </p:cNvSpPr>
           <p:nvPr>
-            <p:ph idx="2" type="sldImg"/>
+            <p:ph type="sldImg" idx="2"/>
           </p:nvPr>
         </p:nvSpPr>
         <p:spPr>
@@ -951,9 +979,13 @@
             <a:ext cx="6096000" cy="3429000"/>
           </a:xfrm>
           <a:custGeom>
-            <a:rect b="b" l="l" r="r" t="t"/>
+            <a:avLst/>
+            <a:gdLst/>
+            <a:ahLst/>
+            <a:cxnLst/>
+            <a:rect l="l" t="t" r="r" b="b"/>
             <a:pathLst>
-              <a:path extrusionOk="0" h="120000" w="120000">
+              <a:path w="120000" h="120000" extrusionOk="0">
                 <a:moveTo>
                   <a:pt x="0" y="0"/>
                 </a:moveTo>
@@ -975,9 +1007,11 @@
       <p:sp>
         <p:nvSpPr>
           <p:cNvPr id="137" name="Google Shape;137;g364aa7162a0_0_456:notes"/>
-          <p:cNvSpPr txBox="1"/>
+          <p:cNvSpPr txBox="1">
+            <a:spLocks noGrp="1"/>
+          </p:cNvSpPr>
           <p:nvPr>
-            <p:ph idx="1" type="body"/>
+            <p:ph type="body" idx="1"/>
           </p:nvPr>
         </p:nvSpPr>
         <p:spPr>
@@ -990,12 +1024,12 @@
           </a:prstGeom>
         </p:spPr>
         <p:txBody>
-          <a:bodyPr anchorCtr="0" anchor="t" bIns="91425" lIns="91425" spcFirstLastPara="1" rIns="91425" wrap="square" tIns="91425">
+          <a:bodyPr spcFirstLastPara="1" wrap="square" lIns="91425" tIns="91425" rIns="91425" bIns="91425" anchor="t" anchorCtr="0">
             <a:noAutofit/>
           </a:bodyPr>
           <a:lstStyle/>
           <a:p>
-            <a:pPr indent="0" lvl="0" marL="0" rtl="0" algn="l">
+            <a:pPr marL="0" lvl="0" indent="0" algn="l" rtl="0">
               <a:spcBef>
                 <a:spcPts val="0"/>
               </a:spcBef>
@@ -1004,9 +1038,6 @@
               </a:spcAft>
               <a:buNone/>
             </a:pPr>
-            <a:r>
-              <a:t/>
-            </a:r>
             <a:endParaRPr/>
           </a:p>
         </p:txBody>
@@ -1020,11 +1051,11 @@
 </file>
 
 <file path=ppt/notesSlides/notesSlide12.xml><?xml version="1.0" encoding="utf-8"?>
-<p:notes xmlns:a="http://schemas.openxmlformats.org/drawingml/2006/main" xmlns:r="http://schemas.openxmlformats.org/officeDocument/2006/relationships" xmlns:mc="http://schemas.openxmlformats.org/markup-compatibility/2006" xmlns:mv="urn:schemas-microsoft-com:mac:vml" xmlns:p="http://schemas.openxmlformats.org/presentationml/2006/main" xmlns:c="http://schemas.openxmlformats.org/drawingml/2006/chart" xmlns:dgm="http://schemas.openxmlformats.org/drawingml/2006/diagram" xmlns:o="urn:schemas-microsoft-com:office:office" xmlns:v="urn:schemas-microsoft-com:vml" xmlns:pvml="urn:schemas-microsoft-com:office:powerpoint" xmlns:com="http://schemas.openxmlformats.org/drawingml/2006/compatibility" xmlns:p14="http://schemas.microsoft.com/office/powerpoint/2010/main" xmlns:p15="http://schemas.microsoft.com/office/powerpoint/2012/main" xmlns:ahyp="http://schemas.microsoft.com/office/drawing/2018/hyperlinkcolor" showMasterPhAnim="0" showMasterSp="0">
+<p:notes xmlns:a="http://schemas.openxmlformats.org/drawingml/2006/main" xmlns:r="http://schemas.openxmlformats.org/officeDocument/2006/relationships" xmlns:p="http://schemas.openxmlformats.org/presentationml/2006/main" showMasterSp="0" showMasterPhAnim="0">
   <p:cSld>
     <p:spTree>
       <p:nvGrpSpPr>
-        <p:cNvPr id="141" name="Shape 141"/>
+        <p:cNvPr id="1" name="Shape 141"/>
         <p:cNvGrpSpPr/>
         <p:nvPr/>
       </p:nvGrpSpPr>
@@ -1039,9 +1070,11 @@
       <p:sp>
         <p:nvSpPr>
           <p:cNvPr id="142" name="Google Shape;142;g364aa7162a0_0_100:notes"/>
-          <p:cNvSpPr/>
+          <p:cNvSpPr>
+            <a:spLocks noGrp="1" noRot="1" noChangeAspect="1"/>
+          </p:cNvSpPr>
           <p:nvPr>
-            <p:ph idx="2" type="sldImg"/>
+            <p:ph type="sldImg" idx="2"/>
           </p:nvPr>
         </p:nvSpPr>
         <p:spPr>
@@ -1050,9 +1083,13 @@
             <a:ext cx="6096000" cy="3429000"/>
           </a:xfrm>
           <a:custGeom>
-            <a:rect b="b" l="l" r="r" t="t"/>
+            <a:avLst/>
+            <a:gdLst/>
+            <a:ahLst/>
+            <a:cxnLst/>
+            <a:rect l="l" t="t" r="r" b="b"/>
             <a:pathLst>
-              <a:path extrusionOk="0" h="120000" w="120000">
+              <a:path w="120000" h="120000" extrusionOk="0">
                 <a:moveTo>
                   <a:pt x="0" y="0"/>
                 </a:moveTo>
@@ -1074,9 +1111,11 @@
       <p:sp>
         <p:nvSpPr>
           <p:cNvPr id="143" name="Google Shape;143;g364aa7162a0_0_100:notes"/>
-          <p:cNvSpPr txBox="1"/>
+          <p:cNvSpPr txBox="1">
+            <a:spLocks noGrp="1"/>
+          </p:cNvSpPr>
           <p:nvPr>
-            <p:ph idx="1" type="body"/>
+            <p:ph type="body" idx="1"/>
           </p:nvPr>
         </p:nvSpPr>
         <p:spPr>
@@ -1089,12 +1128,12 @@
           </a:prstGeom>
         </p:spPr>
         <p:txBody>
-          <a:bodyPr anchorCtr="0" anchor="t" bIns="91425" lIns="91425" spcFirstLastPara="1" rIns="91425" wrap="square" tIns="91425">
+          <a:bodyPr spcFirstLastPara="1" wrap="square" lIns="91425" tIns="91425" rIns="91425" bIns="91425" anchor="t" anchorCtr="0">
             <a:noAutofit/>
           </a:bodyPr>
           <a:lstStyle/>
           <a:p>
-            <a:pPr indent="0" lvl="0" marL="0" rtl="0" algn="l">
+            <a:pPr marL="0" lvl="0" indent="0" algn="l" rtl="0">
               <a:spcBef>
                 <a:spcPts val="0"/>
               </a:spcBef>
@@ -1103,9 +1142,6 @@
               </a:spcAft>
               <a:buNone/>
             </a:pPr>
-            <a:r>
-              <a:t/>
-            </a:r>
             <a:endParaRPr/>
           </a:p>
         </p:txBody>
@@ -1119,11 +1155,11 @@
 </file>
 
 <file path=ppt/notesSlides/notesSlide13.xml><?xml version="1.0" encoding="utf-8"?>
-<p:notes xmlns:a="http://schemas.openxmlformats.org/drawingml/2006/main" xmlns:r="http://schemas.openxmlformats.org/officeDocument/2006/relationships" xmlns:mc="http://schemas.openxmlformats.org/markup-compatibility/2006" xmlns:mv="urn:schemas-microsoft-com:mac:vml" xmlns:p="http://schemas.openxmlformats.org/presentationml/2006/main" xmlns:c="http://schemas.openxmlformats.org/drawingml/2006/chart" xmlns:dgm="http://schemas.openxmlformats.org/drawingml/2006/diagram" xmlns:o="urn:schemas-microsoft-com:office:office" xmlns:v="urn:schemas-microsoft-com:vml" xmlns:pvml="urn:schemas-microsoft-com:office:powerpoint" xmlns:com="http://schemas.openxmlformats.org/drawingml/2006/compatibility" xmlns:p14="http://schemas.microsoft.com/office/powerpoint/2010/main" xmlns:p15="http://schemas.microsoft.com/office/powerpoint/2012/main" xmlns:ahyp="http://schemas.microsoft.com/office/drawing/2018/hyperlinkcolor" showMasterPhAnim="0" showMasterSp="0">
+<p:notes xmlns:a="http://schemas.openxmlformats.org/drawingml/2006/main" xmlns:r="http://schemas.openxmlformats.org/officeDocument/2006/relationships" xmlns:p="http://schemas.openxmlformats.org/presentationml/2006/main" showMasterSp="0" showMasterPhAnim="0">
   <p:cSld>
     <p:spTree>
       <p:nvGrpSpPr>
-        <p:cNvPr id="146" name="Shape 146"/>
+        <p:cNvPr id="1" name="Shape 146"/>
         <p:cNvGrpSpPr/>
         <p:nvPr/>
       </p:nvGrpSpPr>
@@ -1138,9 +1174,11 @@
       <p:sp>
         <p:nvSpPr>
           <p:cNvPr id="147" name="Google Shape;147;g364aa7162a0_0_105:notes"/>
-          <p:cNvSpPr/>
+          <p:cNvSpPr>
+            <a:spLocks noGrp="1" noRot="1" noChangeAspect="1"/>
+          </p:cNvSpPr>
           <p:nvPr>
-            <p:ph idx="2" type="sldImg"/>
+            <p:ph type="sldImg" idx="2"/>
           </p:nvPr>
         </p:nvSpPr>
         <p:spPr>
@@ -1149,9 +1187,13 @@
             <a:ext cx="6096000" cy="3429000"/>
           </a:xfrm>
           <a:custGeom>
-            <a:rect b="b" l="l" r="r" t="t"/>
+            <a:avLst/>
+            <a:gdLst/>
+            <a:ahLst/>
+            <a:cxnLst/>
+            <a:rect l="l" t="t" r="r" b="b"/>
             <a:pathLst>
-              <a:path extrusionOk="0" h="120000" w="120000">
+              <a:path w="120000" h="120000" extrusionOk="0">
                 <a:moveTo>
                   <a:pt x="0" y="0"/>
                 </a:moveTo>
@@ -1173,9 +1215,11 @@
       <p:sp>
         <p:nvSpPr>
           <p:cNvPr id="148" name="Google Shape;148;g364aa7162a0_0_105:notes"/>
-          <p:cNvSpPr txBox="1"/>
+          <p:cNvSpPr txBox="1">
+            <a:spLocks noGrp="1"/>
+          </p:cNvSpPr>
           <p:nvPr>
-            <p:ph idx="1" type="body"/>
+            <p:ph type="body" idx="1"/>
           </p:nvPr>
         </p:nvSpPr>
         <p:spPr>
@@ -1188,12 +1232,12 @@
           </a:prstGeom>
         </p:spPr>
         <p:txBody>
-          <a:bodyPr anchorCtr="0" anchor="t" bIns="91425" lIns="91425" spcFirstLastPara="1" rIns="91425" wrap="square" tIns="91425">
+          <a:bodyPr spcFirstLastPara="1" wrap="square" lIns="91425" tIns="91425" rIns="91425" bIns="91425" anchor="t" anchorCtr="0">
             <a:noAutofit/>
           </a:bodyPr>
           <a:lstStyle/>
           <a:p>
-            <a:pPr indent="0" lvl="0" marL="0" rtl="0" algn="l">
+            <a:pPr marL="0" lvl="0" indent="0" algn="l" rtl="0">
               <a:spcBef>
                 <a:spcPts val="0"/>
               </a:spcBef>
@@ -1202,9 +1246,6 @@
               </a:spcAft>
               <a:buNone/>
             </a:pPr>
-            <a:r>
-              <a:t/>
-            </a:r>
             <a:endParaRPr/>
           </a:p>
         </p:txBody>
@@ -1218,11 +1259,11 @@
 </file>
 
 <file path=ppt/notesSlides/notesSlide14.xml><?xml version="1.0" encoding="utf-8"?>
-<p:notes xmlns:a="http://schemas.openxmlformats.org/drawingml/2006/main" xmlns:r="http://schemas.openxmlformats.org/officeDocument/2006/relationships" xmlns:mc="http://schemas.openxmlformats.org/markup-compatibility/2006" xmlns:mv="urn:schemas-microsoft-com:mac:vml" xmlns:p="http://schemas.openxmlformats.org/presentationml/2006/main" xmlns:c="http://schemas.openxmlformats.org/drawingml/2006/chart" xmlns:dgm="http://schemas.openxmlformats.org/drawingml/2006/diagram" xmlns:o="urn:schemas-microsoft-com:office:office" xmlns:v="urn:schemas-microsoft-com:vml" xmlns:pvml="urn:schemas-microsoft-com:office:powerpoint" xmlns:com="http://schemas.openxmlformats.org/drawingml/2006/compatibility" xmlns:p14="http://schemas.microsoft.com/office/powerpoint/2010/main" xmlns:p15="http://schemas.microsoft.com/office/powerpoint/2012/main" xmlns:ahyp="http://schemas.microsoft.com/office/drawing/2018/hyperlinkcolor" showMasterPhAnim="0" showMasterSp="0">
+<p:notes xmlns:a="http://schemas.openxmlformats.org/drawingml/2006/main" xmlns:r="http://schemas.openxmlformats.org/officeDocument/2006/relationships" xmlns:p="http://schemas.openxmlformats.org/presentationml/2006/main" showMasterSp="0" showMasterPhAnim="0">
   <p:cSld>
     <p:spTree>
       <p:nvGrpSpPr>
-        <p:cNvPr id="151" name="Shape 151"/>
+        <p:cNvPr id="1" name="Shape 151"/>
         <p:cNvGrpSpPr/>
         <p:nvPr/>
       </p:nvGrpSpPr>
@@ -1237,9 +1278,11 @@
       <p:sp>
         <p:nvSpPr>
           <p:cNvPr id="152" name="Google Shape;152;g364aa7162a0_0_110:notes"/>
-          <p:cNvSpPr/>
+          <p:cNvSpPr>
+            <a:spLocks noGrp="1" noRot="1" noChangeAspect="1"/>
+          </p:cNvSpPr>
           <p:nvPr>
-            <p:ph idx="2" type="sldImg"/>
+            <p:ph type="sldImg" idx="2"/>
           </p:nvPr>
         </p:nvSpPr>
         <p:spPr>
@@ -1248,9 +1291,13 @@
             <a:ext cx="6096000" cy="3429000"/>
           </a:xfrm>
           <a:custGeom>
-            <a:rect b="b" l="l" r="r" t="t"/>
+            <a:avLst/>
+            <a:gdLst/>
+            <a:ahLst/>
+            <a:cxnLst/>
+            <a:rect l="l" t="t" r="r" b="b"/>
             <a:pathLst>
-              <a:path extrusionOk="0" h="120000" w="120000">
+              <a:path w="120000" h="120000" extrusionOk="0">
                 <a:moveTo>
                   <a:pt x="0" y="0"/>
                 </a:moveTo>
@@ -1272,9 +1319,11 @@
       <p:sp>
         <p:nvSpPr>
           <p:cNvPr id="153" name="Google Shape;153;g364aa7162a0_0_110:notes"/>
-          <p:cNvSpPr txBox="1"/>
+          <p:cNvSpPr txBox="1">
+            <a:spLocks noGrp="1"/>
+          </p:cNvSpPr>
           <p:nvPr>
-            <p:ph idx="1" type="body"/>
+            <p:ph type="body" idx="1"/>
           </p:nvPr>
         </p:nvSpPr>
         <p:spPr>
@@ -1287,12 +1336,12 @@
           </a:prstGeom>
         </p:spPr>
         <p:txBody>
-          <a:bodyPr anchorCtr="0" anchor="t" bIns="91425" lIns="91425" spcFirstLastPara="1" rIns="91425" wrap="square" tIns="91425">
+          <a:bodyPr spcFirstLastPara="1" wrap="square" lIns="91425" tIns="91425" rIns="91425" bIns="91425" anchor="t" anchorCtr="0">
             <a:noAutofit/>
           </a:bodyPr>
           <a:lstStyle/>
           <a:p>
-            <a:pPr indent="0" lvl="0" marL="0" rtl="0" algn="l">
+            <a:pPr marL="0" lvl="0" indent="0" algn="l" rtl="0">
               <a:spcBef>
                 <a:spcPts val="0"/>
               </a:spcBef>
@@ -1301,9 +1350,6 @@
               </a:spcAft>
               <a:buNone/>
             </a:pPr>
-            <a:r>
-              <a:t/>
-            </a:r>
             <a:endParaRPr/>
           </a:p>
         </p:txBody>
@@ -1317,11 +1363,11 @@
 </file>
 
 <file path=ppt/notesSlides/notesSlide15.xml><?xml version="1.0" encoding="utf-8"?>
-<p:notes xmlns:a="http://schemas.openxmlformats.org/drawingml/2006/main" xmlns:r="http://schemas.openxmlformats.org/officeDocument/2006/relationships" xmlns:mc="http://schemas.openxmlformats.org/markup-compatibility/2006" xmlns:mv="urn:schemas-microsoft-com:mac:vml" xmlns:p="http://schemas.openxmlformats.org/presentationml/2006/main" xmlns:c="http://schemas.openxmlformats.org/drawingml/2006/chart" xmlns:dgm="http://schemas.openxmlformats.org/drawingml/2006/diagram" xmlns:o="urn:schemas-microsoft-com:office:office" xmlns:v="urn:schemas-microsoft-com:vml" xmlns:pvml="urn:schemas-microsoft-com:office:powerpoint" xmlns:com="http://schemas.openxmlformats.org/drawingml/2006/compatibility" xmlns:p14="http://schemas.microsoft.com/office/powerpoint/2010/main" xmlns:p15="http://schemas.microsoft.com/office/powerpoint/2012/main" xmlns:ahyp="http://schemas.microsoft.com/office/drawing/2018/hyperlinkcolor" showMasterPhAnim="0" showMasterSp="0">
+<p:notes xmlns:a="http://schemas.openxmlformats.org/drawingml/2006/main" xmlns:r="http://schemas.openxmlformats.org/officeDocument/2006/relationships" xmlns:p="http://schemas.openxmlformats.org/presentationml/2006/main" showMasterSp="0" showMasterPhAnim="0">
   <p:cSld>
     <p:spTree>
       <p:nvGrpSpPr>
-        <p:cNvPr id="156" name="Shape 156"/>
+        <p:cNvPr id="1" name="Shape 156"/>
         <p:cNvGrpSpPr/>
         <p:nvPr/>
       </p:nvGrpSpPr>
@@ -1336,9 +1382,11 @@
       <p:sp>
         <p:nvSpPr>
           <p:cNvPr id="157" name="Google Shape;157;g364aa7162a0_0_115:notes"/>
-          <p:cNvSpPr/>
+          <p:cNvSpPr>
+            <a:spLocks noGrp="1" noRot="1" noChangeAspect="1"/>
+          </p:cNvSpPr>
           <p:nvPr>
-            <p:ph idx="2" type="sldImg"/>
+            <p:ph type="sldImg" idx="2"/>
           </p:nvPr>
         </p:nvSpPr>
         <p:spPr>
@@ -1347,9 +1395,13 @@
             <a:ext cx="6096000" cy="3429000"/>
           </a:xfrm>
           <a:custGeom>
-            <a:rect b="b" l="l" r="r" t="t"/>
+            <a:avLst/>
+            <a:gdLst/>
+            <a:ahLst/>
+            <a:cxnLst/>
+            <a:rect l="l" t="t" r="r" b="b"/>
             <a:pathLst>
-              <a:path extrusionOk="0" h="120000" w="120000">
+              <a:path w="120000" h="120000" extrusionOk="0">
                 <a:moveTo>
                   <a:pt x="0" y="0"/>
                 </a:moveTo>
@@ -1371,9 +1423,11 @@
       <p:sp>
         <p:nvSpPr>
           <p:cNvPr id="158" name="Google Shape;158;g364aa7162a0_0_115:notes"/>
-          <p:cNvSpPr txBox="1"/>
+          <p:cNvSpPr txBox="1">
+            <a:spLocks noGrp="1"/>
+          </p:cNvSpPr>
           <p:nvPr>
-            <p:ph idx="1" type="body"/>
+            <p:ph type="body" idx="1"/>
           </p:nvPr>
         </p:nvSpPr>
         <p:spPr>
@@ -1386,12 +1440,12 @@
           </a:prstGeom>
         </p:spPr>
         <p:txBody>
-          <a:bodyPr anchorCtr="0" anchor="t" bIns="91425" lIns="91425" spcFirstLastPara="1" rIns="91425" wrap="square" tIns="91425">
+          <a:bodyPr spcFirstLastPara="1" wrap="square" lIns="91425" tIns="91425" rIns="91425" bIns="91425" anchor="t" anchorCtr="0">
             <a:noAutofit/>
           </a:bodyPr>
           <a:lstStyle/>
           <a:p>
-            <a:pPr indent="0" lvl="0" marL="0" rtl="0" algn="l">
+            <a:pPr marL="0" lvl="0" indent="0" algn="l" rtl="0">
               <a:spcBef>
                 <a:spcPts val="0"/>
               </a:spcBef>
@@ -1400,9 +1454,6 @@
               </a:spcAft>
               <a:buNone/>
             </a:pPr>
-            <a:r>
-              <a:t/>
-            </a:r>
             <a:endParaRPr/>
           </a:p>
         </p:txBody>
@@ -1416,11 +1467,11 @@
 </file>
 
 <file path=ppt/notesSlides/notesSlide16.xml><?xml version="1.0" encoding="utf-8"?>
-<p:notes xmlns:a="http://schemas.openxmlformats.org/drawingml/2006/main" xmlns:r="http://schemas.openxmlformats.org/officeDocument/2006/relationships" xmlns:mc="http://schemas.openxmlformats.org/markup-compatibility/2006" xmlns:mv="urn:schemas-microsoft-com:mac:vml" xmlns:p="http://schemas.openxmlformats.org/presentationml/2006/main" xmlns:c="http://schemas.openxmlformats.org/drawingml/2006/chart" xmlns:dgm="http://schemas.openxmlformats.org/drawingml/2006/diagram" xmlns:o="urn:schemas-microsoft-com:office:office" xmlns:v="urn:schemas-microsoft-com:vml" xmlns:pvml="urn:schemas-microsoft-com:office:powerpoint" xmlns:com="http://schemas.openxmlformats.org/drawingml/2006/compatibility" xmlns:p14="http://schemas.microsoft.com/office/powerpoint/2010/main" xmlns:p15="http://schemas.microsoft.com/office/powerpoint/2012/main" xmlns:ahyp="http://schemas.microsoft.com/office/drawing/2018/hyperlinkcolor" showMasterPhAnim="0" showMasterSp="0">
+<p:notes xmlns:a="http://schemas.openxmlformats.org/drawingml/2006/main" xmlns:r="http://schemas.openxmlformats.org/officeDocument/2006/relationships" xmlns:p="http://schemas.openxmlformats.org/presentationml/2006/main" showMasterSp="0" showMasterPhAnim="0">
   <p:cSld>
     <p:spTree>
       <p:nvGrpSpPr>
-        <p:cNvPr id="161" name="Shape 161"/>
+        <p:cNvPr id="1" name="Shape 161"/>
         <p:cNvGrpSpPr/>
         <p:nvPr/>
       </p:nvGrpSpPr>
@@ -1435,9 +1486,11 @@
       <p:sp>
         <p:nvSpPr>
           <p:cNvPr id="162" name="Google Shape;162;g364aa7162a0_0_120:notes"/>
-          <p:cNvSpPr/>
+          <p:cNvSpPr>
+            <a:spLocks noGrp="1" noRot="1" noChangeAspect="1"/>
+          </p:cNvSpPr>
           <p:nvPr>
-            <p:ph idx="2" type="sldImg"/>
+            <p:ph type="sldImg" idx="2"/>
           </p:nvPr>
         </p:nvSpPr>
         <p:spPr>
@@ -1446,9 +1499,13 @@
             <a:ext cx="6096000" cy="3429000"/>
           </a:xfrm>
           <a:custGeom>
-            <a:rect b="b" l="l" r="r" t="t"/>
+            <a:avLst/>
+            <a:gdLst/>
+            <a:ahLst/>
+            <a:cxnLst/>
+            <a:rect l="l" t="t" r="r" b="b"/>
             <a:pathLst>
-              <a:path extrusionOk="0" h="120000" w="120000">
+              <a:path w="120000" h="120000" extrusionOk="0">
                 <a:moveTo>
                   <a:pt x="0" y="0"/>
                 </a:moveTo>
@@ -1470,9 +1527,11 @@
       <p:sp>
         <p:nvSpPr>
           <p:cNvPr id="163" name="Google Shape;163;g364aa7162a0_0_120:notes"/>
-          <p:cNvSpPr txBox="1"/>
+          <p:cNvSpPr txBox="1">
+            <a:spLocks noGrp="1"/>
+          </p:cNvSpPr>
           <p:nvPr>
-            <p:ph idx="1" type="body"/>
+            <p:ph type="body" idx="1"/>
           </p:nvPr>
         </p:nvSpPr>
         <p:spPr>
@@ -1485,12 +1544,12 @@
           </a:prstGeom>
         </p:spPr>
         <p:txBody>
-          <a:bodyPr anchorCtr="0" anchor="t" bIns="91425" lIns="91425" spcFirstLastPara="1" rIns="91425" wrap="square" tIns="91425">
+          <a:bodyPr spcFirstLastPara="1" wrap="square" lIns="91425" tIns="91425" rIns="91425" bIns="91425" anchor="t" anchorCtr="0">
             <a:noAutofit/>
           </a:bodyPr>
           <a:lstStyle/>
           <a:p>
-            <a:pPr indent="0" lvl="0" marL="0" rtl="0" algn="l">
+            <a:pPr marL="0" lvl="0" indent="0" algn="l" rtl="0">
               <a:spcBef>
                 <a:spcPts val="0"/>
               </a:spcBef>
@@ -1499,9 +1558,6 @@
               </a:spcAft>
               <a:buNone/>
             </a:pPr>
-            <a:r>
-              <a:t/>
-            </a:r>
             <a:endParaRPr/>
           </a:p>
         </p:txBody>
@@ -1515,11 +1571,11 @@
 </file>
 
 <file path=ppt/notesSlides/notesSlide17.xml><?xml version="1.0" encoding="utf-8"?>
-<p:notes xmlns:a="http://schemas.openxmlformats.org/drawingml/2006/main" xmlns:r="http://schemas.openxmlformats.org/officeDocument/2006/relationships" xmlns:mc="http://schemas.openxmlformats.org/markup-compatibility/2006" xmlns:mv="urn:schemas-microsoft-com:mac:vml" xmlns:p="http://schemas.openxmlformats.org/presentationml/2006/main" xmlns:c="http://schemas.openxmlformats.org/drawingml/2006/chart" xmlns:dgm="http://schemas.openxmlformats.org/drawingml/2006/diagram" xmlns:o="urn:schemas-microsoft-com:office:office" xmlns:v="urn:schemas-microsoft-com:vml" xmlns:pvml="urn:schemas-microsoft-com:office:powerpoint" xmlns:com="http://schemas.openxmlformats.org/drawingml/2006/compatibility" xmlns:p14="http://schemas.microsoft.com/office/powerpoint/2010/main" xmlns:p15="http://schemas.microsoft.com/office/powerpoint/2012/main" xmlns:ahyp="http://schemas.microsoft.com/office/drawing/2018/hyperlinkcolor" showMasterPhAnim="0" showMasterSp="0">
+<p:notes xmlns:a="http://schemas.openxmlformats.org/drawingml/2006/main" xmlns:r="http://schemas.openxmlformats.org/officeDocument/2006/relationships" xmlns:p="http://schemas.openxmlformats.org/presentationml/2006/main" showMasterSp="0" showMasterPhAnim="0">
   <p:cSld>
     <p:spTree>
       <p:nvGrpSpPr>
-        <p:cNvPr id="166" name="Shape 166"/>
+        <p:cNvPr id="1" name="Shape 166"/>
         <p:cNvGrpSpPr/>
         <p:nvPr/>
       </p:nvGrpSpPr>
@@ -1534,9 +1590,11 @@
       <p:sp>
         <p:nvSpPr>
           <p:cNvPr id="167" name="Google Shape;167;g364aa7162a0_0_468:notes"/>
-          <p:cNvSpPr/>
+          <p:cNvSpPr>
+            <a:spLocks noGrp="1" noRot="1" noChangeAspect="1"/>
+          </p:cNvSpPr>
           <p:nvPr>
-            <p:ph idx="2" type="sldImg"/>
+            <p:ph type="sldImg" idx="2"/>
           </p:nvPr>
         </p:nvSpPr>
         <p:spPr>
@@ -1545,9 +1603,13 @@
             <a:ext cx="6096000" cy="3429000"/>
           </a:xfrm>
           <a:custGeom>
-            <a:rect b="b" l="l" r="r" t="t"/>
+            <a:avLst/>
+            <a:gdLst/>
+            <a:ahLst/>
+            <a:cxnLst/>
+            <a:rect l="l" t="t" r="r" b="b"/>
             <a:pathLst>
-              <a:path extrusionOk="0" h="120000" w="120000">
+              <a:path w="120000" h="120000" extrusionOk="0">
                 <a:moveTo>
                   <a:pt x="0" y="0"/>
                 </a:moveTo>
@@ -1569,9 +1631,11 @@
       <p:sp>
         <p:nvSpPr>
           <p:cNvPr id="168" name="Google Shape;168;g364aa7162a0_0_468:notes"/>
-          <p:cNvSpPr txBox="1"/>
+          <p:cNvSpPr txBox="1">
+            <a:spLocks noGrp="1"/>
+          </p:cNvSpPr>
           <p:nvPr>
-            <p:ph idx="1" type="body"/>
+            <p:ph type="body" idx="1"/>
           </p:nvPr>
         </p:nvSpPr>
         <p:spPr>
@@ -1584,12 +1648,12 @@
           </a:prstGeom>
         </p:spPr>
         <p:txBody>
-          <a:bodyPr anchorCtr="0" anchor="t" bIns="91425" lIns="91425" spcFirstLastPara="1" rIns="91425" wrap="square" tIns="91425">
+          <a:bodyPr spcFirstLastPara="1" wrap="square" lIns="91425" tIns="91425" rIns="91425" bIns="91425" anchor="t" anchorCtr="0">
             <a:noAutofit/>
           </a:bodyPr>
           <a:lstStyle/>
           <a:p>
-            <a:pPr indent="0" lvl="0" marL="0" rtl="0" algn="l">
+            <a:pPr marL="0" lvl="0" indent="0" algn="l" rtl="0">
               <a:spcBef>
                 <a:spcPts val="0"/>
               </a:spcBef>
@@ -1598,9 +1662,6 @@
               </a:spcAft>
               <a:buNone/>
             </a:pPr>
-            <a:r>
-              <a:t/>
-            </a:r>
             <a:endParaRPr/>
           </a:p>
         </p:txBody>
@@ -1614,11 +1675,11 @@
 </file>
 
 <file path=ppt/notesSlides/notesSlide18.xml><?xml version="1.0" encoding="utf-8"?>
-<p:notes xmlns:a="http://schemas.openxmlformats.org/drawingml/2006/main" xmlns:r="http://schemas.openxmlformats.org/officeDocument/2006/relationships" xmlns:mc="http://schemas.openxmlformats.org/markup-compatibility/2006" xmlns:mv="urn:schemas-microsoft-com:mac:vml" xmlns:p="http://schemas.openxmlformats.org/presentationml/2006/main" xmlns:c="http://schemas.openxmlformats.org/drawingml/2006/chart" xmlns:dgm="http://schemas.openxmlformats.org/drawingml/2006/diagram" xmlns:o="urn:schemas-microsoft-com:office:office" xmlns:v="urn:schemas-microsoft-com:vml" xmlns:pvml="urn:schemas-microsoft-com:office:powerpoint" xmlns:com="http://schemas.openxmlformats.org/drawingml/2006/compatibility" xmlns:p14="http://schemas.microsoft.com/office/powerpoint/2010/main" xmlns:p15="http://schemas.microsoft.com/office/powerpoint/2012/main" xmlns:ahyp="http://schemas.microsoft.com/office/drawing/2018/hyperlinkcolor" showMasterPhAnim="0" showMasterSp="0">
+<p:notes xmlns:a="http://schemas.openxmlformats.org/drawingml/2006/main" xmlns:r="http://schemas.openxmlformats.org/officeDocument/2006/relationships" xmlns:p="http://schemas.openxmlformats.org/presentationml/2006/main" showMasterSp="0" showMasterPhAnim="0">
   <p:cSld>
     <p:spTree>
       <p:nvGrpSpPr>
-        <p:cNvPr id="172" name="Shape 172"/>
+        <p:cNvPr id="1" name="Shape 172"/>
         <p:cNvGrpSpPr/>
         <p:nvPr/>
       </p:nvGrpSpPr>
@@ -1633,9 +1694,11 @@
       <p:sp>
         <p:nvSpPr>
           <p:cNvPr id="173" name="Google Shape;173;g364aa7162a0_0_125:notes"/>
-          <p:cNvSpPr/>
+          <p:cNvSpPr>
+            <a:spLocks noGrp="1" noRot="1" noChangeAspect="1"/>
+          </p:cNvSpPr>
           <p:nvPr>
-            <p:ph idx="2" type="sldImg"/>
+            <p:ph type="sldImg" idx="2"/>
           </p:nvPr>
         </p:nvSpPr>
         <p:spPr>
@@ -1644,9 +1707,13 @@
             <a:ext cx="6096000" cy="3429000"/>
           </a:xfrm>
           <a:custGeom>
-            <a:rect b="b" l="l" r="r" t="t"/>
+            <a:avLst/>
+            <a:gdLst/>
+            <a:ahLst/>
+            <a:cxnLst/>
+            <a:rect l="l" t="t" r="r" b="b"/>
             <a:pathLst>
-              <a:path extrusionOk="0" h="120000" w="120000">
+              <a:path w="120000" h="120000" extrusionOk="0">
                 <a:moveTo>
                   <a:pt x="0" y="0"/>
                 </a:moveTo>
@@ -1668,9 +1735,11 @@
       <p:sp>
         <p:nvSpPr>
           <p:cNvPr id="174" name="Google Shape;174;g364aa7162a0_0_125:notes"/>
-          <p:cNvSpPr txBox="1"/>
+          <p:cNvSpPr txBox="1">
+            <a:spLocks noGrp="1"/>
+          </p:cNvSpPr>
           <p:nvPr>
-            <p:ph idx="1" type="body"/>
+            <p:ph type="body" idx="1"/>
           </p:nvPr>
         </p:nvSpPr>
         <p:spPr>
@@ -1683,12 +1752,12 @@
           </a:prstGeom>
         </p:spPr>
         <p:txBody>
-          <a:bodyPr anchorCtr="0" anchor="t" bIns="91425" lIns="91425" spcFirstLastPara="1" rIns="91425" wrap="square" tIns="91425">
+          <a:bodyPr spcFirstLastPara="1" wrap="square" lIns="91425" tIns="91425" rIns="91425" bIns="91425" anchor="t" anchorCtr="0">
             <a:noAutofit/>
           </a:bodyPr>
           <a:lstStyle/>
           <a:p>
-            <a:pPr indent="0" lvl="0" marL="0" rtl="0" algn="l">
+            <a:pPr marL="0" lvl="0" indent="0" algn="l" rtl="0">
               <a:spcBef>
                 <a:spcPts val="0"/>
               </a:spcBef>
@@ -1697,9 +1766,6 @@
               </a:spcAft>
               <a:buNone/>
             </a:pPr>
-            <a:r>
-              <a:t/>
-            </a:r>
             <a:endParaRPr/>
           </a:p>
         </p:txBody>
@@ -1713,11 +1779,11 @@
 </file>
 
 <file path=ppt/notesSlides/notesSlide19.xml><?xml version="1.0" encoding="utf-8"?>
-<p:notes xmlns:a="http://schemas.openxmlformats.org/drawingml/2006/main" xmlns:r="http://schemas.openxmlformats.org/officeDocument/2006/relationships" xmlns:mc="http://schemas.openxmlformats.org/markup-compatibility/2006" xmlns:mv="urn:schemas-microsoft-com:mac:vml" xmlns:p="http://schemas.openxmlformats.org/presentationml/2006/main" xmlns:c="http://schemas.openxmlformats.org/drawingml/2006/chart" xmlns:dgm="http://schemas.openxmlformats.org/drawingml/2006/diagram" xmlns:o="urn:schemas-microsoft-com:office:office" xmlns:v="urn:schemas-microsoft-com:vml" xmlns:pvml="urn:schemas-microsoft-com:office:powerpoint" xmlns:com="http://schemas.openxmlformats.org/drawingml/2006/compatibility" xmlns:p14="http://schemas.microsoft.com/office/powerpoint/2010/main" xmlns:p15="http://schemas.microsoft.com/office/powerpoint/2012/main" xmlns:ahyp="http://schemas.microsoft.com/office/drawing/2018/hyperlinkcolor" showMasterPhAnim="0" showMasterSp="0">
+<p:notes xmlns:a="http://schemas.openxmlformats.org/drawingml/2006/main" xmlns:r="http://schemas.openxmlformats.org/officeDocument/2006/relationships" xmlns:p="http://schemas.openxmlformats.org/presentationml/2006/main" showMasterSp="0" showMasterPhAnim="0">
   <p:cSld>
     <p:spTree>
       <p:nvGrpSpPr>
-        <p:cNvPr id="177" name="Shape 177"/>
+        <p:cNvPr id="1" name="Shape 177"/>
         <p:cNvGrpSpPr/>
         <p:nvPr/>
       </p:nvGrpSpPr>
@@ -1732,9 +1798,11 @@
       <p:sp>
         <p:nvSpPr>
           <p:cNvPr id="178" name="Google Shape;178;g364aa7162a0_0_130:notes"/>
-          <p:cNvSpPr/>
+          <p:cNvSpPr>
+            <a:spLocks noGrp="1" noRot="1" noChangeAspect="1"/>
+          </p:cNvSpPr>
           <p:nvPr>
-            <p:ph idx="2" type="sldImg"/>
+            <p:ph type="sldImg" idx="2"/>
           </p:nvPr>
         </p:nvSpPr>
         <p:spPr>
@@ -1743,9 +1811,13 @@
             <a:ext cx="6096000" cy="3429000"/>
           </a:xfrm>
           <a:custGeom>
-            <a:rect b="b" l="l" r="r" t="t"/>
+            <a:avLst/>
+            <a:gdLst/>
+            <a:ahLst/>
+            <a:cxnLst/>
+            <a:rect l="l" t="t" r="r" b="b"/>
             <a:pathLst>
-              <a:path extrusionOk="0" h="120000" w="120000">
+              <a:path w="120000" h="120000" extrusionOk="0">
                 <a:moveTo>
                   <a:pt x="0" y="0"/>
                 </a:moveTo>
@@ -1767,9 +1839,11 @@
       <p:sp>
         <p:nvSpPr>
           <p:cNvPr id="179" name="Google Shape;179;g364aa7162a0_0_130:notes"/>
-          <p:cNvSpPr txBox="1"/>
+          <p:cNvSpPr txBox="1">
+            <a:spLocks noGrp="1"/>
+          </p:cNvSpPr>
           <p:nvPr>
-            <p:ph idx="1" type="body"/>
+            <p:ph type="body" idx="1"/>
           </p:nvPr>
         </p:nvSpPr>
         <p:spPr>
@@ -1782,12 +1856,12 @@
           </a:prstGeom>
         </p:spPr>
         <p:txBody>
-          <a:bodyPr anchorCtr="0" anchor="t" bIns="91425" lIns="91425" spcFirstLastPara="1" rIns="91425" wrap="square" tIns="91425">
+          <a:bodyPr spcFirstLastPara="1" wrap="square" lIns="91425" tIns="91425" rIns="91425" bIns="91425" anchor="t" anchorCtr="0">
             <a:noAutofit/>
           </a:bodyPr>
           <a:lstStyle/>
           <a:p>
-            <a:pPr indent="0" lvl="0" marL="0" rtl="0" algn="l">
+            <a:pPr marL="0" lvl="0" indent="0" algn="l" rtl="0">
               <a:spcBef>
                 <a:spcPts val="0"/>
               </a:spcBef>
@@ -1796,9 +1870,6 @@
               </a:spcAft>
               <a:buNone/>
             </a:pPr>
-            <a:r>
-              <a:t/>
-            </a:r>
             <a:endParaRPr/>
           </a:p>
         </p:txBody>
@@ -1812,11 +1883,11 @@
 </file>
 
 <file path=ppt/notesSlides/notesSlide2.xml><?xml version="1.0" encoding="utf-8"?>
-<p:notes xmlns:a="http://schemas.openxmlformats.org/drawingml/2006/main" xmlns:r="http://schemas.openxmlformats.org/officeDocument/2006/relationships" xmlns:mc="http://schemas.openxmlformats.org/markup-compatibility/2006" xmlns:mv="urn:schemas-microsoft-com:mac:vml" xmlns:p="http://schemas.openxmlformats.org/presentationml/2006/main" xmlns:c="http://schemas.openxmlformats.org/drawingml/2006/chart" xmlns:dgm="http://schemas.openxmlformats.org/drawingml/2006/diagram" xmlns:o="urn:schemas-microsoft-com:office:office" xmlns:v="urn:schemas-microsoft-com:vml" xmlns:pvml="urn:schemas-microsoft-com:office:powerpoint" xmlns:com="http://schemas.openxmlformats.org/drawingml/2006/compatibility" xmlns:p14="http://schemas.microsoft.com/office/powerpoint/2010/main" xmlns:p15="http://schemas.microsoft.com/office/powerpoint/2012/main" xmlns:ahyp="http://schemas.microsoft.com/office/drawing/2018/hyperlinkcolor" showMasterPhAnim="0" showMasterSp="0">
+<p:notes xmlns:a="http://schemas.openxmlformats.org/drawingml/2006/main" xmlns:r="http://schemas.openxmlformats.org/officeDocument/2006/relationships" xmlns:p="http://schemas.openxmlformats.org/presentationml/2006/main" showMasterSp="0" showMasterPhAnim="0">
   <p:cSld>
     <p:spTree>
       <p:nvGrpSpPr>
-        <p:cNvPr id="88" name="Shape 88"/>
+        <p:cNvPr id="1" name="Shape 88"/>
         <p:cNvGrpSpPr/>
         <p:nvPr/>
       </p:nvGrpSpPr>
@@ -1831,9 +1902,11 @@
       <p:sp>
         <p:nvSpPr>
           <p:cNvPr id="89" name="Google Shape;89;g364aa7162a0_0_60:notes"/>
-          <p:cNvSpPr/>
+          <p:cNvSpPr>
+            <a:spLocks noGrp="1" noRot="1" noChangeAspect="1"/>
+          </p:cNvSpPr>
           <p:nvPr>
-            <p:ph idx="2" type="sldImg"/>
+            <p:ph type="sldImg" idx="2"/>
           </p:nvPr>
         </p:nvSpPr>
         <p:spPr>
@@ -1842,9 +1915,13 @@
             <a:ext cx="6096000" cy="3429000"/>
           </a:xfrm>
           <a:custGeom>
-            <a:rect b="b" l="l" r="r" t="t"/>
+            <a:avLst/>
+            <a:gdLst/>
+            <a:ahLst/>
+            <a:cxnLst/>
+            <a:rect l="l" t="t" r="r" b="b"/>
             <a:pathLst>
-              <a:path extrusionOk="0" h="120000" w="120000">
+              <a:path w="120000" h="120000" extrusionOk="0">
                 <a:moveTo>
                   <a:pt x="0" y="0"/>
                 </a:moveTo>
@@ -1866,9 +1943,11 @@
       <p:sp>
         <p:nvSpPr>
           <p:cNvPr id="90" name="Google Shape;90;g364aa7162a0_0_60:notes"/>
-          <p:cNvSpPr txBox="1"/>
+          <p:cNvSpPr txBox="1">
+            <a:spLocks noGrp="1"/>
+          </p:cNvSpPr>
           <p:nvPr>
-            <p:ph idx="1" type="body"/>
+            <p:ph type="body" idx="1"/>
           </p:nvPr>
         </p:nvSpPr>
         <p:spPr>
@@ -1881,12 +1960,12 @@
           </a:prstGeom>
         </p:spPr>
         <p:txBody>
-          <a:bodyPr anchorCtr="0" anchor="t" bIns="91425" lIns="91425" spcFirstLastPara="1" rIns="91425" wrap="square" tIns="91425">
+          <a:bodyPr spcFirstLastPara="1" wrap="square" lIns="91425" tIns="91425" rIns="91425" bIns="91425" anchor="t" anchorCtr="0">
             <a:noAutofit/>
           </a:bodyPr>
           <a:lstStyle/>
           <a:p>
-            <a:pPr indent="0" lvl="0" marL="0" rtl="0" algn="l">
+            <a:pPr marL="0" lvl="0" indent="0" algn="l" rtl="0">
               <a:spcBef>
                 <a:spcPts val="0"/>
               </a:spcBef>
@@ -1895,9 +1974,6 @@
               </a:spcAft>
               <a:buNone/>
             </a:pPr>
-            <a:r>
-              <a:t/>
-            </a:r>
             <a:endParaRPr/>
           </a:p>
         </p:txBody>
@@ -1911,11 +1987,11 @@
 </file>
 
 <file path=ppt/notesSlides/notesSlide20.xml><?xml version="1.0" encoding="utf-8"?>
-<p:notes xmlns:a="http://schemas.openxmlformats.org/drawingml/2006/main" xmlns:r="http://schemas.openxmlformats.org/officeDocument/2006/relationships" xmlns:mc="http://schemas.openxmlformats.org/markup-compatibility/2006" xmlns:mv="urn:schemas-microsoft-com:mac:vml" xmlns:p="http://schemas.openxmlformats.org/presentationml/2006/main" xmlns:c="http://schemas.openxmlformats.org/drawingml/2006/chart" xmlns:dgm="http://schemas.openxmlformats.org/drawingml/2006/diagram" xmlns:o="urn:schemas-microsoft-com:office:office" xmlns:v="urn:schemas-microsoft-com:vml" xmlns:pvml="urn:schemas-microsoft-com:office:powerpoint" xmlns:com="http://schemas.openxmlformats.org/drawingml/2006/compatibility" xmlns:p14="http://schemas.microsoft.com/office/powerpoint/2010/main" xmlns:p15="http://schemas.microsoft.com/office/powerpoint/2012/main" xmlns:ahyp="http://schemas.microsoft.com/office/drawing/2018/hyperlinkcolor" showMasterPhAnim="0" showMasterSp="0">
+<p:notes xmlns:a="http://schemas.openxmlformats.org/drawingml/2006/main" xmlns:r="http://schemas.openxmlformats.org/officeDocument/2006/relationships" xmlns:p="http://schemas.openxmlformats.org/presentationml/2006/main" showMasterSp="0" showMasterPhAnim="0">
   <p:cSld>
     <p:spTree>
       <p:nvGrpSpPr>
-        <p:cNvPr id="182" name="Shape 182"/>
+        <p:cNvPr id="1" name="Shape 182"/>
         <p:cNvGrpSpPr/>
         <p:nvPr/>
       </p:nvGrpSpPr>
@@ -1930,9 +2006,11 @@
       <p:sp>
         <p:nvSpPr>
           <p:cNvPr id="183" name="Google Shape;183;g364aa7162a0_0_135:notes"/>
-          <p:cNvSpPr/>
+          <p:cNvSpPr>
+            <a:spLocks noGrp="1" noRot="1" noChangeAspect="1"/>
+          </p:cNvSpPr>
           <p:nvPr>
-            <p:ph idx="2" type="sldImg"/>
+            <p:ph type="sldImg" idx="2"/>
           </p:nvPr>
         </p:nvSpPr>
         <p:spPr>
@@ -1941,9 +2019,13 @@
             <a:ext cx="6096000" cy="3429000"/>
           </a:xfrm>
           <a:custGeom>
-            <a:rect b="b" l="l" r="r" t="t"/>
+            <a:avLst/>
+            <a:gdLst/>
+            <a:ahLst/>
+            <a:cxnLst/>
+            <a:rect l="l" t="t" r="r" b="b"/>
             <a:pathLst>
-              <a:path extrusionOk="0" h="120000" w="120000">
+              <a:path w="120000" h="120000" extrusionOk="0">
                 <a:moveTo>
                   <a:pt x="0" y="0"/>
                 </a:moveTo>
@@ -1965,9 +2047,11 @@
       <p:sp>
         <p:nvSpPr>
           <p:cNvPr id="184" name="Google Shape;184;g364aa7162a0_0_135:notes"/>
-          <p:cNvSpPr txBox="1"/>
+          <p:cNvSpPr txBox="1">
+            <a:spLocks noGrp="1"/>
+          </p:cNvSpPr>
           <p:nvPr>
-            <p:ph idx="1" type="body"/>
+            <p:ph type="body" idx="1"/>
           </p:nvPr>
         </p:nvSpPr>
         <p:spPr>
@@ -1980,12 +2064,12 @@
           </a:prstGeom>
         </p:spPr>
         <p:txBody>
-          <a:bodyPr anchorCtr="0" anchor="t" bIns="91425" lIns="91425" spcFirstLastPara="1" rIns="91425" wrap="square" tIns="91425">
+          <a:bodyPr spcFirstLastPara="1" wrap="square" lIns="91425" tIns="91425" rIns="91425" bIns="91425" anchor="t" anchorCtr="0">
             <a:noAutofit/>
           </a:bodyPr>
           <a:lstStyle/>
           <a:p>
-            <a:pPr indent="0" lvl="0" marL="0" rtl="0" algn="l">
+            <a:pPr marL="0" lvl="0" indent="0" algn="l" rtl="0">
               <a:spcBef>
                 <a:spcPts val="0"/>
               </a:spcBef>
@@ -1994,9 +2078,6 @@
               </a:spcAft>
               <a:buNone/>
             </a:pPr>
-            <a:r>
-              <a:t/>
-            </a:r>
             <a:endParaRPr/>
           </a:p>
         </p:txBody>
@@ -2010,11 +2091,11 @@
 </file>
 
 <file path=ppt/notesSlides/notesSlide21.xml><?xml version="1.0" encoding="utf-8"?>
-<p:notes xmlns:a="http://schemas.openxmlformats.org/drawingml/2006/main" xmlns:r="http://schemas.openxmlformats.org/officeDocument/2006/relationships" xmlns:mc="http://schemas.openxmlformats.org/markup-compatibility/2006" xmlns:mv="urn:schemas-microsoft-com:mac:vml" xmlns:p="http://schemas.openxmlformats.org/presentationml/2006/main" xmlns:c="http://schemas.openxmlformats.org/drawingml/2006/chart" xmlns:dgm="http://schemas.openxmlformats.org/drawingml/2006/diagram" xmlns:o="urn:schemas-microsoft-com:office:office" xmlns:v="urn:schemas-microsoft-com:vml" xmlns:pvml="urn:schemas-microsoft-com:office:powerpoint" xmlns:com="http://schemas.openxmlformats.org/drawingml/2006/compatibility" xmlns:p14="http://schemas.microsoft.com/office/powerpoint/2010/main" xmlns:p15="http://schemas.microsoft.com/office/powerpoint/2012/main" xmlns:ahyp="http://schemas.microsoft.com/office/drawing/2018/hyperlinkcolor" showMasterPhAnim="0" showMasterSp="0">
+<p:notes xmlns:a="http://schemas.openxmlformats.org/drawingml/2006/main" xmlns:r="http://schemas.openxmlformats.org/officeDocument/2006/relationships" xmlns:p="http://schemas.openxmlformats.org/presentationml/2006/main" showMasterSp="0" showMasterPhAnim="0">
   <p:cSld>
     <p:spTree>
       <p:nvGrpSpPr>
-        <p:cNvPr id="187" name="Shape 187"/>
+        <p:cNvPr id="1" name="Shape 187"/>
         <p:cNvGrpSpPr/>
         <p:nvPr/>
       </p:nvGrpSpPr>
@@ -2029,9 +2110,11 @@
       <p:sp>
         <p:nvSpPr>
           <p:cNvPr id="188" name="Google Shape;188;g364aa7162a0_0_140:notes"/>
-          <p:cNvSpPr/>
+          <p:cNvSpPr>
+            <a:spLocks noGrp="1" noRot="1" noChangeAspect="1"/>
+          </p:cNvSpPr>
           <p:nvPr>
-            <p:ph idx="2" type="sldImg"/>
+            <p:ph type="sldImg" idx="2"/>
           </p:nvPr>
         </p:nvSpPr>
         <p:spPr>
@@ -2040,9 +2123,13 @@
             <a:ext cx="6096000" cy="3429000"/>
           </a:xfrm>
           <a:custGeom>
-            <a:rect b="b" l="l" r="r" t="t"/>
+            <a:avLst/>
+            <a:gdLst/>
+            <a:ahLst/>
+            <a:cxnLst/>
+            <a:rect l="l" t="t" r="r" b="b"/>
             <a:pathLst>
-              <a:path extrusionOk="0" h="120000" w="120000">
+              <a:path w="120000" h="120000" extrusionOk="0">
                 <a:moveTo>
                   <a:pt x="0" y="0"/>
                 </a:moveTo>
@@ -2064,9 +2151,11 @@
       <p:sp>
         <p:nvSpPr>
           <p:cNvPr id="189" name="Google Shape;189;g364aa7162a0_0_140:notes"/>
-          <p:cNvSpPr txBox="1"/>
+          <p:cNvSpPr txBox="1">
+            <a:spLocks noGrp="1"/>
+          </p:cNvSpPr>
           <p:nvPr>
-            <p:ph idx="1" type="body"/>
+            <p:ph type="body" idx="1"/>
           </p:nvPr>
         </p:nvSpPr>
         <p:spPr>
@@ -2079,12 +2168,12 @@
           </a:prstGeom>
         </p:spPr>
         <p:txBody>
-          <a:bodyPr anchorCtr="0" anchor="t" bIns="91425" lIns="91425" spcFirstLastPara="1" rIns="91425" wrap="square" tIns="91425">
+          <a:bodyPr spcFirstLastPara="1" wrap="square" lIns="91425" tIns="91425" rIns="91425" bIns="91425" anchor="t" anchorCtr="0">
             <a:noAutofit/>
           </a:bodyPr>
           <a:lstStyle/>
           <a:p>
-            <a:pPr indent="0" lvl="0" marL="0" rtl="0" algn="l">
+            <a:pPr marL="0" lvl="0" indent="0" algn="l" rtl="0">
               <a:spcBef>
                 <a:spcPts val="0"/>
               </a:spcBef>
@@ -2093,9 +2182,6 @@
               </a:spcAft>
               <a:buNone/>
             </a:pPr>
-            <a:r>
-              <a:t/>
-            </a:r>
             <a:endParaRPr/>
           </a:p>
         </p:txBody>
@@ -2109,11 +2195,11 @@
 </file>
 
 <file path=ppt/notesSlides/notesSlide3.xml><?xml version="1.0" encoding="utf-8"?>
-<p:notes xmlns:a="http://schemas.openxmlformats.org/drawingml/2006/main" xmlns:r="http://schemas.openxmlformats.org/officeDocument/2006/relationships" xmlns:mc="http://schemas.openxmlformats.org/markup-compatibility/2006" xmlns:mv="urn:schemas-microsoft-com:mac:vml" xmlns:p="http://schemas.openxmlformats.org/presentationml/2006/main" xmlns:c="http://schemas.openxmlformats.org/drawingml/2006/chart" xmlns:dgm="http://schemas.openxmlformats.org/drawingml/2006/diagram" xmlns:o="urn:schemas-microsoft-com:office:office" xmlns:v="urn:schemas-microsoft-com:vml" xmlns:pvml="urn:schemas-microsoft-com:office:powerpoint" xmlns:com="http://schemas.openxmlformats.org/drawingml/2006/compatibility" xmlns:p14="http://schemas.microsoft.com/office/powerpoint/2010/main" xmlns:p15="http://schemas.microsoft.com/office/powerpoint/2012/main" xmlns:ahyp="http://schemas.microsoft.com/office/drawing/2018/hyperlinkcolor" showMasterPhAnim="0" showMasterSp="0">
+<p:notes xmlns:a="http://schemas.openxmlformats.org/drawingml/2006/main" xmlns:r="http://schemas.openxmlformats.org/officeDocument/2006/relationships" xmlns:p="http://schemas.openxmlformats.org/presentationml/2006/main" showMasterSp="0" showMasterPhAnim="0">
   <p:cSld>
     <p:spTree>
       <p:nvGrpSpPr>
-        <p:cNvPr id="94" name="Shape 94"/>
+        <p:cNvPr id="1" name="Shape 94"/>
         <p:cNvGrpSpPr/>
         <p:nvPr/>
       </p:nvGrpSpPr>
@@ -2128,9 +2214,11 @@
       <p:sp>
         <p:nvSpPr>
           <p:cNvPr id="95" name="Google Shape;95;g364aa7162a0_0_65:notes"/>
-          <p:cNvSpPr/>
+          <p:cNvSpPr>
+            <a:spLocks noGrp="1" noRot="1" noChangeAspect="1"/>
+          </p:cNvSpPr>
           <p:nvPr>
-            <p:ph idx="2" type="sldImg"/>
+            <p:ph type="sldImg" idx="2"/>
           </p:nvPr>
         </p:nvSpPr>
         <p:spPr>
@@ -2139,9 +2227,13 @@
             <a:ext cx="6096000" cy="3429000"/>
           </a:xfrm>
           <a:custGeom>
-            <a:rect b="b" l="l" r="r" t="t"/>
+            <a:avLst/>
+            <a:gdLst/>
+            <a:ahLst/>
+            <a:cxnLst/>
+            <a:rect l="l" t="t" r="r" b="b"/>
             <a:pathLst>
-              <a:path extrusionOk="0" h="120000" w="120000">
+              <a:path w="120000" h="120000" extrusionOk="0">
                 <a:moveTo>
                   <a:pt x="0" y="0"/>
                 </a:moveTo>
@@ -2163,9 +2255,11 @@
       <p:sp>
         <p:nvSpPr>
           <p:cNvPr id="96" name="Google Shape;96;g364aa7162a0_0_65:notes"/>
-          <p:cNvSpPr txBox="1"/>
+          <p:cNvSpPr txBox="1">
+            <a:spLocks noGrp="1"/>
+          </p:cNvSpPr>
           <p:nvPr>
-            <p:ph idx="1" type="body"/>
+            <p:ph type="body" idx="1"/>
           </p:nvPr>
         </p:nvSpPr>
         <p:spPr>
@@ -2178,12 +2272,12 @@
           </a:prstGeom>
         </p:spPr>
         <p:txBody>
-          <a:bodyPr anchorCtr="0" anchor="t" bIns="91425" lIns="91425" spcFirstLastPara="1" rIns="91425" wrap="square" tIns="91425">
+          <a:bodyPr spcFirstLastPara="1" wrap="square" lIns="91425" tIns="91425" rIns="91425" bIns="91425" anchor="t" anchorCtr="0">
             <a:noAutofit/>
           </a:bodyPr>
           <a:lstStyle/>
           <a:p>
-            <a:pPr indent="0" lvl="0" marL="0" rtl="0" algn="l">
+            <a:pPr marL="0" lvl="0" indent="0" algn="l" rtl="0">
               <a:spcBef>
                 <a:spcPts val="0"/>
               </a:spcBef>
@@ -2192,9 +2286,6 @@
               </a:spcAft>
               <a:buNone/>
             </a:pPr>
-            <a:r>
-              <a:t/>
-            </a:r>
             <a:endParaRPr/>
           </a:p>
         </p:txBody>
@@ -2208,11 +2299,11 @@
 </file>
 
 <file path=ppt/notesSlides/notesSlide4.xml><?xml version="1.0" encoding="utf-8"?>
-<p:notes xmlns:a="http://schemas.openxmlformats.org/drawingml/2006/main" xmlns:r="http://schemas.openxmlformats.org/officeDocument/2006/relationships" xmlns:mc="http://schemas.openxmlformats.org/markup-compatibility/2006" xmlns:mv="urn:schemas-microsoft-com:mac:vml" xmlns:p="http://schemas.openxmlformats.org/presentationml/2006/main" xmlns:c="http://schemas.openxmlformats.org/drawingml/2006/chart" xmlns:dgm="http://schemas.openxmlformats.org/drawingml/2006/diagram" xmlns:o="urn:schemas-microsoft-com:office:office" xmlns:v="urn:schemas-microsoft-com:vml" xmlns:pvml="urn:schemas-microsoft-com:office:powerpoint" xmlns:com="http://schemas.openxmlformats.org/drawingml/2006/compatibility" xmlns:p14="http://schemas.microsoft.com/office/powerpoint/2010/main" xmlns:p15="http://schemas.microsoft.com/office/powerpoint/2012/main" xmlns:ahyp="http://schemas.microsoft.com/office/drawing/2018/hyperlinkcolor" showMasterPhAnim="0" showMasterSp="0">
+<p:notes xmlns:a="http://schemas.openxmlformats.org/drawingml/2006/main" xmlns:r="http://schemas.openxmlformats.org/officeDocument/2006/relationships" xmlns:p="http://schemas.openxmlformats.org/presentationml/2006/main" showMasterSp="0" showMasterPhAnim="0">
   <p:cSld>
     <p:spTree>
       <p:nvGrpSpPr>
-        <p:cNvPr id="99" name="Shape 99"/>
+        <p:cNvPr id="1" name="Shape 99"/>
         <p:cNvGrpSpPr/>
         <p:nvPr/>
       </p:nvGrpSpPr>
@@ -2227,9 +2318,11 @@
       <p:sp>
         <p:nvSpPr>
           <p:cNvPr id="100" name="Google Shape;100;g364aa7162a0_0_70:notes"/>
-          <p:cNvSpPr/>
+          <p:cNvSpPr>
+            <a:spLocks noGrp="1" noRot="1" noChangeAspect="1"/>
+          </p:cNvSpPr>
           <p:nvPr>
-            <p:ph idx="2" type="sldImg"/>
+            <p:ph type="sldImg" idx="2"/>
           </p:nvPr>
         </p:nvSpPr>
         <p:spPr>
@@ -2238,9 +2331,13 @@
             <a:ext cx="6096000" cy="3429000"/>
           </a:xfrm>
           <a:custGeom>
-            <a:rect b="b" l="l" r="r" t="t"/>
+            <a:avLst/>
+            <a:gdLst/>
+            <a:ahLst/>
+            <a:cxnLst/>
+            <a:rect l="l" t="t" r="r" b="b"/>
             <a:pathLst>
-              <a:path extrusionOk="0" h="120000" w="120000">
+              <a:path w="120000" h="120000" extrusionOk="0">
                 <a:moveTo>
                   <a:pt x="0" y="0"/>
                 </a:moveTo>
@@ -2262,9 +2359,11 @@
       <p:sp>
         <p:nvSpPr>
           <p:cNvPr id="101" name="Google Shape;101;g364aa7162a0_0_70:notes"/>
-          <p:cNvSpPr txBox="1"/>
+          <p:cNvSpPr txBox="1">
+            <a:spLocks noGrp="1"/>
+          </p:cNvSpPr>
           <p:nvPr>
-            <p:ph idx="1" type="body"/>
+            <p:ph type="body" idx="1"/>
           </p:nvPr>
         </p:nvSpPr>
         <p:spPr>
@@ -2277,12 +2376,12 @@
           </a:prstGeom>
         </p:spPr>
         <p:txBody>
-          <a:bodyPr anchorCtr="0" anchor="t" bIns="91425" lIns="91425" spcFirstLastPara="1" rIns="91425" wrap="square" tIns="91425">
+          <a:bodyPr spcFirstLastPara="1" wrap="square" lIns="91425" tIns="91425" rIns="91425" bIns="91425" anchor="t" anchorCtr="0">
             <a:noAutofit/>
           </a:bodyPr>
           <a:lstStyle/>
           <a:p>
-            <a:pPr indent="0" lvl="0" marL="0" rtl="0" algn="l">
+            <a:pPr marL="0" lvl="0" indent="0" algn="l" rtl="0">
               <a:spcBef>
                 <a:spcPts val="0"/>
               </a:spcBef>
@@ -2291,9 +2390,6 @@
               </a:spcAft>
               <a:buNone/>
             </a:pPr>
-            <a:r>
-              <a:t/>
-            </a:r>
             <a:endParaRPr/>
           </a:p>
         </p:txBody>
@@ -2307,11 +2403,11 @@
 </file>
 
 <file path=ppt/notesSlides/notesSlide5.xml><?xml version="1.0" encoding="utf-8"?>
-<p:notes xmlns:a="http://schemas.openxmlformats.org/drawingml/2006/main" xmlns:r="http://schemas.openxmlformats.org/officeDocument/2006/relationships" xmlns:mc="http://schemas.openxmlformats.org/markup-compatibility/2006" xmlns:mv="urn:schemas-microsoft-com:mac:vml" xmlns:p="http://schemas.openxmlformats.org/presentationml/2006/main" xmlns:c="http://schemas.openxmlformats.org/drawingml/2006/chart" xmlns:dgm="http://schemas.openxmlformats.org/drawingml/2006/diagram" xmlns:o="urn:schemas-microsoft-com:office:office" xmlns:v="urn:schemas-microsoft-com:vml" xmlns:pvml="urn:schemas-microsoft-com:office:powerpoint" xmlns:com="http://schemas.openxmlformats.org/drawingml/2006/compatibility" xmlns:p14="http://schemas.microsoft.com/office/powerpoint/2010/main" xmlns:p15="http://schemas.microsoft.com/office/powerpoint/2012/main" xmlns:ahyp="http://schemas.microsoft.com/office/drawing/2018/hyperlinkcolor" showMasterPhAnim="0" showMasterSp="0">
+<p:notes xmlns:a="http://schemas.openxmlformats.org/drawingml/2006/main" xmlns:r="http://schemas.openxmlformats.org/officeDocument/2006/relationships" xmlns:p="http://schemas.openxmlformats.org/presentationml/2006/main" showMasterSp="0" showMasterPhAnim="0">
   <p:cSld>
     <p:spTree>
       <p:nvGrpSpPr>
-        <p:cNvPr id="104" name="Shape 104"/>
+        <p:cNvPr id="1" name="Shape 104"/>
         <p:cNvGrpSpPr/>
         <p:nvPr/>
       </p:nvGrpSpPr>
@@ -2326,9 +2422,11 @@
       <p:sp>
         <p:nvSpPr>
           <p:cNvPr id="105" name="Google Shape;105;g364aa7162a0_0_75:notes"/>
-          <p:cNvSpPr/>
+          <p:cNvSpPr>
+            <a:spLocks noGrp="1" noRot="1" noChangeAspect="1"/>
+          </p:cNvSpPr>
           <p:nvPr>
-            <p:ph idx="2" type="sldImg"/>
+            <p:ph type="sldImg" idx="2"/>
           </p:nvPr>
         </p:nvSpPr>
         <p:spPr>
@@ -2337,9 +2435,13 @@
             <a:ext cx="6096000" cy="3429000"/>
           </a:xfrm>
           <a:custGeom>
-            <a:rect b="b" l="l" r="r" t="t"/>
+            <a:avLst/>
+            <a:gdLst/>
+            <a:ahLst/>
+            <a:cxnLst/>
+            <a:rect l="l" t="t" r="r" b="b"/>
             <a:pathLst>
-              <a:path extrusionOk="0" h="120000" w="120000">
+              <a:path w="120000" h="120000" extrusionOk="0">
                 <a:moveTo>
                   <a:pt x="0" y="0"/>
                 </a:moveTo>
@@ -2361,9 +2463,11 @@
       <p:sp>
         <p:nvSpPr>
           <p:cNvPr id="106" name="Google Shape;106;g364aa7162a0_0_75:notes"/>
-          <p:cNvSpPr txBox="1"/>
+          <p:cNvSpPr txBox="1">
+            <a:spLocks noGrp="1"/>
+          </p:cNvSpPr>
           <p:nvPr>
-            <p:ph idx="1" type="body"/>
+            <p:ph type="body" idx="1"/>
           </p:nvPr>
         </p:nvSpPr>
         <p:spPr>
@@ -2376,12 +2480,12 @@
           </a:prstGeom>
         </p:spPr>
         <p:txBody>
-          <a:bodyPr anchorCtr="0" anchor="t" bIns="91425" lIns="91425" spcFirstLastPara="1" rIns="91425" wrap="square" tIns="91425">
+          <a:bodyPr spcFirstLastPara="1" wrap="square" lIns="91425" tIns="91425" rIns="91425" bIns="91425" anchor="t" anchorCtr="0">
             <a:noAutofit/>
           </a:bodyPr>
           <a:lstStyle/>
           <a:p>
-            <a:pPr indent="0" lvl="0" marL="0" rtl="0" algn="l">
+            <a:pPr marL="0" lvl="0" indent="0" algn="l" rtl="0">
               <a:spcBef>
                 <a:spcPts val="0"/>
               </a:spcBef>
@@ -2390,9 +2494,6 @@
               </a:spcAft>
               <a:buNone/>
             </a:pPr>
-            <a:r>
-              <a:t/>
-            </a:r>
             <a:endParaRPr/>
           </a:p>
         </p:txBody>
@@ -2406,11 +2507,11 @@
 </file>
 
 <file path=ppt/notesSlides/notesSlide6.xml><?xml version="1.0" encoding="utf-8"?>
-<p:notes xmlns:a="http://schemas.openxmlformats.org/drawingml/2006/main" xmlns:r="http://schemas.openxmlformats.org/officeDocument/2006/relationships" xmlns:mc="http://schemas.openxmlformats.org/markup-compatibility/2006" xmlns:mv="urn:schemas-microsoft-com:mac:vml" xmlns:p="http://schemas.openxmlformats.org/presentationml/2006/main" xmlns:c="http://schemas.openxmlformats.org/drawingml/2006/chart" xmlns:dgm="http://schemas.openxmlformats.org/drawingml/2006/diagram" xmlns:o="urn:schemas-microsoft-com:office:office" xmlns:v="urn:schemas-microsoft-com:vml" xmlns:pvml="urn:schemas-microsoft-com:office:powerpoint" xmlns:com="http://schemas.openxmlformats.org/drawingml/2006/compatibility" xmlns:p14="http://schemas.microsoft.com/office/powerpoint/2010/main" xmlns:p15="http://schemas.microsoft.com/office/powerpoint/2012/main" xmlns:ahyp="http://schemas.microsoft.com/office/drawing/2018/hyperlinkcolor" showMasterPhAnim="0" showMasterSp="0">
+<p:notes xmlns:a="http://schemas.openxmlformats.org/drawingml/2006/main" xmlns:r="http://schemas.openxmlformats.org/officeDocument/2006/relationships" xmlns:p="http://schemas.openxmlformats.org/presentationml/2006/main" showMasterSp="0" showMasterPhAnim="0">
   <p:cSld>
     <p:spTree>
       <p:nvGrpSpPr>
-        <p:cNvPr id="109" name="Shape 109"/>
+        <p:cNvPr id="1" name="Shape 109"/>
         <p:cNvGrpSpPr/>
         <p:nvPr/>
       </p:nvGrpSpPr>
@@ -2425,9 +2526,11 @@
       <p:sp>
         <p:nvSpPr>
           <p:cNvPr id="110" name="Google Shape;110;g364aa7162a0_0_446:notes"/>
-          <p:cNvSpPr/>
+          <p:cNvSpPr>
+            <a:spLocks noGrp="1" noRot="1" noChangeAspect="1"/>
+          </p:cNvSpPr>
           <p:nvPr>
-            <p:ph idx="2" type="sldImg"/>
+            <p:ph type="sldImg" idx="2"/>
           </p:nvPr>
         </p:nvSpPr>
         <p:spPr>
@@ -2436,9 +2539,13 @@
             <a:ext cx="6096000" cy="3429000"/>
           </a:xfrm>
           <a:custGeom>
-            <a:rect b="b" l="l" r="r" t="t"/>
+            <a:avLst/>
+            <a:gdLst/>
+            <a:ahLst/>
+            <a:cxnLst/>
+            <a:rect l="l" t="t" r="r" b="b"/>
             <a:pathLst>
-              <a:path extrusionOk="0" h="120000" w="120000">
+              <a:path w="120000" h="120000" extrusionOk="0">
                 <a:moveTo>
                   <a:pt x="0" y="0"/>
                 </a:moveTo>
@@ -2460,9 +2567,11 @@
       <p:sp>
         <p:nvSpPr>
           <p:cNvPr id="111" name="Google Shape;111;g364aa7162a0_0_446:notes"/>
-          <p:cNvSpPr txBox="1"/>
+          <p:cNvSpPr txBox="1">
+            <a:spLocks noGrp="1"/>
+          </p:cNvSpPr>
           <p:nvPr>
-            <p:ph idx="1" type="body"/>
+            <p:ph type="body" idx="1"/>
           </p:nvPr>
         </p:nvSpPr>
         <p:spPr>
@@ -2475,12 +2584,12 @@
           </a:prstGeom>
         </p:spPr>
         <p:txBody>
-          <a:bodyPr anchorCtr="0" anchor="t" bIns="91425" lIns="91425" spcFirstLastPara="1" rIns="91425" wrap="square" tIns="91425">
+          <a:bodyPr spcFirstLastPara="1" wrap="square" lIns="91425" tIns="91425" rIns="91425" bIns="91425" anchor="t" anchorCtr="0">
             <a:noAutofit/>
           </a:bodyPr>
           <a:lstStyle/>
           <a:p>
-            <a:pPr indent="0" lvl="0" marL="0" rtl="0" algn="l">
+            <a:pPr marL="0" lvl="0" indent="0" algn="l" rtl="0">
               <a:spcBef>
                 <a:spcPts val="0"/>
               </a:spcBef>
@@ -2489,9 +2598,6 @@
               </a:spcAft>
               <a:buNone/>
             </a:pPr>
-            <a:r>
-              <a:t/>
-            </a:r>
             <a:endParaRPr/>
           </a:p>
         </p:txBody>
@@ -2505,11 +2611,11 @@
 </file>
 
 <file path=ppt/notesSlides/notesSlide7.xml><?xml version="1.0" encoding="utf-8"?>
-<p:notes xmlns:a="http://schemas.openxmlformats.org/drawingml/2006/main" xmlns:r="http://schemas.openxmlformats.org/officeDocument/2006/relationships" xmlns:mc="http://schemas.openxmlformats.org/markup-compatibility/2006" xmlns:mv="urn:schemas-microsoft-com:mac:vml" xmlns:p="http://schemas.openxmlformats.org/presentationml/2006/main" xmlns:c="http://schemas.openxmlformats.org/drawingml/2006/chart" xmlns:dgm="http://schemas.openxmlformats.org/drawingml/2006/diagram" xmlns:o="urn:schemas-microsoft-com:office:office" xmlns:v="urn:schemas-microsoft-com:vml" xmlns:pvml="urn:schemas-microsoft-com:office:powerpoint" xmlns:com="http://schemas.openxmlformats.org/drawingml/2006/compatibility" xmlns:p14="http://schemas.microsoft.com/office/powerpoint/2010/main" xmlns:p15="http://schemas.microsoft.com/office/powerpoint/2012/main" xmlns:ahyp="http://schemas.microsoft.com/office/drawing/2018/hyperlinkcolor" showMasterPhAnim="0" showMasterSp="0">
+<p:notes xmlns:a="http://schemas.openxmlformats.org/drawingml/2006/main" xmlns:r="http://schemas.openxmlformats.org/officeDocument/2006/relationships" xmlns:p="http://schemas.openxmlformats.org/presentationml/2006/main" showMasterSp="0" showMasterPhAnim="0">
   <p:cSld>
     <p:spTree>
       <p:nvGrpSpPr>
-        <p:cNvPr id="115" name="Shape 115"/>
+        <p:cNvPr id="1" name="Shape 115"/>
         <p:cNvGrpSpPr/>
         <p:nvPr/>
       </p:nvGrpSpPr>
@@ -2524,9 +2630,11 @@
       <p:sp>
         <p:nvSpPr>
           <p:cNvPr id="116" name="Google Shape;116;g364aa7162a0_0_80:notes"/>
-          <p:cNvSpPr/>
+          <p:cNvSpPr>
+            <a:spLocks noGrp="1" noRot="1" noChangeAspect="1"/>
+          </p:cNvSpPr>
           <p:nvPr>
-            <p:ph idx="2" type="sldImg"/>
+            <p:ph type="sldImg" idx="2"/>
           </p:nvPr>
         </p:nvSpPr>
         <p:spPr>
@@ -2535,9 +2643,13 @@
             <a:ext cx="6096000" cy="3429000"/>
           </a:xfrm>
           <a:custGeom>
-            <a:rect b="b" l="l" r="r" t="t"/>
+            <a:avLst/>
+            <a:gdLst/>
+            <a:ahLst/>
+            <a:cxnLst/>
+            <a:rect l="l" t="t" r="r" b="b"/>
             <a:pathLst>
-              <a:path extrusionOk="0" h="120000" w="120000">
+              <a:path w="120000" h="120000" extrusionOk="0">
                 <a:moveTo>
                   <a:pt x="0" y="0"/>
                 </a:moveTo>
@@ -2559,9 +2671,11 @@
       <p:sp>
         <p:nvSpPr>
           <p:cNvPr id="117" name="Google Shape;117;g364aa7162a0_0_80:notes"/>
-          <p:cNvSpPr txBox="1"/>
+          <p:cNvSpPr txBox="1">
+            <a:spLocks noGrp="1"/>
+          </p:cNvSpPr>
           <p:nvPr>
-            <p:ph idx="1" type="body"/>
+            <p:ph type="body" idx="1"/>
           </p:nvPr>
         </p:nvSpPr>
         <p:spPr>
@@ -2574,12 +2688,12 @@
           </a:prstGeom>
         </p:spPr>
         <p:txBody>
-          <a:bodyPr anchorCtr="0" anchor="t" bIns="91425" lIns="91425" spcFirstLastPara="1" rIns="91425" wrap="square" tIns="91425">
+          <a:bodyPr spcFirstLastPara="1" wrap="square" lIns="91425" tIns="91425" rIns="91425" bIns="91425" anchor="t" anchorCtr="0">
             <a:noAutofit/>
           </a:bodyPr>
           <a:lstStyle/>
           <a:p>
-            <a:pPr indent="0" lvl="0" marL="0" rtl="0" algn="l">
+            <a:pPr marL="0" lvl="0" indent="0" algn="l" rtl="0">
               <a:spcBef>
                 <a:spcPts val="0"/>
               </a:spcBef>
@@ -2588,9 +2702,6 @@
               </a:spcAft>
               <a:buNone/>
             </a:pPr>
-            <a:r>
-              <a:t/>
-            </a:r>
             <a:endParaRPr/>
           </a:p>
         </p:txBody>
@@ -2604,11 +2715,11 @@
 </file>
 
 <file path=ppt/notesSlides/notesSlide8.xml><?xml version="1.0" encoding="utf-8"?>
-<p:notes xmlns:a="http://schemas.openxmlformats.org/drawingml/2006/main" xmlns:r="http://schemas.openxmlformats.org/officeDocument/2006/relationships" xmlns:mc="http://schemas.openxmlformats.org/markup-compatibility/2006" xmlns:mv="urn:schemas-microsoft-com:mac:vml" xmlns:p="http://schemas.openxmlformats.org/presentationml/2006/main" xmlns:c="http://schemas.openxmlformats.org/drawingml/2006/chart" xmlns:dgm="http://schemas.openxmlformats.org/drawingml/2006/diagram" xmlns:o="urn:schemas-microsoft-com:office:office" xmlns:v="urn:schemas-microsoft-com:vml" xmlns:pvml="urn:schemas-microsoft-com:office:powerpoint" xmlns:com="http://schemas.openxmlformats.org/drawingml/2006/compatibility" xmlns:p14="http://schemas.microsoft.com/office/powerpoint/2010/main" xmlns:p15="http://schemas.microsoft.com/office/powerpoint/2012/main" xmlns:ahyp="http://schemas.microsoft.com/office/drawing/2018/hyperlinkcolor" showMasterPhAnim="0" showMasterSp="0">
+<p:notes xmlns:a="http://schemas.openxmlformats.org/drawingml/2006/main" xmlns:r="http://schemas.openxmlformats.org/officeDocument/2006/relationships" xmlns:p="http://schemas.openxmlformats.org/presentationml/2006/main" showMasterSp="0" showMasterPhAnim="0">
   <p:cSld>
     <p:spTree>
       <p:nvGrpSpPr>
-        <p:cNvPr id="120" name="Shape 120"/>
+        <p:cNvPr id="1" name="Shape 120"/>
         <p:cNvGrpSpPr/>
         <p:nvPr/>
       </p:nvGrpSpPr>
@@ -2623,9 +2734,11 @@
       <p:sp>
         <p:nvSpPr>
           <p:cNvPr id="121" name="Google Shape;121;g364aa7162a0_0_85:notes"/>
-          <p:cNvSpPr/>
+          <p:cNvSpPr>
+            <a:spLocks noGrp="1" noRot="1" noChangeAspect="1"/>
+          </p:cNvSpPr>
           <p:nvPr>
-            <p:ph idx="2" type="sldImg"/>
+            <p:ph type="sldImg" idx="2"/>
           </p:nvPr>
         </p:nvSpPr>
         <p:spPr>
@@ -2634,9 +2747,13 @@
             <a:ext cx="6096000" cy="3429000"/>
           </a:xfrm>
           <a:custGeom>
-            <a:rect b="b" l="l" r="r" t="t"/>
+            <a:avLst/>
+            <a:gdLst/>
+            <a:ahLst/>
+            <a:cxnLst/>
+            <a:rect l="l" t="t" r="r" b="b"/>
             <a:pathLst>
-              <a:path extrusionOk="0" h="120000" w="120000">
+              <a:path w="120000" h="120000" extrusionOk="0">
                 <a:moveTo>
                   <a:pt x="0" y="0"/>
                 </a:moveTo>
@@ -2658,9 +2775,11 @@
       <p:sp>
         <p:nvSpPr>
           <p:cNvPr id="122" name="Google Shape;122;g364aa7162a0_0_85:notes"/>
-          <p:cNvSpPr txBox="1"/>
+          <p:cNvSpPr txBox="1">
+            <a:spLocks noGrp="1"/>
+          </p:cNvSpPr>
           <p:nvPr>
-            <p:ph idx="1" type="body"/>
+            <p:ph type="body" idx="1"/>
           </p:nvPr>
         </p:nvSpPr>
         <p:spPr>
@@ -2673,12 +2792,12 @@
           </a:prstGeom>
         </p:spPr>
         <p:txBody>
-          <a:bodyPr anchorCtr="0" anchor="t" bIns="91425" lIns="91425" spcFirstLastPara="1" rIns="91425" wrap="square" tIns="91425">
+          <a:bodyPr spcFirstLastPara="1" wrap="square" lIns="91425" tIns="91425" rIns="91425" bIns="91425" anchor="t" anchorCtr="0">
             <a:noAutofit/>
           </a:bodyPr>
           <a:lstStyle/>
           <a:p>
-            <a:pPr indent="0" lvl="0" marL="0" rtl="0" algn="l">
+            <a:pPr marL="0" lvl="0" indent="0" algn="l" rtl="0">
               <a:spcBef>
                 <a:spcPts val="0"/>
               </a:spcBef>
@@ -2687,9 +2806,6 @@
               </a:spcAft>
               <a:buNone/>
             </a:pPr>
-            <a:r>
-              <a:t/>
-            </a:r>
             <a:endParaRPr/>
           </a:p>
         </p:txBody>
@@ -2703,11 +2819,11 @@
 </file>
 
 <file path=ppt/notesSlides/notesSlide9.xml><?xml version="1.0" encoding="utf-8"?>
-<p:notes xmlns:a="http://schemas.openxmlformats.org/drawingml/2006/main" xmlns:r="http://schemas.openxmlformats.org/officeDocument/2006/relationships" xmlns:mc="http://schemas.openxmlformats.org/markup-compatibility/2006" xmlns:mv="urn:schemas-microsoft-com:mac:vml" xmlns:p="http://schemas.openxmlformats.org/presentationml/2006/main" xmlns:c="http://schemas.openxmlformats.org/drawingml/2006/chart" xmlns:dgm="http://schemas.openxmlformats.org/drawingml/2006/diagram" xmlns:o="urn:schemas-microsoft-com:office:office" xmlns:v="urn:schemas-microsoft-com:vml" xmlns:pvml="urn:schemas-microsoft-com:office:powerpoint" xmlns:com="http://schemas.openxmlformats.org/drawingml/2006/compatibility" xmlns:p14="http://schemas.microsoft.com/office/powerpoint/2010/main" xmlns:p15="http://schemas.microsoft.com/office/powerpoint/2012/main" xmlns:ahyp="http://schemas.microsoft.com/office/drawing/2018/hyperlinkcolor" showMasterPhAnim="0" showMasterSp="0">
+<p:notes xmlns:a="http://schemas.openxmlformats.org/drawingml/2006/main" xmlns:r="http://schemas.openxmlformats.org/officeDocument/2006/relationships" xmlns:p="http://schemas.openxmlformats.org/presentationml/2006/main" showMasterSp="0" showMasterPhAnim="0">
   <p:cSld>
     <p:spTree>
       <p:nvGrpSpPr>
-        <p:cNvPr id="125" name="Shape 125"/>
+        <p:cNvPr id="1" name="Shape 125"/>
         <p:cNvGrpSpPr/>
         <p:nvPr/>
       </p:nvGrpSpPr>
@@ -2722,9 +2838,11 @@
       <p:sp>
         <p:nvSpPr>
           <p:cNvPr id="126" name="Google Shape;126;g364aa7162a0_0_90:notes"/>
-          <p:cNvSpPr/>
+          <p:cNvSpPr>
+            <a:spLocks noGrp="1" noRot="1" noChangeAspect="1"/>
+          </p:cNvSpPr>
           <p:nvPr>
-            <p:ph idx="2" type="sldImg"/>
+            <p:ph type="sldImg" idx="2"/>
           </p:nvPr>
         </p:nvSpPr>
         <p:spPr>
@@ -2733,9 +2851,13 @@
             <a:ext cx="6096000" cy="3429000"/>
           </a:xfrm>
           <a:custGeom>
-            <a:rect b="b" l="l" r="r" t="t"/>
+            <a:avLst/>
+            <a:gdLst/>
+            <a:ahLst/>
+            <a:cxnLst/>
+            <a:rect l="l" t="t" r="r" b="b"/>
             <a:pathLst>
-              <a:path extrusionOk="0" h="120000" w="120000">
+              <a:path w="120000" h="120000" extrusionOk="0">
                 <a:moveTo>
                   <a:pt x="0" y="0"/>
                 </a:moveTo>
@@ -2757,9 +2879,11 @@
       <p:sp>
         <p:nvSpPr>
           <p:cNvPr id="127" name="Google Shape;127;g364aa7162a0_0_90:notes"/>
-          <p:cNvSpPr txBox="1"/>
+          <p:cNvSpPr txBox="1">
+            <a:spLocks noGrp="1"/>
+          </p:cNvSpPr>
           <p:nvPr>
-            <p:ph idx="1" type="body"/>
+            <p:ph type="body" idx="1"/>
           </p:nvPr>
         </p:nvSpPr>
         <p:spPr>
@@ -2772,12 +2896,12 @@
           </a:prstGeom>
         </p:spPr>
         <p:txBody>
-          <a:bodyPr anchorCtr="0" anchor="t" bIns="91425" lIns="91425" spcFirstLastPara="1" rIns="91425" wrap="square" tIns="91425">
+          <a:bodyPr spcFirstLastPara="1" wrap="square" lIns="91425" tIns="91425" rIns="91425" bIns="91425" anchor="t" anchorCtr="0">
             <a:noAutofit/>
           </a:bodyPr>
           <a:lstStyle/>
           <a:p>
-            <a:pPr indent="0" lvl="0" marL="0" rtl="0" algn="l">
+            <a:pPr marL="0" lvl="0" indent="0" algn="l" rtl="0">
               <a:spcBef>
                 <a:spcPts val="0"/>
               </a:spcBef>
@@ -2786,9 +2910,6 @@
               </a:spcAft>
               <a:buNone/>
             </a:pPr>
-            <a:r>
-              <a:t/>
-            </a:r>
             <a:endParaRPr/>
           </a:p>
         </p:txBody>
@@ -2802,18 +2923,19 @@
 </file>
 
 <file path=ppt/slideLayouts/slideLayout1.xml><?xml version="1.0" encoding="utf-8"?>
-<p:sldLayout xmlns:a="http://schemas.openxmlformats.org/drawingml/2006/main" xmlns:r="http://schemas.openxmlformats.org/officeDocument/2006/relationships" xmlns:mc="http://schemas.openxmlformats.org/markup-compatibility/2006" xmlns:mv="urn:schemas-microsoft-com:mac:vml" xmlns:p="http://schemas.openxmlformats.org/presentationml/2006/main" xmlns:c="http://schemas.openxmlformats.org/drawingml/2006/chart" xmlns:dgm="http://schemas.openxmlformats.org/drawingml/2006/diagram" xmlns:o="urn:schemas-microsoft-com:office:office" xmlns:v="urn:schemas-microsoft-com:vml" xmlns:pvml="urn:schemas-microsoft-com:office:powerpoint" xmlns:com="http://schemas.openxmlformats.org/drawingml/2006/compatibility" xmlns:p14="http://schemas.microsoft.com/office/powerpoint/2010/main" xmlns:p15="http://schemas.microsoft.com/office/powerpoint/2012/main" xmlns:ahyp="http://schemas.microsoft.com/office/drawing/2018/hyperlinkcolor" matchingName="Title slide" type="title">
+<p:sldLayout xmlns:a="http://schemas.openxmlformats.org/drawingml/2006/main" xmlns:r="http://schemas.openxmlformats.org/officeDocument/2006/relationships" xmlns:p="http://schemas.openxmlformats.org/presentationml/2006/main" matchingName="Title slide" type="title">
   <p:cSld name="TITLE">
     <p:bg>
       <p:bgPr>
         <a:solidFill>
           <a:schemeClr val="lt2"/>
         </a:solidFill>
+        <a:effectLst/>
       </p:bgPr>
     </p:bg>
     <p:spTree>
       <p:nvGrpSpPr>
-        <p:cNvPr id="9" name="Shape 9"/>
+        <p:cNvPr id="1" name="Shape 9"/>
         <p:cNvGrpSpPr/>
         <p:nvPr/>
       </p:nvGrpSpPr>
@@ -2847,12 +2969,12 @@
           </a:ln>
         </p:spPr>
         <p:txBody>
-          <a:bodyPr anchorCtr="0" anchor="ctr" bIns="91425" lIns="91425" spcFirstLastPara="1" rIns="91425" wrap="square" tIns="91425">
+          <a:bodyPr spcFirstLastPara="1" wrap="square" lIns="91425" tIns="91425" rIns="91425" bIns="91425" anchor="ctr" anchorCtr="0">
             <a:noAutofit/>
           </a:bodyPr>
           <a:lstStyle/>
           <a:p>
-            <a:pPr indent="0" lvl="0" marL="0" rtl="0" algn="l">
+            <a:pPr marL="0" lvl="0" indent="0" algn="l" rtl="0">
               <a:spcBef>
                 <a:spcPts val="0"/>
               </a:spcBef>
@@ -2861,9 +2983,6 @@
               </a:spcAft>
               <a:buNone/>
             </a:pPr>
-            <a:r>
-              <a:t/>
-            </a:r>
             <a:endParaRPr/>
           </a:p>
         </p:txBody>
@@ -2904,12 +3023,12 @@
             </a:ln>
           </p:spPr>
           <p:txBody>
-            <a:bodyPr anchorCtr="0" anchor="ctr" bIns="91425" lIns="91425" spcFirstLastPara="1" rIns="91425" wrap="square" tIns="91425">
+            <a:bodyPr spcFirstLastPara="1" wrap="square" lIns="91425" tIns="91425" rIns="91425" bIns="91425" anchor="ctr" anchorCtr="0">
               <a:noAutofit/>
             </a:bodyPr>
             <a:lstStyle/>
             <a:p>
-              <a:pPr indent="0" lvl="0" marL="0" rtl="0" algn="l">
+              <a:pPr marL="0" lvl="0" indent="0" algn="l" rtl="0">
                 <a:spcBef>
                   <a:spcPts val="0"/>
                 </a:spcBef>
@@ -2918,9 +3037,6 @@
                 </a:spcAft>
                 <a:buNone/>
               </a:pPr>
-              <a:r>
-                <a:t/>
-              </a:r>
               <a:endParaRPr/>
             </a:p>
           </p:txBody>
@@ -2947,12 +3063,12 @@
             </a:ln>
           </p:spPr>
           <p:txBody>
-            <a:bodyPr anchorCtr="0" anchor="ctr" bIns="91425" lIns="91425" spcFirstLastPara="1" rIns="91425" wrap="square" tIns="91425">
+            <a:bodyPr spcFirstLastPara="1" wrap="square" lIns="91425" tIns="91425" rIns="91425" bIns="91425" anchor="ctr" anchorCtr="0">
               <a:noAutofit/>
             </a:bodyPr>
             <a:lstStyle/>
             <a:p>
-              <a:pPr indent="0" lvl="0" marL="0" rtl="0" algn="l">
+              <a:pPr marL="0" lvl="0" indent="0" algn="l" rtl="0">
                 <a:spcBef>
                   <a:spcPts val="0"/>
                 </a:spcBef>
@@ -2961,9 +3077,6 @@
                 </a:spcAft>
                 <a:buNone/>
               </a:pPr>
-              <a:r>
-                <a:t/>
-              </a:r>
               <a:endParaRPr/>
             </a:p>
           </p:txBody>
@@ -2972,7 +3085,9 @@
       <p:sp>
         <p:nvSpPr>
           <p:cNvPr id="14" name="Google Shape;14;p2"/>
-          <p:cNvSpPr txBox="1"/>
+          <p:cNvSpPr txBox="1">
+            <a:spLocks noGrp="1"/>
+          </p:cNvSpPr>
           <p:nvPr>
             <p:ph type="ctrTitle"/>
           </p:nvPr>
@@ -2987,7 +3102,7 @@
           </a:prstGeom>
         </p:spPr>
         <p:txBody>
-          <a:bodyPr anchorCtr="0" anchor="t" bIns="91425" lIns="91425" spcFirstLastPara="1" rIns="91425" wrap="square" tIns="91425">
+          <a:bodyPr spcFirstLastPara="1" wrap="square" lIns="91425" tIns="91425" rIns="91425" bIns="91425" anchor="t" anchorCtr="0">
             <a:normAutofit/>
           </a:bodyPr>
           <a:lstStyle>
@@ -3091,15 +3206,19 @@
               <a:defRPr sz="4200"/>
             </a:lvl9pPr>
           </a:lstStyle>
-          <a:p/>
+          <a:p>
+            <a:endParaRPr/>
+          </a:p>
         </p:txBody>
       </p:sp>
       <p:sp>
         <p:nvSpPr>
           <p:cNvPr id="15" name="Google Shape;15;p2"/>
-          <p:cNvSpPr txBox="1"/>
+          <p:cNvSpPr txBox="1">
+            <a:spLocks noGrp="1"/>
+          </p:cNvSpPr>
           <p:nvPr>
-            <p:ph idx="1" type="subTitle"/>
+            <p:ph type="subTitle" idx="1"/>
           </p:nvPr>
         </p:nvSpPr>
         <p:spPr>
@@ -3112,7 +3231,7 @@
           </a:prstGeom>
         </p:spPr>
         <p:txBody>
-          <a:bodyPr anchorCtr="0" anchor="t" bIns="91425" lIns="91425" spcFirstLastPara="1" rIns="91425" wrap="square" tIns="91425">
+          <a:bodyPr spcFirstLastPara="1" wrap="square" lIns="91425" tIns="91425" rIns="91425" bIns="91425" anchor="t" anchorCtr="0">
             <a:normAutofit/>
           </a:bodyPr>
           <a:lstStyle>
@@ -3243,15 +3362,19 @@
               <a:defRPr sz="1600"/>
             </a:lvl9pPr>
           </a:lstStyle>
-          <a:p/>
+          <a:p>
+            <a:endParaRPr/>
+          </a:p>
         </p:txBody>
       </p:sp>
       <p:sp>
         <p:nvSpPr>
           <p:cNvPr id="16" name="Google Shape;16;p2"/>
-          <p:cNvSpPr txBox="1"/>
+          <p:cNvSpPr txBox="1">
+            <a:spLocks noGrp="1"/>
+          </p:cNvSpPr>
           <p:nvPr>
-            <p:ph idx="12" type="sldNum"/>
+            <p:ph type="sldNum" idx="12"/>
           </p:nvPr>
         </p:nvSpPr>
         <p:spPr>
@@ -3264,7 +3387,7 @@
           </a:prstGeom>
         </p:spPr>
         <p:txBody>
-          <a:bodyPr anchorCtr="0" anchor="ctr" bIns="91425" lIns="91425" spcFirstLastPara="1" rIns="91425" wrap="square" tIns="91425">
+          <a:bodyPr spcFirstLastPara="1" wrap="square" lIns="91425" tIns="91425" rIns="91425" bIns="91425" anchor="ctr" anchorCtr="0">
             <a:normAutofit/>
           </a:bodyPr>
           <a:lstStyle>
@@ -3306,7 +3429,7 @@
             </a:lvl9pPr>
           </a:lstStyle>
           <a:p>
-            <a:pPr indent="0" lvl="0" marL="0" rtl="0" algn="r">
+            <a:pPr marL="0" lvl="0" indent="0" algn="r" rtl="0">
               <a:spcBef>
                 <a:spcPts val="0"/>
               </a:spcBef>
@@ -3317,7 +3440,7 @@
             </a:pPr>
             <a:fld id="{00000000-1234-1234-1234-123412341234}" type="slidenum">
               <a:rPr lang="es-419"/>
-              <a:t>‹#›</a:t>
+              <a:t>‹Nº›</a:t>
             </a:fld>
             <a:endParaRPr/>
           </a:p>
@@ -3332,18 +3455,19 @@
 </file>
 
 <file path=ppt/slideLayouts/slideLayout10.xml><?xml version="1.0" encoding="utf-8"?>
-<p:sldLayout xmlns:a="http://schemas.openxmlformats.org/drawingml/2006/main" xmlns:r="http://schemas.openxmlformats.org/officeDocument/2006/relationships" xmlns:mc="http://schemas.openxmlformats.org/markup-compatibility/2006" xmlns:mv="urn:schemas-microsoft-com:mac:vml" xmlns:p="http://schemas.openxmlformats.org/presentationml/2006/main" xmlns:c="http://schemas.openxmlformats.org/drawingml/2006/chart" xmlns:dgm="http://schemas.openxmlformats.org/drawingml/2006/diagram" xmlns:o="urn:schemas-microsoft-com:office:office" xmlns:v="urn:schemas-microsoft-com:vml" xmlns:pvml="urn:schemas-microsoft-com:office:powerpoint" xmlns:com="http://schemas.openxmlformats.org/drawingml/2006/compatibility" xmlns:p14="http://schemas.microsoft.com/office/powerpoint/2010/main" xmlns:p15="http://schemas.microsoft.com/office/powerpoint/2012/main" xmlns:ahyp="http://schemas.microsoft.com/office/drawing/2018/hyperlinkcolor" matchingName="Big number">
+<p:sldLayout xmlns:a="http://schemas.openxmlformats.org/drawingml/2006/main" xmlns:r="http://schemas.openxmlformats.org/officeDocument/2006/relationships" xmlns:p="http://schemas.openxmlformats.org/presentationml/2006/main" matchingName="Big number">
   <p:cSld name="BIG_NUMBER">
     <p:bg>
       <p:bgPr>
         <a:solidFill>
           <a:schemeClr val="dk1"/>
         </a:solidFill>
+        <a:effectLst/>
       </p:bgPr>
     </p:bg>
     <p:spTree>
       <p:nvGrpSpPr>
-        <p:cNvPr id="73" name="Shape 73"/>
+        <p:cNvPr id="1" name="Shape 73"/>
         <p:cNvGrpSpPr/>
         <p:nvPr/>
       </p:nvGrpSpPr>
@@ -3391,12 +3515,12 @@
             </a:ln>
           </p:spPr>
           <p:txBody>
-            <a:bodyPr anchorCtr="0" anchor="ctr" bIns="91425" lIns="91425" spcFirstLastPara="1" rIns="91425" wrap="square" tIns="91425">
+            <a:bodyPr spcFirstLastPara="1" wrap="square" lIns="91425" tIns="91425" rIns="91425" bIns="91425" anchor="ctr" anchorCtr="0">
               <a:noAutofit/>
             </a:bodyPr>
             <a:lstStyle/>
             <a:p>
-              <a:pPr indent="0" lvl="0" marL="0" rtl="0" algn="l">
+              <a:pPr marL="0" lvl="0" indent="0" algn="l" rtl="0">
                 <a:spcBef>
                   <a:spcPts val="0"/>
                 </a:spcBef>
@@ -3405,9 +3529,6 @@
                 </a:spcAft>
                 <a:buNone/>
               </a:pPr>
-              <a:r>
-                <a:t/>
-              </a:r>
               <a:endParaRPr/>
             </a:p>
           </p:txBody>
@@ -3434,12 +3555,12 @@
             </a:ln>
           </p:spPr>
           <p:txBody>
-            <a:bodyPr anchorCtr="0" anchor="ctr" bIns="91425" lIns="91425" spcFirstLastPara="1" rIns="91425" wrap="square" tIns="91425">
+            <a:bodyPr spcFirstLastPara="1" wrap="square" lIns="91425" tIns="91425" rIns="91425" bIns="91425" anchor="ctr" anchorCtr="0">
               <a:noAutofit/>
             </a:bodyPr>
             <a:lstStyle/>
             <a:p>
-              <a:pPr indent="0" lvl="0" marL="0" rtl="0" algn="l">
+              <a:pPr marL="0" lvl="0" indent="0" algn="l" rtl="0">
                 <a:spcBef>
                   <a:spcPts val="0"/>
                 </a:spcBef>
@@ -3448,9 +3569,6 @@
                 </a:spcAft>
                 <a:buNone/>
               </a:pPr>
-              <a:r>
-                <a:t/>
-              </a:r>
               <a:endParaRPr/>
             </a:p>
           </p:txBody>
@@ -3459,9 +3577,11 @@
       <p:sp>
         <p:nvSpPr>
           <p:cNvPr id="77" name="Google Shape;77;p11"/>
-          <p:cNvSpPr txBox="1"/>
+          <p:cNvSpPr txBox="1">
+            <a:spLocks noGrp="1"/>
+          </p:cNvSpPr>
           <p:nvPr>
-            <p:ph hasCustomPrompt="1" type="title"/>
+            <p:ph type="title" hasCustomPrompt="1"/>
           </p:nvPr>
         </p:nvSpPr>
         <p:spPr>
@@ -3474,7 +3594,7 @@
           </a:prstGeom>
         </p:spPr>
         <p:txBody>
-          <a:bodyPr anchorCtr="0" anchor="t" bIns="91425" lIns="91425" spcFirstLastPara="1" rIns="91425" wrap="square" tIns="91425">
+          <a:bodyPr spcFirstLastPara="1" wrap="square" lIns="91425" tIns="91425" rIns="91425" bIns="91425" anchor="t" anchorCtr="0">
             <a:normAutofit/>
           </a:bodyPr>
           <a:lstStyle>
@@ -3651,9 +3771,11 @@
       <p:sp>
         <p:nvSpPr>
           <p:cNvPr id="78" name="Google Shape;78;p11"/>
-          <p:cNvSpPr txBox="1"/>
+          <p:cNvSpPr txBox="1">
+            <a:spLocks noGrp="1"/>
+          </p:cNvSpPr>
           <p:nvPr>
-            <p:ph idx="1" type="body"/>
+            <p:ph type="body" idx="1"/>
           </p:nvPr>
         </p:nvSpPr>
         <p:spPr>
@@ -3666,11 +3788,11 @@
           </a:prstGeom>
         </p:spPr>
         <p:txBody>
-          <a:bodyPr anchorCtr="0" anchor="t" bIns="91425" lIns="91425" spcFirstLastPara="1" rIns="91425" wrap="square" tIns="91425">
+          <a:bodyPr spcFirstLastPara="1" wrap="square" lIns="91425" tIns="91425" rIns="91425" bIns="91425" anchor="t" anchorCtr="0">
             <a:normAutofit/>
           </a:bodyPr>
           <a:lstStyle>
-            <a:lvl1pPr indent="-311150" lvl="0" marL="457200">
+            <a:lvl1pPr marL="457200" lvl="0" indent="-311150">
               <a:spcBef>
                 <a:spcPts val="0"/>
               </a:spcBef>
@@ -3688,7 +3810,7 @@
                 </a:solidFill>
               </a:defRPr>
             </a:lvl1pPr>
-            <a:lvl2pPr indent="-298450" lvl="1" marL="914400">
+            <a:lvl2pPr marL="914400" lvl="1" indent="-298450">
               <a:spcBef>
                 <a:spcPts val="0"/>
               </a:spcBef>
@@ -3706,7 +3828,7 @@
                 </a:solidFill>
               </a:defRPr>
             </a:lvl2pPr>
-            <a:lvl3pPr indent="-298450" lvl="2" marL="1371600">
+            <a:lvl3pPr marL="1371600" lvl="2" indent="-298450">
               <a:spcBef>
                 <a:spcPts val="0"/>
               </a:spcBef>
@@ -3724,7 +3846,7 @@
                 </a:solidFill>
               </a:defRPr>
             </a:lvl3pPr>
-            <a:lvl4pPr indent="-298450" lvl="3" marL="1828800">
+            <a:lvl4pPr marL="1828800" lvl="3" indent="-298450">
               <a:spcBef>
                 <a:spcPts val="0"/>
               </a:spcBef>
@@ -3742,7 +3864,7 @@
                 </a:solidFill>
               </a:defRPr>
             </a:lvl4pPr>
-            <a:lvl5pPr indent="-298450" lvl="4" marL="2286000">
+            <a:lvl5pPr marL="2286000" lvl="4" indent="-298450">
               <a:spcBef>
                 <a:spcPts val="0"/>
               </a:spcBef>
@@ -3760,7 +3882,7 @@
                 </a:solidFill>
               </a:defRPr>
             </a:lvl5pPr>
-            <a:lvl6pPr indent="-298450" lvl="5" marL="2743200">
+            <a:lvl6pPr marL="2743200" lvl="5" indent="-298450">
               <a:spcBef>
                 <a:spcPts val="0"/>
               </a:spcBef>
@@ -3778,7 +3900,7 @@
                 </a:solidFill>
               </a:defRPr>
             </a:lvl6pPr>
-            <a:lvl7pPr indent="-298450" lvl="6" marL="3200400">
+            <a:lvl7pPr marL="3200400" lvl="6" indent="-298450">
               <a:spcBef>
                 <a:spcPts val="0"/>
               </a:spcBef>
@@ -3796,7 +3918,7 @@
                 </a:solidFill>
               </a:defRPr>
             </a:lvl7pPr>
-            <a:lvl8pPr indent="-298450" lvl="7" marL="3657600">
+            <a:lvl8pPr marL="3657600" lvl="7" indent="-298450">
               <a:spcBef>
                 <a:spcPts val="0"/>
               </a:spcBef>
@@ -3814,7 +3936,7 @@
                 </a:solidFill>
               </a:defRPr>
             </a:lvl8pPr>
-            <a:lvl9pPr indent="-298450" lvl="8" marL="4114800">
+            <a:lvl9pPr marL="4114800" lvl="8" indent="-298450">
               <a:spcBef>
                 <a:spcPts val="0"/>
               </a:spcBef>
@@ -3833,15 +3955,19 @@
               </a:defRPr>
             </a:lvl9pPr>
           </a:lstStyle>
-          <a:p/>
+          <a:p>
+            <a:endParaRPr/>
+          </a:p>
         </p:txBody>
       </p:sp>
       <p:sp>
         <p:nvSpPr>
           <p:cNvPr id="79" name="Google Shape;79;p11"/>
-          <p:cNvSpPr txBox="1"/>
+          <p:cNvSpPr txBox="1">
+            <a:spLocks noGrp="1"/>
+          </p:cNvSpPr>
           <p:nvPr>
-            <p:ph idx="12" type="sldNum"/>
+            <p:ph type="sldNum" idx="12"/>
           </p:nvPr>
         </p:nvSpPr>
         <p:spPr>
@@ -3854,7 +3980,7 @@
           </a:prstGeom>
         </p:spPr>
         <p:txBody>
-          <a:bodyPr anchorCtr="0" anchor="ctr" bIns="91425" lIns="91425" spcFirstLastPara="1" rIns="91425" wrap="square" tIns="91425">
+          <a:bodyPr spcFirstLastPara="1" wrap="square" lIns="91425" tIns="91425" rIns="91425" bIns="91425" anchor="ctr" anchorCtr="0">
             <a:normAutofit/>
           </a:bodyPr>
           <a:lstStyle>
@@ -3932,7 +4058,7 @@
             </a:lvl9pPr>
           </a:lstStyle>
           <a:p>
-            <a:pPr indent="0" lvl="0" marL="0" rtl="0" algn="r">
+            <a:pPr marL="0" lvl="0" indent="0" algn="r" rtl="0">
               <a:spcBef>
                 <a:spcPts val="0"/>
               </a:spcBef>
@@ -3943,7 +4069,7 @@
             </a:pPr>
             <a:fld id="{00000000-1234-1234-1234-123412341234}" type="slidenum">
               <a:rPr lang="es-419"/>
-              <a:t>‹#›</a:t>
+              <a:t>‹Nº›</a:t>
             </a:fld>
             <a:endParaRPr/>
           </a:p>
@@ -3958,11 +4084,11 @@
 </file>
 
 <file path=ppt/slideLayouts/slideLayout11.xml><?xml version="1.0" encoding="utf-8"?>
-<p:sldLayout xmlns:a="http://schemas.openxmlformats.org/drawingml/2006/main" xmlns:r="http://schemas.openxmlformats.org/officeDocument/2006/relationships" xmlns:mc="http://schemas.openxmlformats.org/markup-compatibility/2006" xmlns:mv="urn:schemas-microsoft-com:mac:vml" xmlns:p="http://schemas.openxmlformats.org/presentationml/2006/main" xmlns:c="http://schemas.openxmlformats.org/drawingml/2006/chart" xmlns:dgm="http://schemas.openxmlformats.org/drawingml/2006/diagram" xmlns:o="urn:schemas-microsoft-com:office:office" xmlns:v="urn:schemas-microsoft-com:vml" xmlns:pvml="urn:schemas-microsoft-com:office:powerpoint" xmlns:com="http://schemas.openxmlformats.org/drawingml/2006/compatibility" xmlns:p14="http://schemas.microsoft.com/office/powerpoint/2010/main" xmlns:p15="http://schemas.microsoft.com/office/powerpoint/2012/main" xmlns:ahyp="http://schemas.microsoft.com/office/drawing/2018/hyperlinkcolor" matchingName="Blank" type="blank">
+<p:sldLayout xmlns:a="http://schemas.openxmlformats.org/drawingml/2006/main" xmlns:r="http://schemas.openxmlformats.org/officeDocument/2006/relationships" xmlns:p="http://schemas.openxmlformats.org/presentationml/2006/main" matchingName="Blank" type="blank">
   <p:cSld name="BLANK">
     <p:spTree>
       <p:nvGrpSpPr>
-        <p:cNvPr id="80" name="Shape 80"/>
+        <p:cNvPr id="1" name="Shape 80"/>
         <p:cNvGrpSpPr/>
         <p:nvPr/>
       </p:nvGrpSpPr>
@@ -3977,9 +4103,11 @@
       <p:sp>
         <p:nvSpPr>
           <p:cNvPr id="81" name="Google Shape;81;p12"/>
-          <p:cNvSpPr txBox="1"/>
+          <p:cNvSpPr txBox="1">
+            <a:spLocks noGrp="1"/>
+          </p:cNvSpPr>
           <p:nvPr>
-            <p:ph idx="12" type="sldNum"/>
+            <p:ph type="sldNum" idx="12"/>
           </p:nvPr>
         </p:nvSpPr>
         <p:spPr>
@@ -3992,7 +4120,7 @@
           </a:prstGeom>
         </p:spPr>
         <p:txBody>
-          <a:bodyPr anchorCtr="0" anchor="ctr" bIns="91425" lIns="91425" spcFirstLastPara="1" rIns="91425" wrap="square" tIns="91425">
+          <a:bodyPr spcFirstLastPara="1" wrap="square" lIns="91425" tIns="91425" rIns="91425" bIns="91425" anchor="ctr" anchorCtr="0">
             <a:normAutofit/>
           </a:bodyPr>
           <a:lstStyle>
@@ -4034,7 +4162,7 @@
             </a:lvl9pPr>
           </a:lstStyle>
           <a:p>
-            <a:pPr indent="0" lvl="0" marL="0" rtl="0" algn="r">
+            <a:pPr marL="0" lvl="0" indent="0" algn="r" rtl="0">
               <a:spcBef>
                 <a:spcPts val="0"/>
               </a:spcBef>
@@ -4045,7 +4173,7 @@
             </a:pPr>
             <a:fld id="{00000000-1234-1234-1234-123412341234}" type="slidenum">
               <a:rPr lang="es-419"/>
-              <a:t>‹#›</a:t>
+              <a:t>‹Nº›</a:t>
             </a:fld>
             <a:endParaRPr/>
           </a:p>
@@ -4060,18 +4188,19 @@
 </file>
 
 <file path=ppt/slideLayouts/slideLayout2.xml><?xml version="1.0" encoding="utf-8"?>
-<p:sldLayout xmlns:a="http://schemas.openxmlformats.org/drawingml/2006/main" xmlns:r="http://schemas.openxmlformats.org/officeDocument/2006/relationships" xmlns:mc="http://schemas.openxmlformats.org/markup-compatibility/2006" xmlns:mv="urn:schemas-microsoft-com:mac:vml" xmlns:p="http://schemas.openxmlformats.org/presentationml/2006/main" xmlns:c="http://schemas.openxmlformats.org/drawingml/2006/chart" xmlns:dgm="http://schemas.openxmlformats.org/drawingml/2006/diagram" xmlns:o="urn:schemas-microsoft-com:office:office" xmlns:v="urn:schemas-microsoft-com:vml" xmlns:pvml="urn:schemas-microsoft-com:office:powerpoint" xmlns:com="http://schemas.openxmlformats.org/drawingml/2006/compatibility" xmlns:p14="http://schemas.microsoft.com/office/powerpoint/2010/main" xmlns:p15="http://schemas.microsoft.com/office/powerpoint/2012/main" xmlns:ahyp="http://schemas.microsoft.com/office/drawing/2018/hyperlinkcolor" matchingName="Section header" type="secHead">
+<p:sldLayout xmlns:a="http://schemas.openxmlformats.org/drawingml/2006/main" xmlns:r="http://schemas.openxmlformats.org/officeDocument/2006/relationships" xmlns:p="http://schemas.openxmlformats.org/presentationml/2006/main" matchingName="Section header" type="secHead">
   <p:cSld name="SECTION_HEADER">
     <p:bg>
       <p:bgPr>
         <a:solidFill>
           <a:schemeClr val="dk1"/>
         </a:solidFill>
+        <a:effectLst/>
       </p:bgPr>
     </p:bg>
     <p:spTree>
       <p:nvGrpSpPr>
-        <p:cNvPr id="17" name="Shape 17"/>
+        <p:cNvPr id="1" name="Shape 17"/>
         <p:cNvGrpSpPr/>
         <p:nvPr/>
       </p:nvGrpSpPr>
@@ -4119,12 +4248,12 @@
             </a:ln>
           </p:spPr>
           <p:txBody>
-            <a:bodyPr anchorCtr="0" anchor="ctr" bIns="91425" lIns="91425" spcFirstLastPara="1" rIns="91425" wrap="square" tIns="91425">
+            <a:bodyPr spcFirstLastPara="1" wrap="square" lIns="91425" tIns="91425" rIns="91425" bIns="91425" anchor="ctr" anchorCtr="0">
               <a:noAutofit/>
             </a:bodyPr>
             <a:lstStyle/>
             <a:p>
-              <a:pPr indent="0" lvl="0" marL="0" rtl="0" algn="l">
+              <a:pPr marL="0" lvl="0" indent="0" algn="l" rtl="0">
                 <a:spcBef>
                   <a:spcPts val="0"/>
                 </a:spcBef>
@@ -4133,9 +4262,6 @@
                 </a:spcAft>
                 <a:buNone/>
               </a:pPr>
-              <a:r>
-                <a:t/>
-              </a:r>
               <a:endParaRPr/>
             </a:p>
           </p:txBody>
@@ -4162,12 +4288,12 @@
             </a:ln>
           </p:spPr>
           <p:txBody>
-            <a:bodyPr anchorCtr="0" anchor="ctr" bIns="91425" lIns="91425" spcFirstLastPara="1" rIns="91425" wrap="square" tIns="91425">
+            <a:bodyPr spcFirstLastPara="1" wrap="square" lIns="91425" tIns="91425" rIns="91425" bIns="91425" anchor="ctr" anchorCtr="0">
               <a:noAutofit/>
             </a:bodyPr>
             <a:lstStyle/>
             <a:p>
-              <a:pPr indent="0" lvl="0" marL="0" rtl="0" algn="l">
+              <a:pPr marL="0" lvl="0" indent="0" algn="l" rtl="0">
                 <a:spcBef>
                   <a:spcPts val="0"/>
                 </a:spcBef>
@@ -4176,9 +4302,6 @@
                 </a:spcAft>
                 <a:buNone/>
               </a:pPr>
-              <a:r>
-                <a:t/>
-              </a:r>
               <a:endParaRPr/>
             </a:p>
           </p:txBody>
@@ -4187,7 +4310,9 @@
       <p:sp>
         <p:nvSpPr>
           <p:cNvPr id="21" name="Google Shape;21;p3"/>
-          <p:cNvSpPr txBox="1"/>
+          <p:cNvSpPr txBox="1">
+            <a:spLocks noGrp="1"/>
+          </p:cNvSpPr>
           <p:nvPr>
             <p:ph type="title"/>
           </p:nvPr>
@@ -4202,7 +4327,7 @@
           </a:prstGeom>
         </p:spPr>
         <p:txBody>
-          <a:bodyPr anchorCtr="0" anchor="t" bIns="91425" lIns="91425" spcFirstLastPara="1" rIns="91425" wrap="square" tIns="91425">
+          <a:bodyPr spcFirstLastPara="1" wrap="square" lIns="91425" tIns="91425" rIns="91425" bIns="91425" anchor="t" anchorCtr="0">
             <a:normAutofit/>
           </a:bodyPr>
           <a:lstStyle>
@@ -4369,15 +4494,19 @@
               </a:defRPr>
             </a:lvl9pPr>
           </a:lstStyle>
-          <a:p/>
+          <a:p>
+            <a:endParaRPr/>
+          </a:p>
         </p:txBody>
       </p:sp>
       <p:sp>
         <p:nvSpPr>
           <p:cNvPr id="22" name="Google Shape;22;p3"/>
-          <p:cNvSpPr txBox="1"/>
+          <p:cNvSpPr txBox="1">
+            <a:spLocks noGrp="1"/>
+          </p:cNvSpPr>
           <p:nvPr>
-            <p:ph idx="12" type="sldNum"/>
+            <p:ph type="sldNum" idx="12"/>
           </p:nvPr>
         </p:nvSpPr>
         <p:spPr>
@@ -4390,7 +4519,7 @@
           </a:prstGeom>
         </p:spPr>
         <p:txBody>
-          <a:bodyPr anchorCtr="0" anchor="ctr" bIns="91425" lIns="91425" spcFirstLastPara="1" rIns="91425" wrap="square" tIns="91425">
+          <a:bodyPr spcFirstLastPara="1" wrap="square" lIns="91425" tIns="91425" rIns="91425" bIns="91425" anchor="ctr" anchorCtr="0">
             <a:normAutofit/>
           </a:bodyPr>
           <a:lstStyle>
@@ -4468,7 +4597,7 @@
             </a:lvl9pPr>
           </a:lstStyle>
           <a:p>
-            <a:pPr indent="0" lvl="0" marL="0" rtl="0" algn="r">
+            <a:pPr marL="0" lvl="0" indent="0" algn="r" rtl="0">
               <a:spcBef>
                 <a:spcPts val="0"/>
               </a:spcBef>
@@ -4479,7 +4608,7 @@
             </a:pPr>
             <a:fld id="{00000000-1234-1234-1234-123412341234}" type="slidenum">
               <a:rPr lang="es-419"/>
-              <a:t>‹#›</a:t>
+              <a:t>‹Nº›</a:t>
             </a:fld>
             <a:endParaRPr/>
           </a:p>
@@ -4494,11 +4623,11 @@
 </file>
 
 <file path=ppt/slideLayouts/slideLayout3.xml><?xml version="1.0" encoding="utf-8"?>
-<p:sldLayout xmlns:a="http://schemas.openxmlformats.org/drawingml/2006/main" xmlns:r="http://schemas.openxmlformats.org/officeDocument/2006/relationships" xmlns:mc="http://schemas.openxmlformats.org/markup-compatibility/2006" xmlns:mv="urn:schemas-microsoft-com:mac:vml" xmlns:p="http://schemas.openxmlformats.org/presentationml/2006/main" xmlns:c="http://schemas.openxmlformats.org/drawingml/2006/chart" xmlns:dgm="http://schemas.openxmlformats.org/drawingml/2006/diagram" xmlns:o="urn:schemas-microsoft-com:office:office" xmlns:v="urn:schemas-microsoft-com:vml" xmlns:pvml="urn:schemas-microsoft-com:office:powerpoint" xmlns:com="http://schemas.openxmlformats.org/drawingml/2006/compatibility" xmlns:p14="http://schemas.microsoft.com/office/powerpoint/2010/main" xmlns:p15="http://schemas.microsoft.com/office/powerpoint/2012/main" xmlns:ahyp="http://schemas.microsoft.com/office/drawing/2018/hyperlinkcolor" matchingName="Title and body" type="tx">
+<p:sldLayout xmlns:a="http://schemas.openxmlformats.org/drawingml/2006/main" xmlns:r="http://schemas.openxmlformats.org/officeDocument/2006/relationships" xmlns:p="http://schemas.openxmlformats.org/presentationml/2006/main" matchingName="Title and body" type="tx">
   <p:cSld name="TITLE_AND_BODY">
     <p:spTree>
       <p:nvGrpSpPr>
-        <p:cNvPr id="23" name="Shape 23"/>
+        <p:cNvPr id="1" name="Shape 23"/>
         <p:cNvGrpSpPr/>
         <p:nvPr/>
       </p:nvGrpSpPr>
@@ -4532,12 +4661,12 @@
           </a:ln>
         </p:spPr>
         <p:txBody>
-          <a:bodyPr anchorCtr="0" anchor="ctr" bIns="91425" lIns="91425" spcFirstLastPara="1" rIns="91425" wrap="square" tIns="91425">
+          <a:bodyPr spcFirstLastPara="1" wrap="square" lIns="91425" tIns="91425" rIns="91425" bIns="91425" anchor="ctr" anchorCtr="0">
             <a:noAutofit/>
           </a:bodyPr>
           <a:lstStyle/>
           <a:p>
-            <a:pPr indent="0" lvl="0" marL="0" rtl="0" algn="l">
+            <a:pPr marL="0" lvl="0" indent="0" algn="l" rtl="0">
               <a:spcBef>
                 <a:spcPts val="0"/>
               </a:spcBef>
@@ -4546,9 +4675,6 @@
               </a:spcAft>
               <a:buNone/>
             </a:pPr>
-            <a:r>
-              <a:t/>
-            </a:r>
             <a:endParaRPr/>
           </a:p>
         </p:txBody>
@@ -4589,12 +4715,12 @@
             </a:ln>
           </p:spPr>
           <p:txBody>
-            <a:bodyPr anchorCtr="0" anchor="ctr" bIns="91425" lIns="91425" spcFirstLastPara="1" rIns="91425" wrap="square" tIns="91425">
+            <a:bodyPr spcFirstLastPara="1" wrap="square" lIns="91425" tIns="91425" rIns="91425" bIns="91425" anchor="ctr" anchorCtr="0">
               <a:noAutofit/>
             </a:bodyPr>
             <a:lstStyle/>
             <a:p>
-              <a:pPr indent="0" lvl="0" marL="0" rtl="0" algn="l">
+              <a:pPr marL="0" lvl="0" indent="0" algn="l" rtl="0">
                 <a:spcBef>
                   <a:spcPts val="0"/>
                 </a:spcBef>
@@ -4603,9 +4729,6 @@
                 </a:spcAft>
                 <a:buNone/>
               </a:pPr>
-              <a:r>
-                <a:t/>
-              </a:r>
               <a:endParaRPr/>
             </a:p>
           </p:txBody>
@@ -4632,12 +4755,12 @@
             </a:ln>
           </p:spPr>
           <p:txBody>
-            <a:bodyPr anchorCtr="0" anchor="ctr" bIns="91425" lIns="91425" spcFirstLastPara="1" rIns="91425" wrap="square" tIns="91425">
+            <a:bodyPr spcFirstLastPara="1" wrap="square" lIns="91425" tIns="91425" rIns="91425" bIns="91425" anchor="ctr" anchorCtr="0">
               <a:noAutofit/>
             </a:bodyPr>
             <a:lstStyle/>
             <a:p>
-              <a:pPr indent="0" lvl="0" marL="0" rtl="0" algn="l">
+              <a:pPr marL="0" lvl="0" indent="0" algn="l" rtl="0">
                 <a:spcBef>
                   <a:spcPts val="0"/>
                 </a:spcBef>
@@ -4646,9 +4769,6 @@
                 </a:spcAft>
                 <a:buNone/>
               </a:pPr>
-              <a:r>
-                <a:t/>
-              </a:r>
               <a:endParaRPr/>
             </a:p>
           </p:txBody>
@@ -4657,7 +4777,9 @@
       <p:sp>
         <p:nvSpPr>
           <p:cNvPr id="28" name="Google Shape;28;p4"/>
-          <p:cNvSpPr txBox="1"/>
+          <p:cNvSpPr txBox="1">
+            <a:spLocks noGrp="1"/>
+          </p:cNvSpPr>
           <p:nvPr>
             <p:ph type="title"/>
           </p:nvPr>
@@ -4672,7 +4794,7 @@
           </a:prstGeom>
         </p:spPr>
         <p:txBody>
-          <a:bodyPr anchorCtr="0" anchor="t" bIns="91425" lIns="91425" spcFirstLastPara="1" rIns="91425" wrap="square" tIns="91425">
+          <a:bodyPr spcFirstLastPara="1" wrap="square" lIns="91425" tIns="91425" rIns="91425" bIns="91425" anchor="t" anchorCtr="0">
             <a:normAutofit/>
           </a:bodyPr>
           <a:lstStyle>
@@ -4776,15 +4898,19 @@
               <a:defRPr sz="2600"/>
             </a:lvl9pPr>
           </a:lstStyle>
-          <a:p/>
+          <a:p>
+            <a:endParaRPr/>
+          </a:p>
         </p:txBody>
       </p:sp>
       <p:sp>
         <p:nvSpPr>
           <p:cNvPr id="29" name="Google Shape;29;p4"/>
-          <p:cNvSpPr txBox="1"/>
+          <p:cNvSpPr txBox="1">
+            <a:spLocks noGrp="1"/>
+          </p:cNvSpPr>
           <p:nvPr>
-            <p:ph idx="1" type="body"/>
+            <p:ph type="body" idx="1"/>
           </p:nvPr>
         </p:nvSpPr>
         <p:spPr>
@@ -4797,11 +4923,11 @@
           </a:prstGeom>
         </p:spPr>
         <p:txBody>
-          <a:bodyPr anchorCtr="0" anchor="t" bIns="91425" lIns="91425" spcFirstLastPara="1" rIns="91425" wrap="square" tIns="91425">
+          <a:bodyPr spcFirstLastPara="1" wrap="square" lIns="91425" tIns="91425" rIns="91425" bIns="91425" anchor="t" anchorCtr="0">
             <a:normAutofit/>
           </a:bodyPr>
           <a:lstStyle>
-            <a:lvl1pPr indent="-311150" lvl="0" marL="457200">
+            <a:lvl1pPr marL="457200" lvl="0" indent="-311150">
               <a:spcBef>
                 <a:spcPts val="0"/>
               </a:spcBef>
@@ -4812,7 +4938,7 @@
               <a:buChar char="●"/>
               <a:defRPr/>
             </a:lvl1pPr>
-            <a:lvl2pPr indent="-298450" lvl="1" marL="914400">
+            <a:lvl2pPr marL="914400" lvl="1" indent="-298450">
               <a:spcBef>
                 <a:spcPts val="0"/>
               </a:spcBef>
@@ -4823,7 +4949,7 @@
               <a:buChar char="○"/>
               <a:defRPr/>
             </a:lvl2pPr>
-            <a:lvl3pPr indent="-298450" lvl="2" marL="1371600">
+            <a:lvl3pPr marL="1371600" lvl="2" indent="-298450">
               <a:spcBef>
                 <a:spcPts val="0"/>
               </a:spcBef>
@@ -4834,7 +4960,7 @@
               <a:buChar char="■"/>
               <a:defRPr/>
             </a:lvl3pPr>
-            <a:lvl4pPr indent="-298450" lvl="3" marL="1828800">
+            <a:lvl4pPr marL="1828800" lvl="3" indent="-298450">
               <a:spcBef>
                 <a:spcPts val="0"/>
               </a:spcBef>
@@ -4845,7 +4971,7 @@
               <a:buChar char="●"/>
               <a:defRPr/>
             </a:lvl4pPr>
-            <a:lvl5pPr indent="-298450" lvl="4" marL="2286000">
+            <a:lvl5pPr marL="2286000" lvl="4" indent="-298450">
               <a:spcBef>
                 <a:spcPts val="0"/>
               </a:spcBef>
@@ -4856,7 +4982,7 @@
               <a:buChar char="○"/>
               <a:defRPr/>
             </a:lvl5pPr>
-            <a:lvl6pPr indent="-298450" lvl="5" marL="2743200">
+            <a:lvl6pPr marL="2743200" lvl="5" indent="-298450">
               <a:spcBef>
                 <a:spcPts val="0"/>
               </a:spcBef>
@@ -4867,7 +4993,7 @@
               <a:buChar char="■"/>
               <a:defRPr/>
             </a:lvl6pPr>
-            <a:lvl7pPr indent="-298450" lvl="6" marL="3200400">
+            <a:lvl7pPr marL="3200400" lvl="6" indent="-298450">
               <a:spcBef>
                 <a:spcPts val="0"/>
               </a:spcBef>
@@ -4878,7 +5004,7 @@
               <a:buChar char="●"/>
               <a:defRPr/>
             </a:lvl7pPr>
-            <a:lvl8pPr indent="-298450" lvl="7" marL="3657600">
+            <a:lvl8pPr marL="3657600" lvl="7" indent="-298450">
               <a:spcBef>
                 <a:spcPts val="0"/>
               </a:spcBef>
@@ -4889,7 +5015,7 @@
               <a:buChar char="○"/>
               <a:defRPr/>
             </a:lvl8pPr>
-            <a:lvl9pPr indent="-298450" lvl="8" marL="4114800">
+            <a:lvl9pPr marL="4114800" lvl="8" indent="-298450">
               <a:spcBef>
                 <a:spcPts val="0"/>
               </a:spcBef>
@@ -4901,15 +5027,19 @@
               <a:defRPr/>
             </a:lvl9pPr>
           </a:lstStyle>
-          <a:p/>
+          <a:p>
+            <a:endParaRPr/>
+          </a:p>
         </p:txBody>
       </p:sp>
       <p:sp>
         <p:nvSpPr>
           <p:cNvPr id="30" name="Google Shape;30;p4"/>
-          <p:cNvSpPr txBox="1"/>
+          <p:cNvSpPr txBox="1">
+            <a:spLocks noGrp="1"/>
+          </p:cNvSpPr>
           <p:nvPr>
-            <p:ph idx="12" type="sldNum"/>
+            <p:ph type="sldNum" idx="12"/>
           </p:nvPr>
         </p:nvSpPr>
         <p:spPr>
@@ -4922,7 +5052,7 @@
           </a:prstGeom>
         </p:spPr>
         <p:txBody>
-          <a:bodyPr anchorCtr="0" anchor="ctr" bIns="91425" lIns="91425" spcFirstLastPara="1" rIns="91425" wrap="square" tIns="91425">
+          <a:bodyPr spcFirstLastPara="1" wrap="square" lIns="91425" tIns="91425" rIns="91425" bIns="91425" anchor="ctr" anchorCtr="0">
             <a:normAutofit/>
           </a:bodyPr>
           <a:lstStyle>
@@ -4964,7 +5094,7 @@
             </a:lvl9pPr>
           </a:lstStyle>
           <a:p>
-            <a:pPr indent="0" lvl="0" marL="0" rtl="0" algn="r">
+            <a:pPr marL="0" lvl="0" indent="0" algn="r" rtl="0">
               <a:spcBef>
                 <a:spcPts val="0"/>
               </a:spcBef>
@@ -4975,7 +5105,7 @@
             </a:pPr>
             <a:fld id="{00000000-1234-1234-1234-123412341234}" type="slidenum">
               <a:rPr lang="es-419"/>
-              <a:t>‹#›</a:t>
+              <a:t>‹Nº›</a:t>
             </a:fld>
             <a:endParaRPr/>
           </a:p>
@@ -4990,11 +5120,11 @@
 </file>
 
 <file path=ppt/slideLayouts/slideLayout4.xml><?xml version="1.0" encoding="utf-8"?>
-<p:sldLayout xmlns:a="http://schemas.openxmlformats.org/drawingml/2006/main" xmlns:r="http://schemas.openxmlformats.org/officeDocument/2006/relationships" xmlns:mc="http://schemas.openxmlformats.org/markup-compatibility/2006" xmlns:mv="urn:schemas-microsoft-com:mac:vml" xmlns:p="http://schemas.openxmlformats.org/presentationml/2006/main" xmlns:c="http://schemas.openxmlformats.org/drawingml/2006/chart" xmlns:dgm="http://schemas.openxmlformats.org/drawingml/2006/diagram" xmlns:o="urn:schemas-microsoft-com:office:office" xmlns:v="urn:schemas-microsoft-com:vml" xmlns:pvml="urn:schemas-microsoft-com:office:powerpoint" xmlns:com="http://schemas.openxmlformats.org/drawingml/2006/compatibility" xmlns:p14="http://schemas.microsoft.com/office/powerpoint/2010/main" xmlns:p15="http://schemas.microsoft.com/office/powerpoint/2012/main" xmlns:ahyp="http://schemas.microsoft.com/office/drawing/2018/hyperlinkcolor" matchingName="Title and two columns" type="twoColTx">
+<p:sldLayout xmlns:a="http://schemas.openxmlformats.org/drawingml/2006/main" xmlns:r="http://schemas.openxmlformats.org/officeDocument/2006/relationships" xmlns:p="http://schemas.openxmlformats.org/presentationml/2006/main" matchingName="Title and two columns" type="twoColTx">
   <p:cSld name="TITLE_AND_TWO_COLUMNS">
     <p:spTree>
       <p:nvGrpSpPr>
-        <p:cNvPr id="31" name="Shape 31"/>
+        <p:cNvPr id="1" name="Shape 31"/>
         <p:cNvGrpSpPr/>
         <p:nvPr/>
       </p:nvGrpSpPr>
@@ -5028,12 +5158,12 @@
           </a:ln>
         </p:spPr>
         <p:txBody>
-          <a:bodyPr anchorCtr="0" anchor="ctr" bIns="91425" lIns="91425" spcFirstLastPara="1" rIns="91425" wrap="square" tIns="91425">
+          <a:bodyPr spcFirstLastPara="1" wrap="square" lIns="91425" tIns="91425" rIns="91425" bIns="91425" anchor="ctr" anchorCtr="0">
             <a:noAutofit/>
           </a:bodyPr>
           <a:lstStyle/>
           <a:p>
-            <a:pPr indent="0" lvl="0" marL="0" rtl="0" algn="l">
+            <a:pPr marL="0" lvl="0" indent="0" algn="l" rtl="0">
               <a:spcBef>
                 <a:spcPts val="0"/>
               </a:spcBef>
@@ -5042,9 +5172,6 @@
               </a:spcAft>
               <a:buNone/>
             </a:pPr>
-            <a:r>
-              <a:t/>
-            </a:r>
             <a:endParaRPr/>
           </a:p>
         </p:txBody>
@@ -5085,12 +5212,12 @@
             </a:ln>
           </p:spPr>
           <p:txBody>
-            <a:bodyPr anchorCtr="0" anchor="ctr" bIns="91425" lIns="91425" spcFirstLastPara="1" rIns="91425" wrap="square" tIns="91425">
+            <a:bodyPr spcFirstLastPara="1" wrap="square" lIns="91425" tIns="91425" rIns="91425" bIns="91425" anchor="ctr" anchorCtr="0">
               <a:noAutofit/>
             </a:bodyPr>
             <a:lstStyle/>
             <a:p>
-              <a:pPr indent="0" lvl="0" marL="0" rtl="0" algn="l">
+              <a:pPr marL="0" lvl="0" indent="0" algn="l" rtl="0">
                 <a:spcBef>
                   <a:spcPts val="0"/>
                 </a:spcBef>
@@ -5099,9 +5226,6 @@
                 </a:spcAft>
                 <a:buNone/>
               </a:pPr>
-              <a:r>
-                <a:t/>
-              </a:r>
               <a:endParaRPr/>
             </a:p>
           </p:txBody>
@@ -5128,12 +5252,12 @@
             </a:ln>
           </p:spPr>
           <p:txBody>
-            <a:bodyPr anchorCtr="0" anchor="ctr" bIns="91425" lIns="91425" spcFirstLastPara="1" rIns="91425" wrap="square" tIns="91425">
+            <a:bodyPr spcFirstLastPara="1" wrap="square" lIns="91425" tIns="91425" rIns="91425" bIns="91425" anchor="ctr" anchorCtr="0">
               <a:noAutofit/>
             </a:bodyPr>
             <a:lstStyle/>
             <a:p>
-              <a:pPr indent="0" lvl="0" marL="0" rtl="0" algn="l">
+              <a:pPr marL="0" lvl="0" indent="0" algn="l" rtl="0">
                 <a:spcBef>
                   <a:spcPts val="0"/>
                 </a:spcBef>
@@ -5142,9 +5266,6 @@
                 </a:spcAft>
                 <a:buNone/>
               </a:pPr>
-              <a:r>
-                <a:t/>
-              </a:r>
               <a:endParaRPr/>
             </a:p>
           </p:txBody>
@@ -5153,7 +5274,9 @@
       <p:sp>
         <p:nvSpPr>
           <p:cNvPr id="36" name="Google Shape;36;p5"/>
-          <p:cNvSpPr txBox="1"/>
+          <p:cNvSpPr txBox="1">
+            <a:spLocks noGrp="1"/>
+          </p:cNvSpPr>
           <p:nvPr>
             <p:ph type="title"/>
           </p:nvPr>
@@ -5168,7 +5291,7 @@
           </a:prstGeom>
         </p:spPr>
         <p:txBody>
-          <a:bodyPr anchorCtr="0" anchor="t" bIns="91425" lIns="91425" spcFirstLastPara="1" rIns="91425" wrap="square" tIns="91425">
+          <a:bodyPr spcFirstLastPara="1" wrap="square" lIns="91425" tIns="91425" rIns="91425" bIns="91425" anchor="t" anchorCtr="0">
             <a:normAutofit/>
           </a:bodyPr>
           <a:lstStyle>
@@ -5272,15 +5395,19 @@
               <a:defRPr sz="2600"/>
             </a:lvl9pPr>
           </a:lstStyle>
-          <a:p/>
+          <a:p>
+            <a:endParaRPr/>
+          </a:p>
         </p:txBody>
       </p:sp>
       <p:sp>
         <p:nvSpPr>
           <p:cNvPr id="37" name="Google Shape;37;p5"/>
-          <p:cNvSpPr txBox="1"/>
+          <p:cNvSpPr txBox="1">
+            <a:spLocks noGrp="1"/>
+          </p:cNvSpPr>
           <p:nvPr>
-            <p:ph idx="1" type="body"/>
+            <p:ph type="body" idx="1"/>
           </p:nvPr>
         </p:nvSpPr>
         <p:spPr>
@@ -5293,11 +5420,11 @@
           </a:prstGeom>
         </p:spPr>
         <p:txBody>
-          <a:bodyPr anchorCtr="0" anchor="t" bIns="91425" lIns="91425" spcFirstLastPara="1" rIns="91425" wrap="square" tIns="91425">
+          <a:bodyPr spcFirstLastPara="1" wrap="square" lIns="91425" tIns="91425" rIns="91425" bIns="91425" anchor="t" anchorCtr="0">
             <a:normAutofit/>
           </a:bodyPr>
           <a:lstStyle>
-            <a:lvl1pPr indent="-311150" lvl="0" marL="457200">
+            <a:lvl1pPr marL="457200" lvl="0" indent="-311150">
               <a:spcBef>
                 <a:spcPts val="0"/>
               </a:spcBef>
@@ -5308,7 +5435,7 @@
               <a:buChar char="●"/>
               <a:defRPr/>
             </a:lvl1pPr>
-            <a:lvl2pPr indent="-298450" lvl="1" marL="914400">
+            <a:lvl2pPr marL="914400" lvl="1" indent="-298450">
               <a:spcBef>
                 <a:spcPts val="0"/>
               </a:spcBef>
@@ -5319,7 +5446,7 @@
               <a:buChar char="○"/>
               <a:defRPr/>
             </a:lvl2pPr>
-            <a:lvl3pPr indent="-298450" lvl="2" marL="1371600">
+            <a:lvl3pPr marL="1371600" lvl="2" indent="-298450">
               <a:spcBef>
                 <a:spcPts val="0"/>
               </a:spcBef>
@@ -5330,7 +5457,7 @@
               <a:buChar char="■"/>
               <a:defRPr/>
             </a:lvl3pPr>
-            <a:lvl4pPr indent="-298450" lvl="3" marL="1828800">
+            <a:lvl4pPr marL="1828800" lvl="3" indent="-298450">
               <a:spcBef>
                 <a:spcPts val="0"/>
               </a:spcBef>
@@ -5341,7 +5468,7 @@
               <a:buChar char="●"/>
               <a:defRPr/>
             </a:lvl4pPr>
-            <a:lvl5pPr indent="-298450" lvl="4" marL="2286000">
+            <a:lvl5pPr marL="2286000" lvl="4" indent="-298450">
               <a:spcBef>
                 <a:spcPts val="0"/>
               </a:spcBef>
@@ -5352,7 +5479,7 @@
               <a:buChar char="○"/>
               <a:defRPr/>
             </a:lvl5pPr>
-            <a:lvl6pPr indent="-298450" lvl="5" marL="2743200">
+            <a:lvl6pPr marL="2743200" lvl="5" indent="-298450">
               <a:spcBef>
                 <a:spcPts val="0"/>
               </a:spcBef>
@@ -5363,7 +5490,7 @@
               <a:buChar char="■"/>
               <a:defRPr/>
             </a:lvl6pPr>
-            <a:lvl7pPr indent="-298450" lvl="6" marL="3200400">
+            <a:lvl7pPr marL="3200400" lvl="6" indent="-298450">
               <a:spcBef>
                 <a:spcPts val="0"/>
               </a:spcBef>
@@ -5374,7 +5501,7 @@
               <a:buChar char="●"/>
               <a:defRPr/>
             </a:lvl7pPr>
-            <a:lvl8pPr indent="-298450" lvl="7" marL="3657600">
+            <a:lvl8pPr marL="3657600" lvl="7" indent="-298450">
               <a:spcBef>
                 <a:spcPts val="0"/>
               </a:spcBef>
@@ -5385,7 +5512,7 @@
               <a:buChar char="○"/>
               <a:defRPr/>
             </a:lvl8pPr>
-            <a:lvl9pPr indent="-298450" lvl="8" marL="4114800">
+            <a:lvl9pPr marL="4114800" lvl="8" indent="-298450">
               <a:spcBef>
                 <a:spcPts val="0"/>
               </a:spcBef>
@@ -5397,15 +5524,19 @@
               <a:defRPr/>
             </a:lvl9pPr>
           </a:lstStyle>
-          <a:p/>
+          <a:p>
+            <a:endParaRPr/>
+          </a:p>
         </p:txBody>
       </p:sp>
       <p:sp>
         <p:nvSpPr>
           <p:cNvPr id="38" name="Google Shape;38;p5"/>
-          <p:cNvSpPr txBox="1"/>
+          <p:cNvSpPr txBox="1">
+            <a:spLocks noGrp="1"/>
+          </p:cNvSpPr>
           <p:nvPr>
-            <p:ph idx="2" type="body"/>
+            <p:ph type="body" idx="2"/>
           </p:nvPr>
         </p:nvSpPr>
         <p:spPr>
@@ -5418,11 +5549,11 @@
           </a:prstGeom>
         </p:spPr>
         <p:txBody>
-          <a:bodyPr anchorCtr="0" anchor="t" bIns="91425" lIns="91425" spcFirstLastPara="1" rIns="91425" wrap="square" tIns="91425">
+          <a:bodyPr spcFirstLastPara="1" wrap="square" lIns="91425" tIns="91425" rIns="91425" bIns="91425" anchor="t" anchorCtr="0">
             <a:normAutofit/>
           </a:bodyPr>
           <a:lstStyle>
-            <a:lvl1pPr indent="-311150" lvl="0" marL="457200">
+            <a:lvl1pPr marL="457200" lvl="0" indent="-311150">
               <a:spcBef>
                 <a:spcPts val="0"/>
               </a:spcBef>
@@ -5433,7 +5564,7 @@
               <a:buChar char="●"/>
               <a:defRPr/>
             </a:lvl1pPr>
-            <a:lvl2pPr indent="-298450" lvl="1" marL="914400">
+            <a:lvl2pPr marL="914400" lvl="1" indent="-298450">
               <a:spcBef>
                 <a:spcPts val="0"/>
               </a:spcBef>
@@ -5444,7 +5575,7 @@
               <a:buChar char="○"/>
               <a:defRPr/>
             </a:lvl2pPr>
-            <a:lvl3pPr indent="-298450" lvl="2" marL="1371600">
+            <a:lvl3pPr marL="1371600" lvl="2" indent="-298450">
               <a:spcBef>
                 <a:spcPts val="0"/>
               </a:spcBef>
@@ -5455,7 +5586,7 @@
               <a:buChar char="■"/>
               <a:defRPr/>
             </a:lvl3pPr>
-            <a:lvl4pPr indent="-298450" lvl="3" marL="1828800">
+            <a:lvl4pPr marL="1828800" lvl="3" indent="-298450">
               <a:spcBef>
                 <a:spcPts val="0"/>
               </a:spcBef>
@@ -5466,7 +5597,7 @@
               <a:buChar char="●"/>
               <a:defRPr/>
             </a:lvl4pPr>
-            <a:lvl5pPr indent="-298450" lvl="4" marL="2286000">
+            <a:lvl5pPr marL="2286000" lvl="4" indent="-298450">
               <a:spcBef>
                 <a:spcPts val="0"/>
               </a:spcBef>
@@ -5477,7 +5608,7 @@
               <a:buChar char="○"/>
               <a:defRPr/>
             </a:lvl5pPr>
-            <a:lvl6pPr indent="-298450" lvl="5" marL="2743200">
+            <a:lvl6pPr marL="2743200" lvl="5" indent="-298450">
               <a:spcBef>
                 <a:spcPts val="0"/>
               </a:spcBef>
@@ -5488,7 +5619,7 @@
               <a:buChar char="■"/>
               <a:defRPr/>
             </a:lvl6pPr>
-            <a:lvl7pPr indent="-298450" lvl="6" marL="3200400">
+            <a:lvl7pPr marL="3200400" lvl="6" indent="-298450">
               <a:spcBef>
                 <a:spcPts val="0"/>
               </a:spcBef>
@@ -5499,7 +5630,7 @@
               <a:buChar char="●"/>
               <a:defRPr/>
             </a:lvl7pPr>
-            <a:lvl8pPr indent="-298450" lvl="7" marL="3657600">
+            <a:lvl8pPr marL="3657600" lvl="7" indent="-298450">
               <a:spcBef>
                 <a:spcPts val="0"/>
               </a:spcBef>
@@ -5510,7 +5641,7 @@
               <a:buChar char="○"/>
               <a:defRPr/>
             </a:lvl8pPr>
-            <a:lvl9pPr indent="-298450" lvl="8" marL="4114800">
+            <a:lvl9pPr marL="4114800" lvl="8" indent="-298450">
               <a:spcBef>
                 <a:spcPts val="0"/>
               </a:spcBef>
@@ -5522,15 +5653,19 @@
               <a:defRPr/>
             </a:lvl9pPr>
           </a:lstStyle>
-          <a:p/>
+          <a:p>
+            <a:endParaRPr/>
+          </a:p>
         </p:txBody>
       </p:sp>
       <p:sp>
         <p:nvSpPr>
           <p:cNvPr id="39" name="Google Shape;39;p5"/>
-          <p:cNvSpPr txBox="1"/>
+          <p:cNvSpPr txBox="1">
+            <a:spLocks noGrp="1"/>
+          </p:cNvSpPr>
           <p:nvPr>
-            <p:ph idx="12" type="sldNum"/>
+            <p:ph type="sldNum" idx="12"/>
           </p:nvPr>
         </p:nvSpPr>
         <p:spPr>
@@ -5543,7 +5678,7 @@
           </a:prstGeom>
         </p:spPr>
         <p:txBody>
-          <a:bodyPr anchorCtr="0" anchor="ctr" bIns="91425" lIns="91425" spcFirstLastPara="1" rIns="91425" wrap="square" tIns="91425">
+          <a:bodyPr spcFirstLastPara="1" wrap="square" lIns="91425" tIns="91425" rIns="91425" bIns="91425" anchor="ctr" anchorCtr="0">
             <a:normAutofit/>
           </a:bodyPr>
           <a:lstStyle>
@@ -5585,7 +5720,7 @@
             </a:lvl9pPr>
           </a:lstStyle>
           <a:p>
-            <a:pPr indent="0" lvl="0" marL="0" rtl="0" algn="r">
+            <a:pPr marL="0" lvl="0" indent="0" algn="r" rtl="0">
               <a:spcBef>
                 <a:spcPts val="0"/>
               </a:spcBef>
@@ -5596,7 +5731,7 @@
             </a:pPr>
             <a:fld id="{00000000-1234-1234-1234-123412341234}" type="slidenum">
               <a:rPr lang="es-419"/>
-              <a:t>‹#›</a:t>
+              <a:t>‹Nº›</a:t>
             </a:fld>
             <a:endParaRPr/>
           </a:p>
@@ -5611,11 +5746,11 @@
 </file>
 
 <file path=ppt/slideLayouts/slideLayout5.xml><?xml version="1.0" encoding="utf-8"?>
-<p:sldLayout xmlns:a="http://schemas.openxmlformats.org/drawingml/2006/main" xmlns:r="http://schemas.openxmlformats.org/officeDocument/2006/relationships" xmlns:mc="http://schemas.openxmlformats.org/markup-compatibility/2006" xmlns:mv="urn:schemas-microsoft-com:mac:vml" xmlns:p="http://schemas.openxmlformats.org/presentationml/2006/main" xmlns:c="http://schemas.openxmlformats.org/drawingml/2006/chart" xmlns:dgm="http://schemas.openxmlformats.org/drawingml/2006/diagram" xmlns:o="urn:schemas-microsoft-com:office:office" xmlns:v="urn:schemas-microsoft-com:vml" xmlns:pvml="urn:schemas-microsoft-com:office:powerpoint" xmlns:com="http://schemas.openxmlformats.org/drawingml/2006/compatibility" xmlns:p14="http://schemas.microsoft.com/office/powerpoint/2010/main" xmlns:p15="http://schemas.microsoft.com/office/powerpoint/2012/main" xmlns:ahyp="http://schemas.microsoft.com/office/drawing/2018/hyperlinkcolor" matchingName="Title only" type="titleOnly">
+<p:sldLayout xmlns:a="http://schemas.openxmlformats.org/drawingml/2006/main" xmlns:r="http://schemas.openxmlformats.org/officeDocument/2006/relationships" xmlns:p="http://schemas.openxmlformats.org/presentationml/2006/main" matchingName="Title only" type="titleOnly">
   <p:cSld name="TITLE_ONLY">
     <p:spTree>
       <p:nvGrpSpPr>
-        <p:cNvPr id="40" name="Shape 40"/>
+        <p:cNvPr id="1" name="Shape 40"/>
         <p:cNvGrpSpPr/>
         <p:nvPr/>
       </p:nvGrpSpPr>
@@ -5649,12 +5784,12 @@
           </a:ln>
         </p:spPr>
         <p:txBody>
-          <a:bodyPr anchorCtr="0" anchor="ctr" bIns="91425" lIns="91425" spcFirstLastPara="1" rIns="91425" wrap="square" tIns="91425">
+          <a:bodyPr spcFirstLastPara="1" wrap="square" lIns="91425" tIns="91425" rIns="91425" bIns="91425" anchor="ctr" anchorCtr="0">
             <a:noAutofit/>
           </a:bodyPr>
           <a:lstStyle/>
           <a:p>
-            <a:pPr indent="0" lvl="0" marL="0" rtl="0" algn="l">
+            <a:pPr marL="0" lvl="0" indent="0" algn="l" rtl="0">
               <a:spcBef>
                 <a:spcPts val="0"/>
               </a:spcBef>
@@ -5663,9 +5798,6 @@
               </a:spcAft>
               <a:buNone/>
             </a:pPr>
-            <a:r>
-              <a:t/>
-            </a:r>
             <a:endParaRPr/>
           </a:p>
         </p:txBody>
@@ -5706,12 +5838,12 @@
             </a:ln>
           </p:spPr>
           <p:txBody>
-            <a:bodyPr anchorCtr="0" anchor="ctr" bIns="91425" lIns="91425" spcFirstLastPara="1" rIns="91425" wrap="square" tIns="91425">
+            <a:bodyPr spcFirstLastPara="1" wrap="square" lIns="91425" tIns="91425" rIns="91425" bIns="91425" anchor="ctr" anchorCtr="0">
               <a:noAutofit/>
             </a:bodyPr>
             <a:lstStyle/>
             <a:p>
-              <a:pPr indent="0" lvl="0" marL="0" rtl="0" algn="l">
+              <a:pPr marL="0" lvl="0" indent="0" algn="l" rtl="0">
                 <a:spcBef>
                   <a:spcPts val="0"/>
                 </a:spcBef>
@@ -5720,9 +5852,6 @@
                 </a:spcAft>
                 <a:buNone/>
               </a:pPr>
-              <a:r>
-                <a:t/>
-              </a:r>
               <a:endParaRPr/>
             </a:p>
           </p:txBody>
@@ -5749,12 +5878,12 @@
             </a:ln>
           </p:spPr>
           <p:txBody>
-            <a:bodyPr anchorCtr="0" anchor="ctr" bIns="91425" lIns="91425" spcFirstLastPara="1" rIns="91425" wrap="square" tIns="91425">
+            <a:bodyPr spcFirstLastPara="1" wrap="square" lIns="91425" tIns="91425" rIns="91425" bIns="91425" anchor="ctr" anchorCtr="0">
               <a:noAutofit/>
             </a:bodyPr>
             <a:lstStyle/>
             <a:p>
-              <a:pPr indent="0" lvl="0" marL="0" rtl="0" algn="l">
+              <a:pPr marL="0" lvl="0" indent="0" algn="l" rtl="0">
                 <a:spcBef>
                   <a:spcPts val="0"/>
                 </a:spcBef>
@@ -5763,9 +5892,6 @@
                 </a:spcAft>
                 <a:buNone/>
               </a:pPr>
-              <a:r>
-                <a:t/>
-              </a:r>
               <a:endParaRPr/>
             </a:p>
           </p:txBody>
@@ -5774,7 +5900,9 @@
       <p:sp>
         <p:nvSpPr>
           <p:cNvPr id="45" name="Google Shape;45;p6"/>
-          <p:cNvSpPr txBox="1"/>
+          <p:cNvSpPr txBox="1">
+            <a:spLocks noGrp="1"/>
+          </p:cNvSpPr>
           <p:nvPr>
             <p:ph type="title"/>
           </p:nvPr>
@@ -5789,7 +5917,7 @@
           </a:prstGeom>
         </p:spPr>
         <p:txBody>
-          <a:bodyPr anchorCtr="0" anchor="t" bIns="91425" lIns="91425" spcFirstLastPara="1" rIns="91425" wrap="square" tIns="91425">
+          <a:bodyPr spcFirstLastPara="1" wrap="square" lIns="91425" tIns="91425" rIns="91425" bIns="91425" anchor="t" anchorCtr="0">
             <a:normAutofit/>
           </a:bodyPr>
           <a:lstStyle>
@@ -5893,15 +6021,19 @@
               <a:defRPr sz="2600"/>
             </a:lvl9pPr>
           </a:lstStyle>
-          <a:p/>
+          <a:p>
+            <a:endParaRPr/>
+          </a:p>
         </p:txBody>
       </p:sp>
       <p:sp>
         <p:nvSpPr>
           <p:cNvPr id="46" name="Google Shape;46;p6"/>
-          <p:cNvSpPr txBox="1"/>
+          <p:cNvSpPr txBox="1">
+            <a:spLocks noGrp="1"/>
+          </p:cNvSpPr>
           <p:nvPr>
-            <p:ph idx="12" type="sldNum"/>
+            <p:ph type="sldNum" idx="12"/>
           </p:nvPr>
         </p:nvSpPr>
         <p:spPr>
@@ -5914,7 +6046,7 @@
           </a:prstGeom>
         </p:spPr>
         <p:txBody>
-          <a:bodyPr anchorCtr="0" anchor="ctr" bIns="91425" lIns="91425" spcFirstLastPara="1" rIns="91425" wrap="square" tIns="91425">
+          <a:bodyPr spcFirstLastPara="1" wrap="square" lIns="91425" tIns="91425" rIns="91425" bIns="91425" anchor="ctr" anchorCtr="0">
             <a:normAutofit/>
           </a:bodyPr>
           <a:lstStyle>
@@ -5956,7 +6088,7 @@
             </a:lvl9pPr>
           </a:lstStyle>
           <a:p>
-            <a:pPr indent="0" lvl="0" marL="0" rtl="0" algn="r">
+            <a:pPr marL="0" lvl="0" indent="0" algn="r" rtl="0">
               <a:spcBef>
                 <a:spcPts val="0"/>
               </a:spcBef>
@@ -5967,7 +6099,7 @@
             </a:pPr>
             <a:fld id="{00000000-1234-1234-1234-123412341234}" type="slidenum">
               <a:rPr lang="es-419"/>
-              <a:t>‹#›</a:t>
+              <a:t>‹Nº›</a:t>
             </a:fld>
             <a:endParaRPr/>
           </a:p>
@@ -5982,11 +6114,11 @@
 </file>
 
 <file path=ppt/slideLayouts/slideLayout6.xml><?xml version="1.0" encoding="utf-8"?>
-<p:sldLayout xmlns:a="http://schemas.openxmlformats.org/drawingml/2006/main" xmlns:r="http://schemas.openxmlformats.org/officeDocument/2006/relationships" xmlns:mc="http://schemas.openxmlformats.org/markup-compatibility/2006" xmlns:mv="urn:schemas-microsoft-com:mac:vml" xmlns:p="http://schemas.openxmlformats.org/presentationml/2006/main" xmlns:c="http://schemas.openxmlformats.org/drawingml/2006/chart" xmlns:dgm="http://schemas.openxmlformats.org/drawingml/2006/diagram" xmlns:o="urn:schemas-microsoft-com:office:office" xmlns:v="urn:schemas-microsoft-com:vml" xmlns:pvml="urn:schemas-microsoft-com:office:powerpoint" xmlns:com="http://schemas.openxmlformats.org/drawingml/2006/compatibility" xmlns:p14="http://schemas.microsoft.com/office/powerpoint/2010/main" xmlns:p15="http://schemas.microsoft.com/office/powerpoint/2012/main" xmlns:ahyp="http://schemas.microsoft.com/office/drawing/2018/hyperlinkcolor" matchingName="One column text">
+<p:sldLayout xmlns:a="http://schemas.openxmlformats.org/drawingml/2006/main" xmlns:r="http://schemas.openxmlformats.org/officeDocument/2006/relationships" xmlns:p="http://schemas.openxmlformats.org/presentationml/2006/main" matchingName="One column text">
   <p:cSld name="ONE_COLUMN_TEXT">
     <p:spTree>
       <p:nvGrpSpPr>
-        <p:cNvPr id="47" name="Shape 47"/>
+        <p:cNvPr id="1" name="Shape 47"/>
         <p:cNvGrpSpPr/>
         <p:nvPr/>
       </p:nvGrpSpPr>
@@ -6020,12 +6152,12 @@
           </a:ln>
         </p:spPr>
         <p:txBody>
-          <a:bodyPr anchorCtr="0" anchor="ctr" bIns="91425" lIns="91425" spcFirstLastPara="1" rIns="91425" wrap="square" tIns="91425">
+          <a:bodyPr spcFirstLastPara="1" wrap="square" lIns="91425" tIns="91425" rIns="91425" bIns="91425" anchor="ctr" anchorCtr="0">
             <a:noAutofit/>
           </a:bodyPr>
           <a:lstStyle/>
           <a:p>
-            <a:pPr indent="0" lvl="0" marL="0" rtl="0" algn="l">
+            <a:pPr marL="0" lvl="0" indent="0" algn="l" rtl="0">
               <a:spcBef>
                 <a:spcPts val="0"/>
               </a:spcBef>
@@ -6034,9 +6166,6 @@
               </a:spcAft>
               <a:buNone/>
             </a:pPr>
-            <a:r>
-              <a:t/>
-            </a:r>
             <a:endParaRPr/>
           </a:p>
         </p:txBody>
@@ -6077,12 +6206,12 @@
             </a:ln>
           </p:spPr>
           <p:txBody>
-            <a:bodyPr anchorCtr="0" anchor="ctr" bIns="91425" lIns="91425" spcFirstLastPara="1" rIns="91425" wrap="square" tIns="91425">
+            <a:bodyPr spcFirstLastPara="1" wrap="square" lIns="91425" tIns="91425" rIns="91425" bIns="91425" anchor="ctr" anchorCtr="0">
               <a:noAutofit/>
             </a:bodyPr>
             <a:lstStyle/>
             <a:p>
-              <a:pPr indent="0" lvl="0" marL="0" rtl="0" algn="l">
+              <a:pPr marL="0" lvl="0" indent="0" algn="l" rtl="0">
                 <a:spcBef>
                   <a:spcPts val="0"/>
                 </a:spcBef>
@@ -6091,9 +6220,6 @@
                 </a:spcAft>
                 <a:buNone/>
               </a:pPr>
-              <a:r>
-                <a:t/>
-              </a:r>
               <a:endParaRPr/>
             </a:p>
           </p:txBody>
@@ -6120,12 +6246,12 @@
             </a:ln>
           </p:spPr>
           <p:txBody>
-            <a:bodyPr anchorCtr="0" anchor="ctr" bIns="91425" lIns="91425" spcFirstLastPara="1" rIns="91425" wrap="square" tIns="91425">
+            <a:bodyPr spcFirstLastPara="1" wrap="square" lIns="91425" tIns="91425" rIns="91425" bIns="91425" anchor="ctr" anchorCtr="0">
               <a:noAutofit/>
             </a:bodyPr>
             <a:lstStyle/>
             <a:p>
-              <a:pPr indent="0" lvl="0" marL="0" rtl="0" algn="l">
+              <a:pPr marL="0" lvl="0" indent="0" algn="l" rtl="0">
                 <a:spcBef>
                   <a:spcPts val="0"/>
                 </a:spcBef>
@@ -6134,9 +6260,6 @@
                 </a:spcAft>
                 <a:buNone/>
               </a:pPr>
-              <a:r>
-                <a:t/>
-              </a:r>
               <a:endParaRPr/>
             </a:p>
           </p:txBody>
@@ -6145,7 +6268,9 @@
       <p:sp>
         <p:nvSpPr>
           <p:cNvPr id="52" name="Google Shape;52;p7"/>
-          <p:cNvSpPr txBox="1"/>
+          <p:cNvSpPr txBox="1">
+            <a:spLocks noGrp="1"/>
+          </p:cNvSpPr>
           <p:nvPr>
             <p:ph type="title"/>
           </p:nvPr>
@@ -6160,7 +6285,7 @@
           </a:prstGeom>
         </p:spPr>
         <p:txBody>
-          <a:bodyPr anchorCtr="0" anchor="t" bIns="91425" lIns="91425" spcFirstLastPara="1" rIns="91425" wrap="square" tIns="91425">
+          <a:bodyPr spcFirstLastPara="1" wrap="square" lIns="91425" tIns="91425" rIns="91425" bIns="91425" anchor="t" anchorCtr="0">
             <a:normAutofit/>
           </a:bodyPr>
           <a:lstStyle>
@@ -6264,15 +6389,19 @@
               <a:defRPr sz="2600"/>
             </a:lvl9pPr>
           </a:lstStyle>
-          <a:p/>
+          <a:p>
+            <a:endParaRPr/>
+          </a:p>
         </p:txBody>
       </p:sp>
       <p:sp>
         <p:nvSpPr>
           <p:cNvPr id="53" name="Google Shape;53;p7"/>
-          <p:cNvSpPr txBox="1"/>
+          <p:cNvSpPr txBox="1">
+            <a:spLocks noGrp="1"/>
+          </p:cNvSpPr>
           <p:nvPr>
-            <p:ph idx="1" type="body"/>
+            <p:ph type="body" idx="1"/>
           </p:nvPr>
         </p:nvSpPr>
         <p:spPr>
@@ -6285,11 +6414,11 @@
           </a:prstGeom>
         </p:spPr>
         <p:txBody>
-          <a:bodyPr anchorCtr="0" anchor="t" bIns="91425" lIns="91425" spcFirstLastPara="1" rIns="91425" wrap="square" tIns="91425">
+          <a:bodyPr spcFirstLastPara="1" wrap="square" lIns="91425" tIns="91425" rIns="91425" bIns="91425" anchor="t" anchorCtr="0">
             <a:normAutofit/>
           </a:bodyPr>
           <a:lstStyle>
-            <a:lvl1pPr indent="-311150" lvl="0" marL="457200">
+            <a:lvl1pPr marL="457200" lvl="0" indent="-311150">
               <a:spcBef>
                 <a:spcPts val="0"/>
               </a:spcBef>
@@ -6300,7 +6429,7 @@
               <a:buChar char="●"/>
               <a:defRPr/>
             </a:lvl1pPr>
-            <a:lvl2pPr indent="-298450" lvl="1" marL="914400">
+            <a:lvl2pPr marL="914400" lvl="1" indent="-298450">
               <a:spcBef>
                 <a:spcPts val="0"/>
               </a:spcBef>
@@ -6311,7 +6440,7 @@
               <a:buChar char="○"/>
               <a:defRPr/>
             </a:lvl2pPr>
-            <a:lvl3pPr indent="-298450" lvl="2" marL="1371600">
+            <a:lvl3pPr marL="1371600" lvl="2" indent="-298450">
               <a:spcBef>
                 <a:spcPts val="0"/>
               </a:spcBef>
@@ -6322,7 +6451,7 @@
               <a:buChar char="■"/>
               <a:defRPr/>
             </a:lvl3pPr>
-            <a:lvl4pPr indent="-298450" lvl="3" marL="1828800">
+            <a:lvl4pPr marL="1828800" lvl="3" indent="-298450">
               <a:spcBef>
                 <a:spcPts val="0"/>
               </a:spcBef>
@@ -6333,7 +6462,7 @@
               <a:buChar char="●"/>
               <a:defRPr/>
             </a:lvl4pPr>
-            <a:lvl5pPr indent="-298450" lvl="4" marL="2286000">
+            <a:lvl5pPr marL="2286000" lvl="4" indent="-298450">
               <a:spcBef>
                 <a:spcPts val="0"/>
               </a:spcBef>
@@ -6344,7 +6473,7 @@
               <a:buChar char="○"/>
               <a:defRPr/>
             </a:lvl5pPr>
-            <a:lvl6pPr indent="-298450" lvl="5" marL="2743200">
+            <a:lvl6pPr marL="2743200" lvl="5" indent="-298450">
               <a:spcBef>
                 <a:spcPts val="0"/>
               </a:spcBef>
@@ -6355,7 +6484,7 @@
               <a:buChar char="■"/>
               <a:defRPr/>
             </a:lvl6pPr>
-            <a:lvl7pPr indent="-298450" lvl="6" marL="3200400">
+            <a:lvl7pPr marL="3200400" lvl="6" indent="-298450">
               <a:spcBef>
                 <a:spcPts val="0"/>
               </a:spcBef>
@@ -6366,7 +6495,7 @@
               <a:buChar char="●"/>
               <a:defRPr/>
             </a:lvl7pPr>
-            <a:lvl8pPr indent="-298450" lvl="7" marL="3657600">
+            <a:lvl8pPr marL="3657600" lvl="7" indent="-298450">
               <a:spcBef>
                 <a:spcPts val="0"/>
               </a:spcBef>
@@ -6377,7 +6506,7 @@
               <a:buChar char="○"/>
               <a:defRPr/>
             </a:lvl8pPr>
-            <a:lvl9pPr indent="-298450" lvl="8" marL="4114800">
+            <a:lvl9pPr marL="4114800" lvl="8" indent="-298450">
               <a:spcBef>
                 <a:spcPts val="0"/>
               </a:spcBef>
@@ -6389,15 +6518,19 @@
               <a:defRPr/>
             </a:lvl9pPr>
           </a:lstStyle>
-          <a:p/>
+          <a:p>
+            <a:endParaRPr/>
+          </a:p>
         </p:txBody>
       </p:sp>
       <p:sp>
         <p:nvSpPr>
           <p:cNvPr id="54" name="Google Shape;54;p7"/>
-          <p:cNvSpPr txBox="1"/>
+          <p:cNvSpPr txBox="1">
+            <a:spLocks noGrp="1"/>
+          </p:cNvSpPr>
           <p:nvPr>
-            <p:ph idx="12" type="sldNum"/>
+            <p:ph type="sldNum" idx="12"/>
           </p:nvPr>
         </p:nvSpPr>
         <p:spPr>
@@ -6410,7 +6543,7 @@
           </a:prstGeom>
         </p:spPr>
         <p:txBody>
-          <a:bodyPr anchorCtr="0" anchor="ctr" bIns="91425" lIns="91425" spcFirstLastPara="1" rIns="91425" wrap="square" tIns="91425">
+          <a:bodyPr spcFirstLastPara="1" wrap="square" lIns="91425" tIns="91425" rIns="91425" bIns="91425" anchor="ctr" anchorCtr="0">
             <a:normAutofit/>
           </a:bodyPr>
           <a:lstStyle>
@@ -6452,7 +6585,7 @@
             </a:lvl9pPr>
           </a:lstStyle>
           <a:p>
-            <a:pPr indent="0" lvl="0" marL="0" rtl="0" algn="r">
+            <a:pPr marL="0" lvl="0" indent="0" algn="r" rtl="0">
               <a:spcBef>
                 <a:spcPts val="0"/>
               </a:spcBef>
@@ -6463,7 +6596,7 @@
             </a:pPr>
             <a:fld id="{00000000-1234-1234-1234-123412341234}" type="slidenum">
               <a:rPr lang="es-419"/>
-              <a:t>‹#›</a:t>
+              <a:t>‹Nº›</a:t>
             </a:fld>
             <a:endParaRPr/>
           </a:p>
@@ -6478,18 +6611,19 @@
 </file>
 
 <file path=ppt/slideLayouts/slideLayout7.xml><?xml version="1.0" encoding="utf-8"?>
-<p:sldLayout xmlns:a="http://schemas.openxmlformats.org/drawingml/2006/main" xmlns:r="http://schemas.openxmlformats.org/officeDocument/2006/relationships" xmlns:mc="http://schemas.openxmlformats.org/markup-compatibility/2006" xmlns:mv="urn:schemas-microsoft-com:mac:vml" xmlns:p="http://schemas.openxmlformats.org/presentationml/2006/main" xmlns:c="http://schemas.openxmlformats.org/drawingml/2006/chart" xmlns:dgm="http://schemas.openxmlformats.org/drawingml/2006/diagram" xmlns:o="urn:schemas-microsoft-com:office:office" xmlns:v="urn:schemas-microsoft-com:vml" xmlns:pvml="urn:schemas-microsoft-com:office:powerpoint" xmlns:com="http://schemas.openxmlformats.org/drawingml/2006/compatibility" xmlns:p14="http://schemas.microsoft.com/office/powerpoint/2010/main" xmlns:p15="http://schemas.microsoft.com/office/powerpoint/2012/main" xmlns:ahyp="http://schemas.microsoft.com/office/drawing/2018/hyperlinkcolor" matchingName="Main point">
+<p:sldLayout xmlns:a="http://schemas.openxmlformats.org/drawingml/2006/main" xmlns:r="http://schemas.openxmlformats.org/officeDocument/2006/relationships" xmlns:p="http://schemas.openxmlformats.org/presentationml/2006/main" matchingName="Main point">
   <p:cSld name="MAIN_POINT">
     <p:bg>
       <p:bgPr>
         <a:solidFill>
           <a:schemeClr val="accent3"/>
         </a:solidFill>
+        <a:effectLst/>
       </p:bgPr>
     </p:bg>
     <p:spTree>
       <p:nvGrpSpPr>
-        <p:cNvPr id="55" name="Shape 55"/>
+        <p:cNvPr id="1" name="Shape 55"/>
         <p:cNvGrpSpPr/>
         <p:nvPr/>
       </p:nvGrpSpPr>
@@ -6537,12 +6671,12 @@
             </a:ln>
           </p:spPr>
           <p:txBody>
-            <a:bodyPr anchorCtr="0" anchor="ctr" bIns="91425" lIns="91425" spcFirstLastPara="1" rIns="91425" wrap="square" tIns="91425">
+            <a:bodyPr spcFirstLastPara="1" wrap="square" lIns="91425" tIns="91425" rIns="91425" bIns="91425" anchor="ctr" anchorCtr="0">
               <a:noAutofit/>
             </a:bodyPr>
             <a:lstStyle/>
             <a:p>
-              <a:pPr indent="0" lvl="0" marL="0" rtl="0" algn="l">
+              <a:pPr marL="0" lvl="0" indent="0" algn="l" rtl="0">
                 <a:spcBef>
                   <a:spcPts val="0"/>
                 </a:spcBef>
@@ -6551,9 +6685,6 @@
                 </a:spcAft>
                 <a:buNone/>
               </a:pPr>
-              <a:r>
-                <a:t/>
-              </a:r>
               <a:endParaRPr/>
             </a:p>
           </p:txBody>
@@ -6580,12 +6711,12 @@
             </a:ln>
           </p:spPr>
           <p:txBody>
-            <a:bodyPr anchorCtr="0" anchor="ctr" bIns="91425" lIns="91425" spcFirstLastPara="1" rIns="91425" wrap="square" tIns="91425">
+            <a:bodyPr spcFirstLastPara="1" wrap="square" lIns="91425" tIns="91425" rIns="91425" bIns="91425" anchor="ctr" anchorCtr="0">
               <a:noAutofit/>
             </a:bodyPr>
             <a:lstStyle/>
             <a:p>
-              <a:pPr indent="0" lvl="0" marL="0" rtl="0" algn="l">
+              <a:pPr marL="0" lvl="0" indent="0" algn="l" rtl="0">
                 <a:spcBef>
                   <a:spcPts val="0"/>
                 </a:spcBef>
@@ -6594,9 +6725,6 @@
                 </a:spcAft>
                 <a:buNone/>
               </a:pPr>
-              <a:r>
-                <a:t/>
-              </a:r>
               <a:endParaRPr/>
             </a:p>
           </p:txBody>
@@ -6605,7 +6733,9 @@
       <p:sp>
         <p:nvSpPr>
           <p:cNvPr id="59" name="Google Shape;59;p8"/>
-          <p:cNvSpPr txBox="1"/>
+          <p:cNvSpPr txBox="1">
+            <a:spLocks noGrp="1"/>
+          </p:cNvSpPr>
           <p:nvPr>
             <p:ph type="title"/>
           </p:nvPr>
@@ -6620,7 +6750,7 @@
           </a:prstGeom>
         </p:spPr>
         <p:txBody>
-          <a:bodyPr anchorCtr="0" anchor="ctr" bIns="91425" lIns="91425" spcFirstLastPara="1" rIns="91425" wrap="square" tIns="91425">
+          <a:bodyPr spcFirstLastPara="1" wrap="square" lIns="91425" tIns="91425" rIns="91425" bIns="91425" anchor="ctr" anchorCtr="0">
             <a:normAutofit/>
           </a:bodyPr>
           <a:lstStyle>
@@ -6787,15 +6917,19 @@
               </a:defRPr>
             </a:lvl9pPr>
           </a:lstStyle>
-          <a:p/>
+          <a:p>
+            <a:endParaRPr/>
+          </a:p>
         </p:txBody>
       </p:sp>
       <p:sp>
         <p:nvSpPr>
           <p:cNvPr id="60" name="Google Shape;60;p8"/>
-          <p:cNvSpPr txBox="1"/>
+          <p:cNvSpPr txBox="1">
+            <a:spLocks noGrp="1"/>
+          </p:cNvSpPr>
           <p:nvPr>
-            <p:ph idx="12" type="sldNum"/>
+            <p:ph type="sldNum" idx="12"/>
           </p:nvPr>
         </p:nvSpPr>
         <p:spPr>
@@ -6808,7 +6942,7 @@
           </a:prstGeom>
         </p:spPr>
         <p:txBody>
-          <a:bodyPr anchorCtr="0" anchor="ctr" bIns="91425" lIns="91425" spcFirstLastPara="1" rIns="91425" wrap="square" tIns="91425">
+          <a:bodyPr spcFirstLastPara="1" wrap="square" lIns="91425" tIns="91425" rIns="91425" bIns="91425" anchor="ctr" anchorCtr="0">
             <a:normAutofit/>
           </a:bodyPr>
           <a:lstStyle>
@@ -6886,7 +7020,7 @@
             </a:lvl9pPr>
           </a:lstStyle>
           <a:p>
-            <a:pPr indent="0" lvl="0" marL="0" rtl="0" algn="r">
+            <a:pPr marL="0" lvl="0" indent="0" algn="r" rtl="0">
               <a:spcBef>
                 <a:spcPts val="0"/>
               </a:spcBef>
@@ -6897,7 +7031,7 @@
             </a:pPr>
             <a:fld id="{00000000-1234-1234-1234-123412341234}" type="slidenum">
               <a:rPr lang="es-419"/>
-              <a:t>‹#›</a:t>
+              <a:t>‹Nº›</a:t>
             </a:fld>
             <a:endParaRPr/>
           </a:p>
@@ -6912,11 +7046,11 @@
 </file>
 
 <file path=ppt/slideLayouts/slideLayout8.xml><?xml version="1.0" encoding="utf-8"?>
-<p:sldLayout xmlns:a="http://schemas.openxmlformats.org/drawingml/2006/main" xmlns:r="http://schemas.openxmlformats.org/officeDocument/2006/relationships" xmlns:mc="http://schemas.openxmlformats.org/markup-compatibility/2006" xmlns:mv="urn:schemas-microsoft-com:mac:vml" xmlns:p="http://schemas.openxmlformats.org/presentationml/2006/main" xmlns:c="http://schemas.openxmlformats.org/drawingml/2006/chart" xmlns:dgm="http://schemas.openxmlformats.org/drawingml/2006/diagram" xmlns:o="urn:schemas-microsoft-com:office:office" xmlns:v="urn:schemas-microsoft-com:vml" xmlns:pvml="urn:schemas-microsoft-com:office:powerpoint" xmlns:com="http://schemas.openxmlformats.org/drawingml/2006/compatibility" xmlns:p14="http://schemas.microsoft.com/office/powerpoint/2010/main" xmlns:p15="http://schemas.microsoft.com/office/powerpoint/2012/main" xmlns:ahyp="http://schemas.microsoft.com/office/drawing/2018/hyperlinkcolor" matchingName="Section title and description">
+<p:sldLayout xmlns:a="http://schemas.openxmlformats.org/drawingml/2006/main" xmlns:r="http://schemas.openxmlformats.org/officeDocument/2006/relationships" xmlns:p="http://schemas.openxmlformats.org/presentationml/2006/main" matchingName="Section title and description">
   <p:cSld name="SECTION_TITLE_AND_DESCRIPTION">
     <p:spTree>
       <p:nvGrpSpPr>
-        <p:cNvPr id="61" name="Shape 61"/>
+        <p:cNvPr id="1" name="Shape 61"/>
         <p:cNvGrpSpPr/>
         <p:nvPr/>
       </p:nvGrpSpPr>
@@ -6950,12 +7084,12 @@
           </a:ln>
         </p:spPr>
         <p:txBody>
-          <a:bodyPr anchorCtr="0" anchor="ctr" bIns="91425" lIns="91425" spcFirstLastPara="1" rIns="91425" wrap="square" tIns="91425">
+          <a:bodyPr spcFirstLastPara="1" wrap="square" lIns="91425" tIns="91425" rIns="91425" bIns="91425" anchor="ctr" anchorCtr="0">
             <a:noAutofit/>
           </a:bodyPr>
           <a:lstStyle/>
           <a:p>
-            <a:pPr indent="0" lvl="0" marL="0" rtl="0" algn="l">
+            <a:pPr marL="0" lvl="0" indent="0" algn="l" rtl="0">
               <a:spcBef>
                 <a:spcPts val="0"/>
               </a:spcBef>
@@ -6964,9 +7098,6 @@
               </a:spcAft>
               <a:buNone/>
             </a:pPr>
-            <a:r>
-              <a:t/>
-            </a:r>
             <a:endParaRPr/>
           </a:p>
         </p:txBody>
@@ -7007,12 +7138,12 @@
             </a:ln>
           </p:spPr>
           <p:txBody>
-            <a:bodyPr anchorCtr="0" anchor="ctr" bIns="91425" lIns="91425" spcFirstLastPara="1" rIns="91425" wrap="square" tIns="91425">
+            <a:bodyPr spcFirstLastPara="1" wrap="square" lIns="91425" tIns="91425" rIns="91425" bIns="91425" anchor="ctr" anchorCtr="0">
               <a:noAutofit/>
             </a:bodyPr>
             <a:lstStyle/>
             <a:p>
-              <a:pPr indent="0" lvl="0" marL="0" rtl="0" algn="l">
+              <a:pPr marL="0" lvl="0" indent="0" algn="l" rtl="0">
                 <a:spcBef>
                   <a:spcPts val="0"/>
                 </a:spcBef>
@@ -7021,9 +7152,6 @@
                 </a:spcAft>
                 <a:buNone/>
               </a:pPr>
-              <a:r>
-                <a:t/>
-              </a:r>
               <a:endParaRPr/>
             </a:p>
           </p:txBody>
@@ -7050,12 +7178,12 @@
             </a:ln>
           </p:spPr>
           <p:txBody>
-            <a:bodyPr anchorCtr="0" anchor="ctr" bIns="91425" lIns="91425" spcFirstLastPara="1" rIns="91425" wrap="square" tIns="91425">
+            <a:bodyPr spcFirstLastPara="1" wrap="square" lIns="91425" tIns="91425" rIns="91425" bIns="91425" anchor="ctr" anchorCtr="0">
               <a:noAutofit/>
             </a:bodyPr>
             <a:lstStyle/>
             <a:p>
-              <a:pPr indent="0" lvl="0" marL="0" rtl="0" algn="l">
+              <a:pPr marL="0" lvl="0" indent="0" algn="l" rtl="0">
                 <a:spcBef>
                   <a:spcPts val="0"/>
                 </a:spcBef>
@@ -7064,9 +7192,6 @@
                 </a:spcAft>
                 <a:buNone/>
               </a:pPr>
-              <a:r>
-                <a:t/>
-              </a:r>
               <a:endParaRPr/>
             </a:p>
           </p:txBody>
@@ -7075,7 +7200,9 @@
       <p:sp>
         <p:nvSpPr>
           <p:cNvPr id="66" name="Google Shape;66;p9"/>
-          <p:cNvSpPr txBox="1"/>
+          <p:cNvSpPr txBox="1">
+            <a:spLocks noGrp="1"/>
+          </p:cNvSpPr>
           <p:nvPr>
             <p:ph type="title"/>
           </p:nvPr>
@@ -7090,7 +7217,7 @@
           </a:prstGeom>
         </p:spPr>
         <p:txBody>
-          <a:bodyPr anchorCtr="0" anchor="t" bIns="91425" lIns="91425" spcFirstLastPara="1" rIns="91425" wrap="square" tIns="91425">
+          <a:bodyPr spcFirstLastPara="1" wrap="square" lIns="91425" tIns="91425" rIns="91425" bIns="91425" anchor="t" anchorCtr="0">
             <a:normAutofit/>
           </a:bodyPr>
           <a:lstStyle>
@@ -7194,15 +7321,19 @@
               <a:defRPr sz="2600"/>
             </a:lvl9pPr>
           </a:lstStyle>
-          <a:p/>
+          <a:p>
+            <a:endParaRPr/>
+          </a:p>
         </p:txBody>
       </p:sp>
       <p:sp>
         <p:nvSpPr>
           <p:cNvPr id="67" name="Google Shape;67;p9"/>
-          <p:cNvSpPr txBox="1"/>
+          <p:cNvSpPr txBox="1">
+            <a:spLocks noGrp="1"/>
+          </p:cNvSpPr>
           <p:nvPr>
-            <p:ph idx="1" type="subTitle"/>
+            <p:ph type="subTitle" idx="1"/>
           </p:nvPr>
         </p:nvSpPr>
         <p:spPr>
@@ -7215,7 +7346,7 @@
           </a:prstGeom>
         </p:spPr>
         <p:txBody>
-          <a:bodyPr anchorCtr="0" anchor="t" bIns="91425" lIns="91425" spcFirstLastPara="1" rIns="91425" wrap="square" tIns="91425">
+          <a:bodyPr spcFirstLastPara="1" wrap="square" lIns="91425" tIns="91425" rIns="91425" bIns="91425" anchor="t" anchorCtr="0">
             <a:normAutofit/>
           </a:bodyPr>
           <a:lstStyle>
@@ -7346,15 +7477,19 @@
               <a:defRPr sz="1600"/>
             </a:lvl9pPr>
           </a:lstStyle>
-          <a:p/>
+          <a:p>
+            <a:endParaRPr/>
+          </a:p>
         </p:txBody>
       </p:sp>
       <p:sp>
         <p:nvSpPr>
           <p:cNvPr id="68" name="Google Shape;68;p9"/>
-          <p:cNvSpPr txBox="1"/>
+          <p:cNvSpPr txBox="1">
+            <a:spLocks noGrp="1"/>
+          </p:cNvSpPr>
           <p:nvPr>
-            <p:ph idx="2" type="body"/>
+            <p:ph type="body" idx="2"/>
           </p:nvPr>
         </p:nvSpPr>
         <p:spPr>
@@ -7367,11 +7502,11 @@
           </a:prstGeom>
         </p:spPr>
         <p:txBody>
-          <a:bodyPr anchorCtr="0" anchor="t" bIns="91425" lIns="91425" spcFirstLastPara="1" rIns="91425" wrap="square" tIns="91425">
+          <a:bodyPr spcFirstLastPara="1" wrap="square" lIns="91425" tIns="91425" rIns="91425" bIns="91425" anchor="t" anchorCtr="0">
             <a:normAutofit/>
           </a:bodyPr>
           <a:lstStyle>
-            <a:lvl1pPr indent="-311150" lvl="0" marL="457200">
+            <a:lvl1pPr marL="457200" lvl="0" indent="-311150">
               <a:spcBef>
                 <a:spcPts val="0"/>
               </a:spcBef>
@@ -7382,7 +7517,7 @@
               <a:buChar char="●"/>
               <a:defRPr/>
             </a:lvl1pPr>
-            <a:lvl2pPr indent="-298450" lvl="1" marL="914400">
+            <a:lvl2pPr marL="914400" lvl="1" indent="-298450">
               <a:spcBef>
                 <a:spcPts val="0"/>
               </a:spcBef>
@@ -7393,7 +7528,7 @@
               <a:buChar char="○"/>
               <a:defRPr/>
             </a:lvl2pPr>
-            <a:lvl3pPr indent="-298450" lvl="2" marL="1371600">
+            <a:lvl3pPr marL="1371600" lvl="2" indent="-298450">
               <a:spcBef>
                 <a:spcPts val="0"/>
               </a:spcBef>
@@ -7404,7 +7539,7 @@
               <a:buChar char="■"/>
               <a:defRPr/>
             </a:lvl3pPr>
-            <a:lvl4pPr indent="-298450" lvl="3" marL="1828800">
+            <a:lvl4pPr marL="1828800" lvl="3" indent="-298450">
               <a:spcBef>
                 <a:spcPts val="0"/>
               </a:spcBef>
@@ -7415,7 +7550,7 @@
               <a:buChar char="●"/>
               <a:defRPr/>
             </a:lvl4pPr>
-            <a:lvl5pPr indent="-298450" lvl="4" marL="2286000">
+            <a:lvl5pPr marL="2286000" lvl="4" indent="-298450">
               <a:spcBef>
                 <a:spcPts val="0"/>
               </a:spcBef>
@@ -7426,7 +7561,7 @@
               <a:buChar char="○"/>
               <a:defRPr/>
             </a:lvl5pPr>
-            <a:lvl6pPr indent="-298450" lvl="5" marL="2743200">
+            <a:lvl6pPr marL="2743200" lvl="5" indent="-298450">
               <a:spcBef>
                 <a:spcPts val="0"/>
               </a:spcBef>
@@ -7437,7 +7572,7 @@
               <a:buChar char="■"/>
               <a:defRPr/>
             </a:lvl6pPr>
-            <a:lvl7pPr indent="-298450" lvl="6" marL="3200400">
+            <a:lvl7pPr marL="3200400" lvl="6" indent="-298450">
               <a:spcBef>
                 <a:spcPts val="0"/>
               </a:spcBef>
@@ -7448,7 +7583,7 @@
               <a:buChar char="●"/>
               <a:defRPr/>
             </a:lvl7pPr>
-            <a:lvl8pPr indent="-298450" lvl="7" marL="3657600">
+            <a:lvl8pPr marL="3657600" lvl="7" indent="-298450">
               <a:spcBef>
                 <a:spcPts val="0"/>
               </a:spcBef>
@@ -7459,7 +7594,7 @@
               <a:buChar char="○"/>
               <a:defRPr/>
             </a:lvl8pPr>
-            <a:lvl9pPr indent="-298450" lvl="8" marL="4114800">
+            <a:lvl9pPr marL="4114800" lvl="8" indent="-298450">
               <a:spcBef>
                 <a:spcPts val="0"/>
               </a:spcBef>
@@ -7471,15 +7606,19 @@
               <a:defRPr/>
             </a:lvl9pPr>
           </a:lstStyle>
-          <a:p/>
+          <a:p>
+            <a:endParaRPr/>
+          </a:p>
         </p:txBody>
       </p:sp>
       <p:sp>
         <p:nvSpPr>
           <p:cNvPr id="69" name="Google Shape;69;p9"/>
-          <p:cNvSpPr txBox="1"/>
+          <p:cNvSpPr txBox="1">
+            <a:spLocks noGrp="1"/>
+          </p:cNvSpPr>
           <p:nvPr>
-            <p:ph idx="12" type="sldNum"/>
+            <p:ph type="sldNum" idx="12"/>
           </p:nvPr>
         </p:nvSpPr>
         <p:spPr>
@@ -7492,7 +7631,7 @@
           </a:prstGeom>
         </p:spPr>
         <p:txBody>
-          <a:bodyPr anchorCtr="0" anchor="ctr" bIns="91425" lIns="91425" spcFirstLastPara="1" rIns="91425" wrap="square" tIns="91425">
+          <a:bodyPr spcFirstLastPara="1" wrap="square" lIns="91425" tIns="91425" rIns="91425" bIns="91425" anchor="ctr" anchorCtr="0">
             <a:normAutofit/>
           </a:bodyPr>
           <a:lstStyle>
@@ -7534,7 +7673,7 @@
             </a:lvl9pPr>
           </a:lstStyle>
           <a:p>
-            <a:pPr indent="0" lvl="0" marL="0" rtl="0" algn="r">
+            <a:pPr marL="0" lvl="0" indent="0" algn="r" rtl="0">
               <a:spcBef>
                 <a:spcPts val="0"/>
               </a:spcBef>
@@ -7545,7 +7684,7 @@
             </a:pPr>
             <a:fld id="{00000000-1234-1234-1234-123412341234}" type="slidenum">
               <a:rPr lang="es-419"/>
-              <a:t>‹#›</a:t>
+              <a:t>‹Nº›</a:t>
             </a:fld>
             <a:endParaRPr/>
           </a:p>
@@ -7560,11 +7699,11 @@
 </file>
 
 <file path=ppt/slideLayouts/slideLayout9.xml><?xml version="1.0" encoding="utf-8"?>
-<p:sldLayout xmlns:a="http://schemas.openxmlformats.org/drawingml/2006/main" xmlns:r="http://schemas.openxmlformats.org/officeDocument/2006/relationships" xmlns:mc="http://schemas.openxmlformats.org/markup-compatibility/2006" xmlns:mv="urn:schemas-microsoft-com:mac:vml" xmlns:p="http://schemas.openxmlformats.org/presentationml/2006/main" xmlns:c="http://schemas.openxmlformats.org/drawingml/2006/chart" xmlns:dgm="http://schemas.openxmlformats.org/drawingml/2006/diagram" xmlns:o="urn:schemas-microsoft-com:office:office" xmlns:v="urn:schemas-microsoft-com:vml" xmlns:pvml="urn:schemas-microsoft-com:office:powerpoint" xmlns:com="http://schemas.openxmlformats.org/drawingml/2006/compatibility" xmlns:p14="http://schemas.microsoft.com/office/powerpoint/2010/main" xmlns:p15="http://schemas.microsoft.com/office/powerpoint/2012/main" xmlns:ahyp="http://schemas.microsoft.com/office/drawing/2018/hyperlinkcolor" matchingName="Caption">
+<p:sldLayout xmlns:a="http://schemas.openxmlformats.org/drawingml/2006/main" xmlns:r="http://schemas.openxmlformats.org/officeDocument/2006/relationships" xmlns:p="http://schemas.openxmlformats.org/presentationml/2006/main" matchingName="Caption">
   <p:cSld name="CAPTION_ONLY">
     <p:spTree>
       <p:nvGrpSpPr>
-        <p:cNvPr id="70" name="Shape 70"/>
+        <p:cNvPr id="1" name="Shape 70"/>
         <p:cNvGrpSpPr/>
         <p:nvPr/>
       </p:nvGrpSpPr>
@@ -7579,9 +7718,11 @@
       <p:sp>
         <p:nvSpPr>
           <p:cNvPr id="71" name="Google Shape;71;p10"/>
-          <p:cNvSpPr txBox="1"/>
+          <p:cNvSpPr txBox="1">
+            <a:spLocks noGrp="1"/>
+          </p:cNvSpPr>
           <p:nvPr>
-            <p:ph idx="1" type="body"/>
+            <p:ph type="body" idx="1"/>
           </p:nvPr>
         </p:nvSpPr>
         <p:spPr>
@@ -7594,11 +7735,11 @@
           </a:prstGeom>
         </p:spPr>
         <p:txBody>
-          <a:bodyPr anchorCtr="0" anchor="ctr" bIns="91425" lIns="91425" spcFirstLastPara="1" rIns="91425" wrap="square" tIns="91425">
+          <a:bodyPr spcFirstLastPara="1" wrap="square" lIns="91425" tIns="91425" rIns="91425" bIns="91425" anchor="ctr" anchorCtr="0">
             <a:normAutofit/>
           </a:bodyPr>
           <a:lstStyle>
-            <a:lvl1pPr indent="-228600" lvl="0" marL="457200">
+            <a:lvl1pPr marL="457200" lvl="0" indent="-228600">
               <a:lnSpc>
                 <a:spcPct val="100000"/>
               </a:lnSpc>
@@ -7613,15 +7754,19 @@
               <a:defRPr/>
             </a:lvl1pPr>
           </a:lstStyle>
-          <a:p/>
+          <a:p>
+            <a:endParaRPr/>
+          </a:p>
         </p:txBody>
       </p:sp>
       <p:sp>
         <p:nvSpPr>
           <p:cNvPr id="72" name="Google Shape;72;p10"/>
-          <p:cNvSpPr txBox="1"/>
+          <p:cNvSpPr txBox="1">
+            <a:spLocks noGrp="1"/>
+          </p:cNvSpPr>
           <p:nvPr>
-            <p:ph idx="12" type="sldNum"/>
+            <p:ph type="sldNum" idx="12"/>
           </p:nvPr>
         </p:nvSpPr>
         <p:spPr>
@@ -7634,7 +7779,7 @@
           </a:prstGeom>
         </p:spPr>
         <p:txBody>
-          <a:bodyPr anchorCtr="0" anchor="ctr" bIns="91425" lIns="91425" spcFirstLastPara="1" rIns="91425" wrap="square" tIns="91425">
+          <a:bodyPr spcFirstLastPara="1" wrap="square" lIns="91425" tIns="91425" rIns="91425" bIns="91425" anchor="ctr" anchorCtr="0">
             <a:normAutofit/>
           </a:bodyPr>
           <a:lstStyle>
@@ -7676,7 +7821,7 @@
             </a:lvl9pPr>
           </a:lstStyle>
           <a:p>
-            <a:pPr indent="0" lvl="0" marL="0" rtl="0" algn="r">
+            <a:pPr marL="0" lvl="0" indent="0" algn="r" rtl="0">
               <a:spcBef>
                 <a:spcPts val="0"/>
               </a:spcBef>
@@ -7687,7 +7832,7 @@
             </a:pPr>
             <a:fld id="{00000000-1234-1234-1234-123412341234}" type="slidenum">
               <a:rPr lang="es-419"/>
-              <a:t>‹#›</a:t>
+              <a:t>‹Nº›</a:t>
             </a:fld>
             <a:endParaRPr/>
           </a:p>
@@ -7702,18 +7847,19 @@
 </file>
 
 <file path=ppt/slideMasters/slideMaster1.xml><?xml version="1.0" encoding="utf-8"?>
-<p:sldMaster xmlns:a="http://schemas.openxmlformats.org/drawingml/2006/main" xmlns:r="http://schemas.openxmlformats.org/officeDocument/2006/relationships" xmlns:mc="http://schemas.openxmlformats.org/markup-compatibility/2006" xmlns:mv="urn:schemas-microsoft-com:mac:vml" xmlns:p="http://schemas.openxmlformats.org/presentationml/2006/main" xmlns:c="http://schemas.openxmlformats.org/drawingml/2006/chart" xmlns:dgm="http://schemas.openxmlformats.org/drawingml/2006/diagram" xmlns:o="urn:schemas-microsoft-com:office:office" xmlns:v="urn:schemas-microsoft-com:vml" xmlns:pvml="urn:schemas-microsoft-com:office:powerpoint" xmlns:com="http://schemas.openxmlformats.org/drawingml/2006/compatibility" xmlns:p14="http://schemas.microsoft.com/office/powerpoint/2010/main" xmlns:p15="http://schemas.microsoft.com/office/powerpoint/2012/main" xmlns:ahyp="http://schemas.microsoft.com/office/drawing/2018/hyperlinkcolor">
+<p:sldMaster xmlns:a="http://schemas.openxmlformats.org/drawingml/2006/main" xmlns:r="http://schemas.openxmlformats.org/officeDocument/2006/relationships" xmlns:p="http://schemas.openxmlformats.org/presentationml/2006/main">
   <p:cSld name="streamline">
     <p:bg>
       <p:bgPr>
         <a:solidFill>
           <a:schemeClr val="lt1"/>
         </a:solidFill>
+        <a:effectLst/>
       </p:bgPr>
     </p:bg>
     <p:spTree>
       <p:nvGrpSpPr>
-        <p:cNvPr id="5" name="Shape 5"/>
+        <p:cNvPr id="1" name="Shape 5"/>
         <p:cNvGrpSpPr/>
         <p:nvPr/>
       </p:nvGrpSpPr>
@@ -7728,7 +7874,9 @@
       <p:sp>
         <p:nvSpPr>
           <p:cNvPr id="6" name="Google Shape;6;p1"/>
-          <p:cNvSpPr txBox="1"/>
+          <p:cNvSpPr txBox="1">
+            <a:spLocks noGrp="1"/>
+          </p:cNvSpPr>
           <p:nvPr>
             <p:ph type="title"/>
           </p:nvPr>
@@ -7747,7 +7895,7 @@
           </a:ln>
         </p:spPr>
         <p:txBody>
-          <a:bodyPr anchorCtr="0" anchor="t" bIns="91425" lIns="91425" spcFirstLastPara="1" rIns="91425" wrap="square" tIns="91425">
+          <a:bodyPr spcFirstLastPara="1" wrap="square" lIns="91425" tIns="91425" rIns="91425" bIns="91425" anchor="t" anchorCtr="0">
             <a:normAutofit/>
           </a:bodyPr>
           <a:lstStyle>
@@ -7764,7 +7912,7 @@
               <a:buSzPts val="2800"/>
               <a:buFont typeface="Raleway"/>
               <a:buNone/>
-              <a:defRPr b="1" sz="2800">
+              <a:defRPr sz="2800" b="1">
                 <a:solidFill>
                   <a:schemeClr val="dk2"/>
                 </a:solidFill>
@@ -7787,7 +7935,7 @@
               <a:buSzPts val="2800"/>
               <a:buFont typeface="Raleway"/>
               <a:buNone/>
-              <a:defRPr b="1" sz="2800">
+              <a:defRPr sz="2800" b="1">
                 <a:solidFill>
                   <a:schemeClr val="dk2"/>
                 </a:solidFill>
@@ -7810,7 +7958,7 @@
               <a:buSzPts val="2800"/>
               <a:buFont typeface="Raleway"/>
               <a:buNone/>
-              <a:defRPr b="1" sz="2800">
+              <a:defRPr sz="2800" b="1">
                 <a:solidFill>
                   <a:schemeClr val="dk2"/>
                 </a:solidFill>
@@ -7833,7 +7981,7 @@
               <a:buSzPts val="2800"/>
               <a:buFont typeface="Raleway"/>
               <a:buNone/>
-              <a:defRPr b="1" sz="2800">
+              <a:defRPr sz="2800" b="1">
                 <a:solidFill>
                   <a:schemeClr val="dk2"/>
                 </a:solidFill>
@@ -7856,7 +8004,7 @@
               <a:buSzPts val="2800"/>
               <a:buFont typeface="Raleway"/>
               <a:buNone/>
-              <a:defRPr b="1" sz="2800">
+              <a:defRPr sz="2800" b="1">
                 <a:solidFill>
                   <a:schemeClr val="dk2"/>
                 </a:solidFill>
@@ -7879,7 +8027,7 @@
               <a:buSzPts val="2800"/>
               <a:buFont typeface="Raleway"/>
               <a:buNone/>
-              <a:defRPr b="1" sz="2800">
+              <a:defRPr sz="2800" b="1">
                 <a:solidFill>
                   <a:schemeClr val="dk2"/>
                 </a:solidFill>
@@ -7902,7 +8050,7 @@
               <a:buSzPts val="2800"/>
               <a:buFont typeface="Raleway"/>
               <a:buNone/>
-              <a:defRPr b="1" sz="2800">
+              <a:defRPr sz="2800" b="1">
                 <a:solidFill>
                   <a:schemeClr val="dk2"/>
                 </a:solidFill>
@@ -7925,7 +8073,7 @@
               <a:buSzPts val="2800"/>
               <a:buFont typeface="Raleway"/>
               <a:buNone/>
-              <a:defRPr b="1" sz="2800">
+              <a:defRPr sz="2800" b="1">
                 <a:solidFill>
                   <a:schemeClr val="dk2"/>
                 </a:solidFill>
@@ -7948,7 +8096,7 @@
               <a:buSzPts val="2800"/>
               <a:buFont typeface="Raleway"/>
               <a:buNone/>
-              <a:defRPr b="1" sz="2800">
+              <a:defRPr sz="2800" b="1">
                 <a:solidFill>
                   <a:schemeClr val="dk2"/>
                 </a:solidFill>
@@ -7959,15 +8107,19 @@
               </a:defRPr>
             </a:lvl9pPr>
           </a:lstStyle>
-          <a:p/>
+          <a:p>
+            <a:endParaRPr/>
+          </a:p>
         </p:txBody>
       </p:sp>
       <p:sp>
         <p:nvSpPr>
           <p:cNvPr id="7" name="Google Shape;7;p1"/>
-          <p:cNvSpPr txBox="1"/>
+          <p:cNvSpPr txBox="1">
+            <a:spLocks noGrp="1"/>
+          </p:cNvSpPr>
           <p:nvPr>
-            <p:ph idx="1" type="body"/>
+            <p:ph type="body" idx="1"/>
           </p:nvPr>
         </p:nvSpPr>
         <p:spPr>
@@ -7984,11 +8136,11 @@
           </a:ln>
         </p:spPr>
         <p:txBody>
-          <a:bodyPr anchorCtr="0" anchor="t" bIns="91425" lIns="91425" spcFirstLastPara="1" rIns="91425" wrap="square" tIns="91425">
+          <a:bodyPr spcFirstLastPara="1" wrap="square" lIns="91425" tIns="91425" rIns="91425" bIns="91425" anchor="t" anchorCtr="0">
             <a:normAutofit/>
           </a:bodyPr>
           <a:lstStyle>
-            <a:lvl1pPr indent="-311150" lvl="0" marL="457200">
+            <a:lvl1pPr marL="457200" lvl="0" indent="-311150">
               <a:lnSpc>
                 <a:spcPct val="115000"/>
               </a:lnSpc>
@@ -8014,7 +8166,7 @@
                 <a:sym typeface="Lato"/>
               </a:defRPr>
             </a:lvl1pPr>
-            <a:lvl2pPr indent="-298450" lvl="1" marL="914400">
+            <a:lvl2pPr marL="914400" lvl="1" indent="-298450">
               <a:lnSpc>
                 <a:spcPct val="115000"/>
               </a:lnSpc>
@@ -8040,7 +8192,7 @@
                 <a:sym typeface="Lato"/>
               </a:defRPr>
             </a:lvl2pPr>
-            <a:lvl3pPr indent="-298450" lvl="2" marL="1371600">
+            <a:lvl3pPr marL="1371600" lvl="2" indent="-298450">
               <a:lnSpc>
                 <a:spcPct val="115000"/>
               </a:lnSpc>
@@ -8066,7 +8218,7 @@
                 <a:sym typeface="Lato"/>
               </a:defRPr>
             </a:lvl3pPr>
-            <a:lvl4pPr indent="-298450" lvl="3" marL="1828800">
+            <a:lvl4pPr marL="1828800" lvl="3" indent="-298450">
               <a:lnSpc>
                 <a:spcPct val="115000"/>
               </a:lnSpc>
@@ -8092,7 +8244,7 @@
                 <a:sym typeface="Lato"/>
               </a:defRPr>
             </a:lvl4pPr>
-            <a:lvl5pPr indent="-298450" lvl="4" marL="2286000">
+            <a:lvl5pPr marL="2286000" lvl="4" indent="-298450">
               <a:lnSpc>
                 <a:spcPct val="115000"/>
               </a:lnSpc>
@@ -8118,7 +8270,7 @@
                 <a:sym typeface="Lato"/>
               </a:defRPr>
             </a:lvl5pPr>
-            <a:lvl6pPr indent="-298450" lvl="5" marL="2743200">
+            <a:lvl6pPr marL="2743200" lvl="5" indent="-298450">
               <a:lnSpc>
                 <a:spcPct val="115000"/>
               </a:lnSpc>
@@ -8144,7 +8296,7 @@
                 <a:sym typeface="Lato"/>
               </a:defRPr>
             </a:lvl6pPr>
-            <a:lvl7pPr indent="-298450" lvl="6" marL="3200400">
+            <a:lvl7pPr marL="3200400" lvl="6" indent="-298450">
               <a:lnSpc>
                 <a:spcPct val="115000"/>
               </a:lnSpc>
@@ -8170,7 +8322,7 @@
                 <a:sym typeface="Lato"/>
               </a:defRPr>
             </a:lvl7pPr>
-            <a:lvl8pPr indent="-298450" lvl="7" marL="3657600">
+            <a:lvl8pPr marL="3657600" lvl="7" indent="-298450">
               <a:lnSpc>
                 <a:spcPct val="115000"/>
               </a:lnSpc>
@@ -8196,7 +8348,7 @@
                 <a:sym typeface="Lato"/>
               </a:defRPr>
             </a:lvl8pPr>
-            <a:lvl9pPr indent="-298450" lvl="8" marL="4114800">
+            <a:lvl9pPr marL="4114800" lvl="8" indent="-298450">
               <a:lnSpc>
                 <a:spcPct val="115000"/>
               </a:lnSpc>
@@ -8223,15 +8375,19 @@
               </a:defRPr>
             </a:lvl9pPr>
           </a:lstStyle>
-          <a:p/>
+          <a:p>
+            <a:endParaRPr/>
+          </a:p>
         </p:txBody>
       </p:sp>
       <p:sp>
         <p:nvSpPr>
           <p:cNvPr id="8" name="Google Shape;8;p1"/>
-          <p:cNvSpPr txBox="1"/>
+          <p:cNvSpPr txBox="1">
+            <a:spLocks noGrp="1"/>
+          </p:cNvSpPr>
           <p:nvPr>
-            <p:ph idx="12" type="sldNum"/>
+            <p:ph type="sldNum" idx="12"/>
           </p:nvPr>
         </p:nvSpPr>
         <p:spPr>
@@ -8248,7 +8404,7 @@
           </a:ln>
         </p:spPr>
         <p:txBody>
-          <a:bodyPr anchorCtr="0" anchor="ctr" bIns="91425" lIns="91425" spcFirstLastPara="1" rIns="91425" wrap="square" tIns="91425">
+          <a:bodyPr spcFirstLastPara="1" wrap="square" lIns="91425" tIns="91425" rIns="91425" bIns="91425" anchor="ctr" anchorCtr="0">
             <a:normAutofit/>
           </a:bodyPr>
           <a:lstStyle>
@@ -8362,7 +8518,7 @@
             </a:lvl9pPr>
           </a:lstStyle>
           <a:p>
-            <a:pPr indent="0" lvl="0" marL="0" rtl="0" algn="r">
+            <a:pPr marL="0" lvl="0" indent="0" algn="r" rtl="0">
               <a:spcBef>
                 <a:spcPts val="0"/>
               </a:spcBef>
@@ -8373,7 +8529,7 @@
             </a:pPr>
             <a:fld id="{00000000-1234-1234-1234-123412341234}" type="slidenum">
               <a:rPr lang="es-419"/>
-              <a:t>‹#›</a:t>
+              <a:t>‹Nº›</a:t>
             </a:fld>
             <a:endParaRPr/>
           </a:p>
@@ -8381,7 +8537,7 @@
       </p:sp>
     </p:spTree>
   </p:cSld>
-  <p:clrMap accent1="accent1" accent2="accent2" accent3="accent3" accent4="accent4" accent5="accent5" accent6="accent6" bg1="lt1" bg2="dk2" tx1="dk1" tx2="lt2" folHlink="folHlink" hlink="hlink"/>
+  <p:clrMap bg1="lt1" tx1="dk1" bg2="dk2" tx2="lt2" accent1="accent1" accent2="accent2" accent3="accent3" accent4="accent4" accent5="accent5" accent6="accent6" hlink="hlink" folHlink="folHlink"/>
   <p:sldLayoutIdLst>
     <p:sldLayoutId id="2147483648" r:id="rId1"/>
     <p:sldLayoutId id="2147483649" r:id="rId2"/>
@@ -8395,10 +8551,10 @@
     <p:sldLayoutId id="2147483657" r:id="rId10"/>
     <p:sldLayoutId id="2147483658" r:id="rId11"/>
   </p:sldLayoutIdLst>
-  <p:hf dt="0" ftr="0" hdr="0" sldNum="0"/>
+  <p:hf sldNum="0" hdr="0" ftr="0" dt="0"/>
   <p:txStyles>
     <p:titleStyle>
-      <a:defPPr lvl="0" marR="0" rtl="0" algn="l">
+      <a:defPPr marR="0" lvl="0" algn="l" rtl="0">
         <a:lnSpc>
           <a:spcPct val="100000"/>
         </a:lnSpc>
@@ -8409,7 +8565,7 @@
           <a:spcPts val="0"/>
         </a:spcAft>
       </a:defPPr>
-      <a:lvl1pPr lvl="0" marR="0" rtl="0" algn="l">
+      <a:lvl1pPr marR="0" lvl="0" algn="l" rtl="0">
         <a:lnSpc>
           <a:spcPct val="100000"/>
         </a:lnSpc>
@@ -8423,7 +8579,7 @@
           <a:srgbClr val="000000"/>
         </a:buClr>
         <a:buFont typeface="Arial"/>
-        <a:defRPr b="0" i="0" sz="1400" u="none" cap="none" strike="noStrike">
+        <a:defRPr sz="1400" b="0" i="0" u="none" strike="noStrike" cap="none">
           <a:solidFill>
             <a:srgbClr val="000000"/>
           </a:solidFill>
@@ -8433,7 +8589,7 @@
           <a:sym typeface="Arial"/>
         </a:defRPr>
       </a:lvl1pPr>
-      <a:lvl2pPr lvl="1" marR="0" rtl="0" algn="l">
+      <a:lvl2pPr marR="0" lvl="1" algn="l" rtl="0">
         <a:lnSpc>
           <a:spcPct val="100000"/>
         </a:lnSpc>
@@ -8447,7 +8603,7 @@
           <a:srgbClr val="000000"/>
         </a:buClr>
         <a:buFont typeface="Arial"/>
-        <a:defRPr b="0" i="0" sz="1400" u="none" cap="none" strike="noStrike">
+        <a:defRPr sz="1400" b="0" i="0" u="none" strike="noStrike" cap="none">
           <a:solidFill>
             <a:srgbClr val="000000"/>
           </a:solidFill>
@@ -8457,7 +8613,7 @@
           <a:sym typeface="Arial"/>
         </a:defRPr>
       </a:lvl2pPr>
-      <a:lvl3pPr lvl="2" marR="0" rtl="0" algn="l">
+      <a:lvl3pPr marR="0" lvl="2" algn="l" rtl="0">
         <a:lnSpc>
           <a:spcPct val="100000"/>
         </a:lnSpc>
@@ -8471,7 +8627,7 @@
           <a:srgbClr val="000000"/>
         </a:buClr>
         <a:buFont typeface="Arial"/>
-        <a:defRPr b="0" i="0" sz="1400" u="none" cap="none" strike="noStrike">
+        <a:defRPr sz="1400" b="0" i="0" u="none" strike="noStrike" cap="none">
           <a:solidFill>
             <a:srgbClr val="000000"/>
           </a:solidFill>
@@ -8481,7 +8637,7 @@
           <a:sym typeface="Arial"/>
         </a:defRPr>
       </a:lvl3pPr>
-      <a:lvl4pPr lvl="3" marR="0" rtl="0" algn="l">
+      <a:lvl4pPr marR="0" lvl="3" algn="l" rtl="0">
         <a:lnSpc>
           <a:spcPct val="100000"/>
         </a:lnSpc>
@@ -8495,7 +8651,7 @@
           <a:srgbClr val="000000"/>
         </a:buClr>
         <a:buFont typeface="Arial"/>
-        <a:defRPr b="0" i="0" sz="1400" u="none" cap="none" strike="noStrike">
+        <a:defRPr sz="1400" b="0" i="0" u="none" strike="noStrike" cap="none">
           <a:solidFill>
             <a:srgbClr val="000000"/>
           </a:solidFill>
@@ -8505,7 +8661,7 @@
           <a:sym typeface="Arial"/>
         </a:defRPr>
       </a:lvl4pPr>
-      <a:lvl5pPr lvl="4" marR="0" rtl="0" algn="l">
+      <a:lvl5pPr marR="0" lvl="4" algn="l" rtl="0">
         <a:lnSpc>
           <a:spcPct val="100000"/>
         </a:lnSpc>
@@ -8519,7 +8675,7 @@
           <a:srgbClr val="000000"/>
         </a:buClr>
         <a:buFont typeface="Arial"/>
-        <a:defRPr b="0" i="0" sz="1400" u="none" cap="none" strike="noStrike">
+        <a:defRPr sz="1400" b="0" i="0" u="none" strike="noStrike" cap="none">
           <a:solidFill>
             <a:srgbClr val="000000"/>
           </a:solidFill>
@@ -8529,7 +8685,7 @@
           <a:sym typeface="Arial"/>
         </a:defRPr>
       </a:lvl5pPr>
-      <a:lvl6pPr lvl="5" marR="0" rtl="0" algn="l">
+      <a:lvl6pPr marR="0" lvl="5" algn="l" rtl="0">
         <a:lnSpc>
           <a:spcPct val="100000"/>
         </a:lnSpc>
@@ -8543,7 +8699,7 @@
           <a:srgbClr val="000000"/>
         </a:buClr>
         <a:buFont typeface="Arial"/>
-        <a:defRPr b="0" i="0" sz="1400" u="none" cap="none" strike="noStrike">
+        <a:defRPr sz="1400" b="0" i="0" u="none" strike="noStrike" cap="none">
           <a:solidFill>
             <a:srgbClr val="000000"/>
           </a:solidFill>
@@ -8553,7 +8709,7 @@
           <a:sym typeface="Arial"/>
         </a:defRPr>
       </a:lvl6pPr>
-      <a:lvl7pPr lvl="6" marR="0" rtl="0" algn="l">
+      <a:lvl7pPr marR="0" lvl="6" algn="l" rtl="0">
         <a:lnSpc>
           <a:spcPct val="100000"/>
         </a:lnSpc>
@@ -8567,7 +8723,7 @@
           <a:srgbClr val="000000"/>
         </a:buClr>
         <a:buFont typeface="Arial"/>
-        <a:defRPr b="0" i="0" sz="1400" u="none" cap="none" strike="noStrike">
+        <a:defRPr sz="1400" b="0" i="0" u="none" strike="noStrike" cap="none">
           <a:solidFill>
             <a:srgbClr val="000000"/>
           </a:solidFill>
@@ -8577,7 +8733,7 @@
           <a:sym typeface="Arial"/>
         </a:defRPr>
       </a:lvl7pPr>
-      <a:lvl8pPr lvl="7" marR="0" rtl="0" algn="l">
+      <a:lvl8pPr marR="0" lvl="7" algn="l" rtl="0">
         <a:lnSpc>
           <a:spcPct val="100000"/>
         </a:lnSpc>
@@ -8591,7 +8747,7 @@
           <a:srgbClr val="000000"/>
         </a:buClr>
         <a:buFont typeface="Arial"/>
-        <a:defRPr b="0" i="0" sz="1400" u="none" cap="none" strike="noStrike">
+        <a:defRPr sz="1400" b="0" i="0" u="none" strike="noStrike" cap="none">
           <a:solidFill>
             <a:srgbClr val="000000"/>
           </a:solidFill>
@@ -8601,7 +8757,7 @@
           <a:sym typeface="Arial"/>
         </a:defRPr>
       </a:lvl8pPr>
-      <a:lvl9pPr lvl="8" marR="0" rtl="0" algn="l">
+      <a:lvl9pPr marR="0" lvl="8" algn="l" rtl="0">
         <a:lnSpc>
           <a:spcPct val="100000"/>
         </a:lnSpc>
@@ -8615,7 +8771,7 @@
           <a:srgbClr val="000000"/>
         </a:buClr>
         <a:buFont typeface="Arial"/>
-        <a:defRPr b="0" i="0" sz="1400" u="none" cap="none" strike="noStrike">
+        <a:defRPr sz="1400" b="0" i="0" u="none" strike="noStrike" cap="none">
           <a:solidFill>
             <a:srgbClr val="000000"/>
           </a:solidFill>
@@ -8627,7 +8783,7 @@
       </a:lvl9pPr>
     </p:titleStyle>
     <p:bodyStyle>
-      <a:defPPr lvl="0" marR="0" rtl="0" algn="l">
+      <a:defPPr marR="0" lvl="0" algn="l" rtl="0">
         <a:lnSpc>
           <a:spcPct val="100000"/>
         </a:lnSpc>
@@ -8638,7 +8794,7 @@
           <a:spcPts val="0"/>
         </a:spcAft>
       </a:defPPr>
-      <a:lvl1pPr lvl="0" marR="0" rtl="0" algn="l">
+      <a:lvl1pPr marR="0" lvl="0" algn="l" rtl="0">
         <a:lnSpc>
           <a:spcPct val="100000"/>
         </a:lnSpc>
@@ -8652,7 +8808,7 @@
           <a:srgbClr val="000000"/>
         </a:buClr>
         <a:buFont typeface="Arial"/>
-        <a:defRPr b="0" i="0" sz="1400" u="none" cap="none" strike="noStrike">
+        <a:defRPr sz="1400" b="0" i="0" u="none" strike="noStrike" cap="none">
           <a:solidFill>
             <a:srgbClr val="000000"/>
           </a:solidFill>
@@ -8662,7 +8818,7 @@
           <a:sym typeface="Arial"/>
         </a:defRPr>
       </a:lvl1pPr>
-      <a:lvl2pPr lvl="1" marR="0" rtl="0" algn="l">
+      <a:lvl2pPr marR="0" lvl="1" algn="l" rtl="0">
         <a:lnSpc>
           <a:spcPct val="100000"/>
         </a:lnSpc>
@@ -8676,7 +8832,7 @@
           <a:srgbClr val="000000"/>
         </a:buClr>
         <a:buFont typeface="Arial"/>
-        <a:defRPr b="0" i="0" sz="1400" u="none" cap="none" strike="noStrike">
+        <a:defRPr sz="1400" b="0" i="0" u="none" strike="noStrike" cap="none">
           <a:solidFill>
             <a:srgbClr val="000000"/>
           </a:solidFill>
@@ -8686,7 +8842,7 @@
           <a:sym typeface="Arial"/>
         </a:defRPr>
       </a:lvl2pPr>
-      <a:lvl3pPr lvl="2" marR="0" rtl="0" algn="l">
+      <a:lvl3pPr marR="0" lvl="2" algn="l" rtl="0">
         <a:lnSpc>
           <a:spcPct val="100000"/>
         </a:lnSpc>
@@ -8700,7 +8856,7 @@
           <a:srgbClr val="000000"/>
         </a:buClr>
         <a:buFont typeface="Arial"/>
-        <a:defRPr b="0" i="0" sz="1400" u="none" cap="none" strike="noStrike">
+        <a:defRPr sz="1400" b="0" i="0" u="none" strike="noStrike" cap="none">
           <a:solidFill>
             <a:srgbClr val="000000"/>
           </a:solidFill>
@@ -8710,7 +8866,7 @@
           <a:sym typeface="Arial"/>
         </a:defRPr>
       </a:lvl3pPr>
-      <a:lvl4pPr lvl="3" marR="0" rtl="0" algn="l">
+      <a:lvl4pPr marR="0" lvl="3" algn="l" rtl="0">
         <a:lnSpc>
           <a:spcPct val="100000"/>
         </a:lnSpc>
@@ -8724,7 +8880,7 @@
           <a:srgbClr val="000000"/>
         </a:buClr>
         <a:buFont typeface="Arial"/>
-        <a:defRPr b="0" i="0" sz="1400" u="none" cap="none" strike="noStrike">
+        <a:defRPr sz="1400" b="0" i="0" u="none" strike="noStrike" cap="none">
           <a:solidFill>
             <a:srgbClr val="000000"/>
           </a:solidFill>
@@ -8734,7 +8890,7 @@
           <a:sym typeface="Arial"/>
         </a:defRPr>
       </a:lvl4pPr>
-      <a:lvl5pPr lvl="4" marR="0" rtl="0" algn="l">
+      <a:lvl5pPr marR="0" lvl="4" algn="l" rtl="0">
         <a:lnSpc>
           <a:spcPct val="100000"/>
         </a:lnSpc>
@@ -8748,7 +8904,7 @@
           <a:srgbClr val="000000"/>
         </a:buClr>
         <a:buFont typeface="Arial"/>
-        <a:defRPr b="0" i="0" sz="1400" u="none" cap="none" strike="noStrike">
+        <a:defRPr sz="1400" b="0" i="0" u="none" strike="noStrike" cap="none">
           <a:solidFill>
             <a:srgbClr val="000000"/>
           </a:solidFill>
@@ -8758,7 +8914,7 @@
           <a:sym typeface="Arial"/>
         </a:defRPr>
       </a:lvl5pPr>
-      <a:lvl6pPr lvl="5" marR="0" rtl="0" algn="l">
+      <a:lvl6pPr marR="0" lvl="5" algn="l" rtl="0">
         <a:lnSpc>
           <a:spcPct val="100000"/>
         </a:lnSpc>
@@ -8772,7 +8928,7 @@
           <a:srgbClr val="000000"/>
         </a:buClr>
         <a:buFont typeface="Arial"/>
-        <a:defRPr b="0" i="0" sz="1400" u="none" cap="none" strike="noStrike">
+        <a:defRPr sz="1400" b="0" i="0" u="none" strike="noStrike" cap="none">
           <a:solidFill>
             <a:srgbClr val="000000"/>
           </a:solidFill>
@@ -8782,7 +8938,7 @@
           <a:sym typeface="Arial"/>
         </a:defRPr>
       </a:lvl6pPr>
-      <a:lvl7pPr lvl="6" marR="0" rtl="0" algn="l">
+      <a:lvl7pPr marR="0" lvl="6" algn="l" rtl="0">
         <a:lnSpc>
           <a:spcPct val="100000"/>
         </a:lnSpc>
@@ -8796,7 +8952,7 @@
           <a:srgbClr val="000000"/>
         </a:buClr>
         <a:buFont typeface="Arial"/>
-        <a:defRPr b="0" i="0" sz="1400" u="none" cap="none" strike="noStrike">
+        <a:defRPr sz="1400" b="0" i="0" u="none" strike="noStrike" cap="none">
           <a:solidFill>
             <a:srgbClr val="000000"/>
           </a:solidFill>
@@ -8806,7 +8962,7 @@
           <a:sym typeface="Arial"/>
         </a:defRPr>
       </a:lvl7pPr>
-      <a:lvl8pPr lvl="7" marR="0" rtl="0" algn="l">
+      <a:lvl8pPr marR="0" lvl="7" algn="l" rtl="0">
         <a:lnSpc>
           <a:spcPct val="100000"/>
         </a:lnSpc>
@@ -8820,7 +8976,7 @@
           <a:srgbClr val="000000"/>
         </a:buClr>
         <a:buFont typeface="Arial"/>
-        <a:defRPr b="0" i="0" sz="1400" u="none" cap="none" strike="noStrike">
+        <a:defRPr sz="1400" b="0" i="0" u="none" strike="noStrike" cap="none">
           <a:solidFill>
             <a:srgbClr val="000000"/>
           </a:solidFill>
@@ -8830,7 +8986,7 @@
           <a:sym typeface="Arial"/>
         </a:defRPr>
       </a:lvl8pPr>
-      <a:lvl9pPr lvl="8" marR="0" rtl="0" algn="l">
+      <a:lvl9pPr marR="0" lvl="8" algn="l" rtl="0">
         <a:lnSpc>
           <a:spcPct val="100000"/>
         </a:lnSpc>
@@ -8844,7 +9000,7 @@
           <a:srgbClr val="000000"/>
         </a:buClr>
         <a:buFont typeface="Arial"/>
-        <a:defRPr b="0" i="0" sz="1400" u="none" cap="none" strike="noStrike">
+        <a:defRPr sz="1400" b="0" i="0" u="none" strike="noStrike" cap="none">
           <a:solidFill>
             <a:srgbClr val="000000"/>
           </a:solidFill>
@@ -8856,7 +9012,7 @@
       </a:lvl9pPr>
     </p:bodyStyle>
     <p:otherStyle>
-      <a:defPPr lvl="0" marR="0" rtl="0" algn="l">
+      <a:defPPr marR="0" lvl="0" algn="l" rtl="0">
         <a:lnSpc>
           <a:spcPct val="100000"/>
         </a:lnSpc>
@@ -8867,7 +9023,7 @@
           <a:spcPts val="0"/>
         </a:spcAft>
       </a:defPPr>
-      <a:lvl1pPr lvl="0" marR="0" rtl="0" algn="l">
+      <a:lvl1pPr marR="0" lvl="0" algn="l" rtl="0">
         <a:lnSpc>
           <a:spcPct val="100000"/>
         </a:lnSpc>
@@ -8881,7 +9037,7 @@
           <a:srgbClr val="000000"/>
         </a:buClr>
         <a:buFont typeface="Arial"/>
-        <a:defRPr b="0" i="0" sz="1400" u="none" cap="none" strike="noStrike">
+        <a:defRPr sz="1400" b="0" i="0" u="none" strike="noStrike" cap="none">
           <a:solidFill>
             <a:srgbClr val="000000"/>
           </a:solidFill>
@@ -8891,7 +9047,7 @@
           <a:sym typeface="Arial"/>
         </a:defRPr>
       </a:lvl1pPr>
-      <a:lvl2pPr lvl="1" marR="0" rtl="0" algn="l">
+      <a:lvl2pPr marR="0" lvl="1" algn="l" rtl="0">
         <a:lnSpc>
           <a:spcPct val="100000"/>
         </a:lnSpc>
@@ -8905,7 +9061,7 @@
           <a:srgbClr val="000000"/>
         </a:buClr>
         <a:buFont typeface="Arial"/>
-        <a:defRPr b="0" i="0" sz="1400" u="none" cap="none" strike="noStrike">
+        <a:defRPr sz="1400" b="0" i="0" u="none" strike="noStrike" cap="none">
           <a:solidFill>
             <a:srgbClr val="000000"/>
           </a:solidFill>
@@ -8915,7 +9071,7 @@
           <a:sym typeface="Arial"/>
         </a:defRPr>
       </a:lvl2pPr>
-      <a:lvl3pPr lvl="2" marR="0" rtl="0" algn="l">
+      <a:lvl3pPr marR="0" lvl="2" algn="l" rtl="0">
         <a:lnSpc>
           <a:spcPct val="100000"/>
         </a:lnSpc>
@@ -8929,7 +9085,7 @@
           <a:srgbClr val="000000"/>
         </a:buClr>
         <a:buFont typeface="Arial"/>
-        <a:defRPr b="0" i="0" sz="1400" u="none" cap="none" strike="noStrike">
+        <a:defRPr sz="1400" b="0" i="0" u="none" strike="noStrike" cap="none">
           <a:solidFill>
             <a:srgbClr val="000000"/>
           </a:solidFill>
@@ -8939,7 +9095,7 @@
           <a:sym typeface="Arial"/>
         </a:defRPr>
       </a:lvl3pPr>
-      <a:lvl4pPr lvl="3" marR="0" rtl="0" algn="l">
+      <a:lvl4pPr marR="0" lvl="3" algn="l" rtl="0">
         <a:lnSpc>
           <a:spcPct val="100000"/>
         </a:lnSpc>
@@ -8953,7 +9109,7 @@
           <a:srgbClr val="000000"/>
         </a:buClr>
         <a:buFont typeface="Arial"/>
-        <a:defRPr b="0" i="0" sz="1400" u="none" cap="none" strike="noStrike">
+        <a:defRPr sz="1400" b="0" i="0" u="none" strike="noStrike" cap="none">
           <a:solidFill>
             <a:srgbClr val="000000"/>
           </a:solidFill>
@@ -8963,7 +9119,7 @@
           <a:sym typeface="Arial"/>
         </a:defRPr>
       </a:lvl4pPr>
-      <a:lvl5pPr lvl="4" marR="0" rtl="0" algn="l">
+      <a:lvl5pPr marR="0" lvl="4" algn="l" rtl="0">
         <a:lnSpc>
           <a:spcPct val="100000"/>
         </a:lnSpc>
@@ -8977,7 +9133,7 @@
           <a:srgbClr val="000000"/>
         </a:buClr>
         <a:buFont typeface="Arial"/>
-        <a:defRPr b="0" i="0" sz="1400" u="none" cap="none" strike="noStrike">
+        <a:defRPr sz="1400" b="0" i="0" u="none" strike="noStrike" cap="none">
           <a:solidFill>
             <a:srgbClr val="000000"/>
           </a:solidFill>
@@ -8987,7 +9143,7 @@
           <a:sym typeface="Arial"/>
         </a:defRPr>
       </a:lvl5pPr>
-      <a:lvl6pPr lvl="5" marR="0" rtl="0" algn="l">
+      <a:lvl6pPr marR="0" lvl="5" algn="l" rtl="0">
         <a:lnSpc>
           <a:spcPct val="100000"/>
         </a:lnSpc>
@@ -9001,7 +9157,7 @@
           <a:srgbClr val="000000"/>
         </a:buClr>
         <a:buFont typeface="Arial"/>
-        <a:defRPr b="0" i="0" sz="1400" u="none" cap="none" strike="noStrike">
+        <a:defRPr sz="1400" b="0" i="0" u="none" strike="noStrike" cap="none">
           <a:solidFill>
             <a:srgbClr val="000000"/>
           </a:solidFill>
@@ -9011,7 +9167,7 @@
           <a:sym typeface="Arial"/>
         </a:defRPr>
       </a:lvl6pPr>
-      <a:lvl7pPr lvl="6" marR="0" rtl="0" algn="l">
+      <a:lvl7pPr marR="0" lvl="6" algn="l" rtl="0">
         <a:lnSpc>
           <a:spcPct val="100000"/>
         </a:lnSpc>
@@ -9025,7 +9181,7 @@
           <a:srgbClr val="000000"/>
         </a:buClr>
         <a:buFont typeface="Arial"/>
-        <a:defRPr b="0" i="0" sz="1400" u="none" cap="none" strike="noStrike">
+        <a:defRPr sz="1400" b="0" i="0" u="none" strike="noStrike" cap="none">
           <a:solidFill>
             <a:srgbClr val="000000"/>
           </a:solidFill>
@@ -9035,7 +9191,7 @@
           <a:sym typeface="Arial"/>
         </a:defRPr>
       </a:lvl7pPr>
-      <a:lvl8pPr lvl="7" marR="0" rtl="0" algn="l">
+      <a:lvl8pPr marR="0" lvl="7" algn="l" rtl="0">
         <a:lnSpc>
           <a:spcPct val="100000"/>
         </a:lnSpc>
@@ -9049,7 +9205,7 @@
           <a:srgbClr val="000000"/>
         </a:buClr>
         <a:buFont typeface="Arial"/>
-        <a:defRPr b="0" i="0" sz="1400" u="none" cap="none" strike="noStrike">
+        <a:defRPr sz="1400" b="0" i="0" u="none" strike="noStrike" cap="none">
           <a:solidFill>
             <a:srgbClr val="000000"/>
           </a:solidFill>
@@ -9059,7 +9215,7 @@
           <a:sym typeface="Arial"/>
         </a:defRPr>
       </a:lvl8pPr>
-      <a:lvl9pPr lvl="8" marR="0" rtl="0" algn="l">
+      <a:lvl9pPr marR="0" lvl="8" algn="l" rtl="0">
         <a:lnSpc>
           <a:spcPct val="100000"/>
         </a:lnSpc>
@@ -9073,7 +9229,7 @@
           <a:srgbClr val="000000"/>
         </a:buClr>
         <a:buFont typeface="Arial"/>
-        <a:defRPr b="0" i="0" sz="1400" u="none" cap="none" strike="noStrike">
+        <a:defRPr sz="1400" b="0" i="0" u="none" strike="noStrike" cap="none">
           <a:solidFill>
             <a:srgbClr val="000000"/>
           </a:solidFill>
@@ -9089,11 +9245,11 @@
 </file>
 
 <file path=ppt/slides/slide1.xml><?xml version="1.0" encoding="utf-8"?>
-<p:sld xmlns:a="http://schemas.openxmlformats.org/drawingml/2006/main" xmlns:r="http://schemas.openxmlformats.org/officeDocument/2006/relationships" xmlns:mc="http://schemas.openxmlformats.org/markup-compatibility/2006" xmlns:mv="urn:schemas-microsoft-com:mac:vml" xmlns:p="http://schemas.openxmlformats.org/presentationml/2006/main" xmlns:c="http://schemas.openxmlformats.org/drawingml/2006/chart" xmlns:dgm="http://schemas.openxmlformats.org/drawingml/2006/diagram" xmlns:o="urn:schemas-microsoft-com:office:office" xmlns:v="urn:schemas-microsoft-com:vml" xmlns:pvml="urn:schemas-microsoft-com:office:powerpoint" xmlns:com="http://schemas.openxmlformats.org/drawingml/2006/compatibility" xmlns:p14="http://schemas.microsoft.com/office/powerpoint/2010/main" xmlns:p15="http://schemas.microsoft.com/office/powerpoint/2012/main" xmlns:ahyp="http://schemas.microsoft.com/office/drawing/2018/hyperlinkcolor">
+<p:sld xmlns:a="http://schemas.openxmlformats.org/drawingml/2006/main" xmlns:r="http://schemas.openxmlformats.org/officeDocument/2006/relationships" xmlns:p="http://schemas.openxmlformats.org/presentationml/2006/main">
   <p:cSld>
     <p:spTree>
       <p:nvGrpSpPr>
-        <p:cNvPr id="85" name="Shape 85"/>
+        <p:cNvPr id="1" name="Shape 85"/>
         <p:cNvGrpSpPr/>
         <p:nvPr/>
       </p:nvGrpSpPr>
@@ -9108,7 +9264,9 @@
       <p:sp>
         <p:nvSpPr>
           <p:cNvPr id="86" name="Google Shape;86;p13"/>
-          <p:cNvSpPr txBox="1"/>
+          <p:cNvSpPr txBox="1">
+            <a:spLocks noGrp="1"/>
+          </p:cNvSpPr>
           <p:nvPr>
             <p:ph type="ctrTitle"/>
           </p:nvPr>
@@ -9123,12 +9281,12 @@
           </a:prstGeom>
         </p:spPr>
         <p:txBody>
-          <a:bodyPr anchorCtr="0" anchor="ctr" bIns="91425" lIns="91425" spcFirstLastPara="1" rIns="91425" wrap="square" tIns="91425">
+          <a:bodyPr spcFirstLastPara="1" wrap="square" lIns="91425" tIns="91425" rIns="91425" bIns="91425" anchor="ctr" anchorCtr="0">
             <a:normAutofit/>
           </a:bodyPr>
           <a:lstStyle/>
           <a:p>
-            <a:pPr indent="0" lvl="0" marL="0" rtl="0" algn="l">
+            <a:pPr marL="0" lvl="0" indent="0" algn="l" rtl="0">
               <a:spcBef>
                 <a:spcPts val="0"/>
               </a:spcBef>
@@ -9148,9 +9306,11 @@
       <p:sp>
         <p:nvSpPr>
           <p:cNvPr id="87" name="Google Shape;87;p13"/>
-          <p:cNvSpPr txBox="1"/>
+          <p:cNvSpPr txBox="1">
+            <a:spLocks noGrp="1"/>
+          </p:cNvSpPr>
           <p:nvPr>
-            <p:ph idx="1" type="subTitle"/>
+            <p:ph type="subTitle" idx="1"/>
           </p:nvPr>
         </p:nvSpPr>
         <p:spPr>
@@ -9163,12 +9323,12 @@
           </a:prstGeom>
         </p:spPr>
         <p:txBody>
-          <a:bodyPr anchorCtr="0" anchor="ctr" bIns="91425" lIns="91425" spcFirstLastPara="1" rIns="91425" wrap="square" tIns="91425">
+          <a:bodyPr spcFirstLastPara="1" wrap="square" lIns="91425" tIns="91425" rIns="91425" bIns="91425" anchor="ctr" anchorCtr="0">
             <a:normAutofit/>
           </a:bodyPr>
           <a:lstStyle/>
           <a:p>
-            <a:pPr indent="0" lvl="0" marL="0" rtl="0" algn="l">
+            <a:pPr marL="0" lvl="0" indent="0" algn="l" rtl="0">
               <a:spcBef>
                 <a:spcPts val="0"/>
               </a:spcBef>
@@ -9194,11 +9354,11 @@
 </file>
 
 <file path=ppt/slides/slide10.xml><?xml version="1.0" encoding="utf-8"?>
-<p:sld xmlns:a="http://schemas.openxmlformats.org/drawingml/2006/main" xmlns:r="http://schemas.openxmlformats.org/officeDocument/2006/relationships" xmlns:mc="http://schemas.openxmlformats.org/markup-compatibility/2006" xmlns:mv="urn:schemas-microsoft-com:mac:vml" xmlns:p="http://schemas.openxmlformats.org/presentationml/2006/main" xmlns:c="http://schemas.openxmlformats.org/drawingml/2006/chart" xmlns:dgm="http://schemas.openxmlformats.org/drawingml/2006/diagram" xmlns:o="urn:schemas-microsoft-com:office:office" xmlns:v="urn:schemas-microsoft-com:vml" xmlns:pvml="urn:schemas-microsoft-com:office:powerpoint" xmlns:com="http://schemas.openxmlformats.org/drawingml/2006/compatibility" xmlns:p14="http://schemas.microsoft.com/office/powerpoint/2010/main" xmlns:p15="http://schemas.microsoft.com/office/powerpoint/2012/main" xmlns:ahyp="http://schemas.microsoft.com/office/drawing/2018/hyperlinkcolor">
+<p:sld xmlns:a="http://schemas.openxmlformats.org/drawingml/2006/main" xmlns:r="http://schemas.openxmlformats.org/officeDocument/2006/relationships" xmlns:p="http://schemas.openxmlformats.org/presentationml/2006/main">
   <p:cSld>
     <p:spTree>
       <p:nvGrpSpPr>
-        <p:cNvPr id="133" name="Shape 133"/>
+        <p:cNvPr id="1" name="Shape 133"/>
         <p:cNvGrpSpPr/>
         <p:nvPr/>
       </p:nvGrpSpPr>
@@ -9247,11 +9407,11 @@
 </file>
 
 <file path=ppt/slides/slide11.xml><?xml version="1.0" encoding="utf-8"?>
-<p:sld xmlns:a="http://schemas.openxmlformats.org/drawingml/2006/main" xmlns:r="http://schemas.openxmlformats.org/officeDocument/2006/relationships" xmlns:mc="http://schemas.openxmlformats.org/markup-compatibility/2006" xmlns:mv="urn:schemas-microsoft-com:mac:vml" xmlns:p="http://schemas.openxmlformats.org/presentationml/2006/main" xmlns:c="http://schemas.openxmlformats.org/drawingml/2006/chart" xmlns:dgm="http://schemas.openxmlformats.org/drawingml/2006/diagram" xmlns:o="urn:schemas-microsoft-com:office:office" xmlns:v="urn:schemas-microsoft-com:vml" xmlns:pvml="urn:schemas-microsoft-com:office:powerpoint" xmlns:com="http://schemas.openxmlformats.org/drawingml/2006/compatibility" xmlns:p14="http://schemas.microsoft.com/office/powerpoint/2010/main" xmlns:p15="http://schemas.microsoft.com/office/powerpoint/2012/main" xmlns:ahyp="http://schemas.microsoft.com/office/drawing/2018/hyperlinkcolor">
+<p:sld xmlns:a="http://schemas.openxmlformats.org/drawingml/2006/main" xmlns:r="http://schemas.openxmlformats.org/officeDocument/2006/relationships" xmlns:p="http://schemas.openxmlformats.org/presentationml/2006/main">
   <p:cSld>
     <p:spTree>
       <p:nvGrpSpPr>
-        <p:cNvPr id="138" name="Shape 138"/>
+        <p:cNvPr id="1" name="Shape 138"/>
         <p:cNvGrpSpPr/>
         <p:nvPr/>
       </p:nvGrpSpPr>
@@ -9266,9 +9426,11 @@
       <p:sp>
         <p:nvSpPr>
           <p:cNvPr id="139" name="Google Shape;139;p23"/>
-          <p:cNvSpPr txBox="1"/>
+          <p:cNvSpPr txBox="1">
+            <a:spLocks noGrp="1"/>
+          </p:cNvSpPr>
           <p:nvPr>
-            <p:ph idx="1" type="body"/>
+            <p:ph type="body" idx="1"/>
           </p:nvPr>
         </p:nvSpPr>
         <p:spPr>
@@ -9281,12 +9443,12 @@
           </a:prstGeom>
         </p:spPr>
         <p:txBody>
-          <a:bodyPr anchorCtr="0" anchor="t" bIns="91425" lIns="91425" spcFirstLastPara="1" rIns="91425" wrap="square" tIns="91425">
+          <a:bodyPr spcFirstLastPara="1" wrap="square" lIns="91425" tIns="91425" rIns="91425" bIns="91425" anchor="t" anchorCtr="0">
             <a:normAutofit/>
           </a:bodyPr>
           <a:lstStyle/>
           <a:p>
-            <a:pPr indent="0" lvl="0" marL="0" rtl="0" algn="ctr">
+            <a:pPr marL="0" lvl="0" indent="0" algn="ctr" rtl="0">
               <a:spcBef>
                 <a:spcPts val="0"/>
               </a:spcBef>
@@ -9297,11 +9459,7 @@
             </a:pPr>
             <a:r>
               <a:rPr lang="es-419" sz="2400"/>
-              <a:t>Tercer</a:t>
-            </a:r>
-            <a:r>
-              <a:rPr lang="es-419" sz="2400"/>
-              <a:t> Programa: Verificador De Edad Para Votar</a:t>
+              <a:t>Tercer Programa: Verificador De Edad Para Votar</a:t>
             </a:r>
             <a:endParaRPr sz="2400"/>
           </a:p>
@@ -9344,11 +9502,11 @@
 </file>
 
 <file path=ppt/slides/slide12.xml><?xml version="1.0" encoding="utf-8"?>
-<p:sld xmlns:a="http://schemas.openxmlformats.org/drawingml/2006/main" xmlns:r="http://schemas.openxmlformats.org/officeDocument/2006/relationships" xmlns:mc="http://schemas.openxmlformats.org/markup-compatibility/2006" xmlns:mv="urn:schemas-microsoft-com:mac:vml" xmlns:p="http://schemas.openxmlformats.org/presentationml/2006/main" xmlns:c="http://schemas.openxmlformats.org/drawingml/2006/chart" xmlns:dgm="http://schemas.openxmlformats.org/drawingml/2006/diagram" xmlns:o="urn:schemas-microsoft-com:office:office" xmlns:v="urn:schemas-microsoft-com:vml" xmlns:pvml="urn:schemas-microsoft-com:office:powerpoint" xmlns:com="http://schemas.openxmlformats.org/drawingml/2006/compatibility" xmlns:p14="http://schemas.microsoft.com/office/powerpoint/2010/main" xmlns:p15="http://schemas.microsoft.com/office/powerpoint/2012/main" xmlns:ahyp="http://schemas.microsoft.com/office/drawing/2018/hyperlinkcolor">
+<p:sld xmlns:a="http://schemas.openxmlformats.org/drawingml/2006/main" xmlns:r="http://schemas.openxmlformats.org/officeDocument/2006/relationships" xmlns:p="http://schemas.openxmlformats.org/presentationml/2006/main">
   <p:cSld>
     <p:spTree>
       <p:nvGrpSpPr>
-        <p:cNvPr id="144" name="Shape 144"/>
+        <p:cNvPr id="1" name="Shape 144"/>
         <p:cNvGrpSpPr/>
         <p:nvPr/>
       </p:nvGrpSpPr>
@@ -9397,11 +9555,11 @@
 </file>
 
 <file path=ppt/slides/slide13.xml><?xml version="1.0" encoding="utf-8"?>
-<p:sld xmlns:a="http://schemas.openxmlformats.org/drawingml/2006/main" xmlns:r="http://schemas.openxmlformats.org/officeDocument/2006/relationships" xmlns:mc="http://schemas.openxmlformats.org/markup-compatibility/2006" xmlns:mv="urn:schemas-microsoft-com:mac:vml" xmlns:p="http://schemas.openxmlformats.org/presentationml/2006/main" xmlns:c="http://schemas.openxmlformats.org/drawingml/2006/chart" xmlns:dgm="http://schemas.openxmlformats.org/drawingml/2006/diagram" xmlns:o="urn:schemas-microsoft-com:office:office" xmlns:v="urn:schemas-microsoft-com:vml" xmlns:pvml="urn:schemas-microsoft-com:office:powerpoint" xmlns:com="http://schemas.openxmlformats.org/drawingml/2006/compatibility" xmlns:p14="http://schemas.microsoft.com/office/powerpoint/2010/main" xmlns:p15="http://schemas.microsoft.com/office/powerpoint/2012/main" xmlns:ahyp="http://schemas.microsoft.com/office/drawing/2018/hyperlinkcolor">
+<p:sld xmlns:a="http://schemas.openxmlformats.org/drawingml/2006/main" xmlns:r="http://schemas.openxmlformats.org/officeDocument/2006/relationships" xmlns:p="http://schemas.openxmlformats.org/presentationml/2006/main">
   <p:cSld>
     <p:spTree>
       <p:nvGrpSpPr>
-        <p:cNvPr id="149" name="Shape 149"/>
+        <p:cNvPr id="1" name="Shape 149"/>
         <p:cNvGrpSpPr/>
         <p:nvPr/>
       </p:nvGrpSpPr>
@@ -9450,11 +9608,11 @@
 </file>
 
 <file path=ppt/slides/slide14.xml><?xml version="1.0" encoding="utf-8"?>
-<p:sld xmlns:a="http://schemas.openxmlformats.org/drawingml/2006/main" xmlns:r="http://schemas.openxmlformats.org/officeDocument/2006/relationships" xmlns:mc="http://schemas.openxmlformats.org/markup-compatibility/2006" xmlns:mv="urn:schemas-microsoft-com:mac:vml" xmlns:p="http://schemas.openxmlformats.org/presentationml/2006/main" xmlns:c="http://schemas.openxmlformats.org/drawingml/2006/chart" xmlns:dgm="http://schemas.openxmlformats.org/drawingml/2006/diagram" xmlns:o="urn:schemas-microsoft-com:office:office" xmlns:v="urn:schemas-microsoft-com:vml" xmlns:pvml="urn:schemas-microsoft-com:office:powerpoint" xmlns:com="http://schemas.openxmlformats.org/drawingml/2006/compatibility" xmlns:p14="http://schemas.microsoft.com/office/powerpoint/2010/main" xmlns:p15="http://schemas.microsoft.com/office/powerpoint/2012/main" xmlns:ahyp="http://schemas.microsoft.com/office/drawing/2018/hyperlinkcolor">
+<p:sld xmlns:a="http://schemas.openxmlformats.org/drawingml/2006/main" xmlns:r="http://schemas.openxmlformats.org/officeDocument/2006/relationships" xmlns:p="http://schemas.openxmlformats.org/presentationml/2006/main">
   <p:cSld>
     <p:spTree>
       <p:nvGrpSpPr>
-        <p:cNvPr id="154" name="Shape 154"/>
+        <p:cNvPr id="1" name="Shape 154"/>
         <p:cNvGrpSpPr/>
         <p:nvPr/>
       </p:nvGrpSpPr>
@@ -9503,11 +9661,11 @@
 </file>
 
 <file path=ppt/slides/slide15.xml><?xml version="1.0" encoding="utf-8"?>
-<p:sld xmlns:a="http://schemas.openxmlformats.org/drawingml/2006/main" xmlns:r="http://schemas.openxmlformats.org/officeDocument/2006/relationships" xmlns:mc="http://schemas.openxmlformats.org/markup-compatibility/2006" xmlns:mv="urn:schemas-microsoft-com:mac:vml" xmlns:p="http://schemas.openxmlformats.org/presentationml/2006/main" xmlns:c="http://schemas.openxmlformats.org/drawingml/2006/chart" xmlns:dgm="http://schemas.openxmlformats.org/drawingml/2006/diagram" xmlns:o="urn:schemas-microsoft-com:office:office" xmlns:v="urn:schemas-microsoft-com:vml" xmlns:pvml="urn:schemas-microsoft-com:office:powerpoint" xmlns:com="http://schemas.openxmlformats.org/drawingml/2006/compatibility" xmlns:p14="http://schemas.microsoft.com/office/powerpoint/2010/main" xmlns:p15="http://schemas.microsoft.com/office/powerpoint/2012/main" xmlns:ahyp="http://schemas.microsoft.com/office/drawing/2018/hyperlinkcolor">
+<p:sld xmlns:a="http://schemas.openxmlformats.org/drawingml/2006/main" xmlns:r="http://schemas.openxmlformats.org/officeDocument/2006/relationships" xmlns:p="http://schemas.openxmlformats.org/presentationml/2006/main">
   <p:cSld>
     <p:spTree>
       <p:nvGrpSpPr>
-        <p:cNvPr id="159" name="Shape 159"/>
+        <p:cNvPr id="1" name="Shape 159"/>
         <p:cNvGrpSpPr/>
         <p:nvPr/>
       </p:nvGrpSpPr>
@@ -9556,11 +9714,11 @@
 </file>
 
 <file path=ppt/slides/slide16.xml><?xml version="1.0" encoding="utf-8"?>
-<p:sld xmlns:a="http://schemas.openxmlformats.org/drawingml/2006/main" xmlns:r="http://schemas.openxmlformats.org/officeDocument/2006/relationships" xmlns:mc="http://schemas.openxmlformats.org/markup-compatibility/2006" xmlns:mv="urn:schemas-microsoft-com:mac:vml" xmlns:p="http://schemas.openxmlformats.org/presentationml/2006/main" xmlns:c="http://schemas.openxmlformats.org/drawingml/2006/chart" xmlns:dgm="http://schemas.openxmlformats.org/drawingml/2006/diagram" xmlns:o="urn:schemas-microsoft-com:office:office" xmlns:v="urn:schemas-microsoft-com:vml" xmlns:pvml="urn:schemas-microsoft-com:office:powerpoint" xmlns:com="http://schemas.openxmlformats.org/drawingml/2006/compatibility" xmlns:p14="http://schemas.microsoft.com/office/powerpoint/2010/main" xmlns:p15="http://schemas.microsoft.com/office/powerpoint/2012/main" xmlns:ahyp="http://schemas.microsoft.com/office/drawing/2018/hyperlinkcolor">
+<p:sld xmlns:a="http://schemas.openxmlformats.org/drawingml/2006/main" xmlns:r="http://schemas.openxmlformats.org/officeDocument/2006/relationships" xmlns:p="http://schemas.openxmlformats.org/presentationml/2006/main">
   <p:cSld>
     <p:spTree>
       <p:nvGrpSpPr>
-        <p:cNvPr id="164" name="Shape 164"/>
+        <p:cNvPr id="1" name="Shape 164"/>
         <p:cNvGrpSpPr/>
         <p:nvPr/>
       </p:nvGrpSpPr>
@@ -9609,11 +9767,11 @@
 </file>
 
 <file path=ppt/slides/slide17.xml><?xml version="1.0" encoding="utf-8"?>
-<p:sld xmlns:a="http://schemas.openxmlformats.org/drawingml/2006/main" xmlns:r="http://schemas.openxmlformats.org/officeDocument/2006/relationships" xmlns:mc="http://schemas.openxmlformats.org/markup-compatibility/2006" xmlns:mv="urn:schemas-microsoft-com:mac:vml" xmlns:p="http://schemas.openxmlformats.org/presentationml/2006/main" xmlns:c="http://schemas.openxmlformats.org/drawingml/2006/chart" xmlns:dgm="http://schemas.openxmlformats.org/drawingml/2006/diagram" xmlns:o="urn:schemas-microsoft-com:office:office" xmlns:v="urn:schemas-microsoft-com:vml" xmlns:pvml="urn:schemas-microsoft-com:office:powerpoint" xmlns:com="http://schemas.openxmlformats.org/drawingml/2006/compatibility" xmlns:p14="http://schemas.microsoft.com/office/powerpoint/2010/main" xmlns:p15="http://schemas.microsoft.com/office/powerpoint/2012/main" xmlns:ahyp="http://schemas.microsoft.com/office/drawing/2018/hyperlinkcolor">
+<p:sld xmlns:a="http://schemas.openxmlformats.org/drawingml/2006/main" xmlns:r="http://schemas.openxmlformats.org/officeDocument/2006/relationships" xmlns:p="http://schemas.openxmlformats.org/presentationml/2006/main">
   <p:cSld>
     <p:spTree>
       <p:nvGrpSpPr>
-        <p:cNvPr id="169" name="Shape 169"/>
+        <p:cNvPr id="1" name="Shape 169"/>
         <p:cNvGrpSpPr/>
         <p:nvPr/>
       </p:nvGrpSpPr>
@@ -9628,9 +9786,11 @@
       <p:sp>
         <p:nvSpPr>
           <p:cNvPr id="170" name="Google Shape;170;p29"/>
-          <p:cNvSpPr txBox="1"/>
+          <p:cNvSpPr txBox="1">
+            <a:spLocks noGrp="1"/>
+          </p:cNvSpPr>
           <p:nvPr>
-            <p:ph idx="1" type="body"/>
+            <p:ph type="body" idx="1"/>
           </p:nvPr>
         </p:nvSpPr>
         <p:spPr>
@@ -9643,12 +9803,12 @@
           </a:prstGeom>
         </p:spPr>
         <p:txBody>
-          <a:bodyPr anchorCtr="0" anchor="t" bIns="91425" lIns="91425" spcFirstLastPara="1" rIns="91425" wrap="square" tIns="91425">
+          <a:bodyPr spcFirstLastPara="1" wrap="square" lIns="91425" tIns="91425" rIns="91425" bIns="91425" anchor="t" anchorCtr="0">
             <a:normAutofit/>
           </a:bodyPr>
           <a:lstStyle/>
           <a:p>
-            <a:pPr indent="0" lvl="0" marL="0" rtl="0" algn="ctr">
+            <a:pPr marL="0" lvl="0" indent="0" algn="ctr" rtl="0">
               <a:spcBef>
                 <a:spcPts val="0"/>
               </a:spcBef>
@@ -9659,11 +9819,7 @@
             </a:pPr>
             <a:r>
               <a:rPr lang="es-419" sz="2400"/>
-              <a:t>Cuarto</a:t>
-            </a:r>
-            <a:r>
-              <a:rPr lang="es-419" sz="2400"/>
-              <a:t> Programa: Calculadora de descuento</a:t>
+              <a:t>Cuarto Programa: Calculadora de descuento</a:t>
             </a:r>
             <a:endParaRPr sz="2400"/>
           </a:p>
@@ -9706,11 +9862,11 @@
 </file>
 
 <file path=ppt/slides/slide18.xml><?xml version="1.0" encoding="utf-8"?>
-<p:sld xmlns:a="http://schemas.openxmlformats.org/drawingml/2006/main" xmlns:r="http://schemas.openxmlformats.org/officeDocument/2006/relationships" xmlns:mc="http://schemas.openxmlformats.org/markup-compatibility/2006" xmlns:mv="urn:schemas-microsoft-com:mac:vml" xmlns:p="http://schemas.openxmlformats.org/presentationml/2006/main" xmlns:c="http://schemas.openxmlformats.org/drawingml/2006/chart" xmlns:dgm="http://schemas.openxmlformats.org/drawingml/2006/diagram" xmlns:o="urn:schemas-microsoft-com:office:office" xmlns:v="urn:schemas-microsoft-com:vml" xmlns:pvml="urn:schemas-microsoft-com:office:powerpoint" xmlns:com="http://schemas.openxmlformats.org/drawingml/2006/compatibility" xmlns:p14="http://schemas.microsoft.com/office/powerpoint/2010/main" xmlns:p15="http://schemas.microsoft.com/office/powerpoint/2012/main" xmlns:ahyp="http://schemas.microsoft.com/office/drawing/2018/hyperlinkcolor">
+<p:sld xmlns:a="http://schemas.openxmlformats.org/drawingml/2006/main" xmlns:r="http://schemas.openxmlformats.org/officeDocument/2006/relationships" xmlns:p="http://schemas.openxmlformats.org/presentationml/2006/main">
   <p:cSld>
     <p:spTree>
       <p:nvGrpSpPr>
-        <p:cNvPr id="175" name="Shape 175"/>
+        <p:cNvPr id="1" name="Shape 175"/>
         <p:cNvGrpSpPr/>
         <p:nvPr/>
       </p:nvGrpSpPr>
@@ -9759,11 +9915,11 @@
 </file>
 
 <file path=ppt/slides/slide19.xml><?xml version="1.0" encoding="utf-8"?>
-<p:sld xmlns:a="http://schemas.openxmlformats.org/drawingml/2006/main" xmlns:r="http://schemas.openxmlformats.org/officeDocument/2006/relationships" xmlns:mc="http://schemas.openxmlformats.org/markup-compatibility/2006" xmlns:mv="urn:schemas-microsoft-com:mac:vml" xmlns:p="http://schemas.openxmlformats.org/presentationml/2006/main" xmlns:c="http://schemas.openxmlformats.org/drawingml/2006/chart" xmlns:dgm="http://schemas.openxmlformats.org/drawingml/2006/diagram" xmlns:o="urn:schemas-microsoft-com:office:office" xmlns:v="urn:schemas-microsoft-com:vml" xmlns:pvml="urn:schemas-microsoft-com:office:powerpoint" xmlns:com="http://schemas.openxmlformats.org/drawingml/2006/compatibility" xmlns:p14="http://schemas.microsoft.com/office/powerpoint/2010/main" xmlns:p15="http://schemas.microsoft.com/office/powerpoint/2012/main" xmlns:ahyp="http://schemas.microsoft.com/office/drawing/2018/hyperlinkcolor">
+<p:sld xmlns:a="http://schemas.openxmlformats.org/drawingml/2006/main" xmlns:r="http://schemas.openxmlformats.org/officeDocument/2006/relationships" xmlns:p="http://schemas.openxmlformats.org/presentationml/2006/main">
   <p:cSld>
     <p:spTree>
       <p:nvGrpSpPr>
-        <p:cNvPr id="180" name="Shape 180"/>
+        <p:cNvPr id="1" name="Shape 180"/>
         <p:cNvGrpSpPr/>
         <p:nvPr/>
       </p:nvGrpSpPr>
@@ -9812,11 +9968,11 @@
 </file>
 
 <file path=ppt/slides/slide2.xml><?xml version="1.0" encoding="utf-8"?>
-<p:sld xmlns:a="http://schemas.openxmlformats.org/drawingml/2006/main" xmlns:r="http://schemas.openxmlformats.org/officeDocument/2006/relationships" xmlns:mc="http://schemas.openxmlformats.org/markup-compatibility/2006" xmlns:mv="urn:schemas-microsoft-com:mac:vml" xmlns:p="http://schemas.openxmlformats.org/presentationml/2006/main" xmlns:c="http://schemas.openxmlformats.org/drawingml/2006/chart" xmlns:dgm="http://schemas.openxmlformats.org/drawingml/2006/diagram" xmlns:o="urn:schemas-microsoft-com:office:office" xmlns:v="urn:schemas-microsoft-com:vml" xmlns:pvml="urn:schemas-microsoft-com:office:powerpoint" xmlns:com="http://schemas.openxmlformats.org/drawingml/2006/compatibility" xmlns:p14="http://schemas.microsoft.com/office/powerpoint/2010/main" xmlns:p15="http://schemas.microsoft.com/office/powerpoint/2012/main" xmlns:ahyp="http://schemas.microsoft.com/office/drawing/2018/hyperlinkcolor">
+<p:sld xmlns:a="http://schemas.openxmlformats.org/drawingml/2006/main" xmlns:r="http://schemas.openxmlformats.org/officeDocument/2006/relationships" xmlns:p="http://schemas.openxmlformats.org/presentationml/2006/main">
   <p:cSld>
     <p:spTree>
       <p:nvGrpSpPr>
-        <p:cNvPr id="91" name="Shape 91"/>
+        <p:cNvPr id="1" name="Shape 91"/>
         <p:cNvGrpSpPr/>
         <p:nvPr/>
       </p:nvGrpSpPr>
@@ -9831,9 +9987,11 @@
       <p:sp>
         <p:nvSpPr>
           <p:cNvPr id="92" name="Google Shape;92;p14"/>
-          <p:cNvSpPr txBox="1"/>
+          <p:cNvSpPr txBox="1">
+            <a:spLocks noGrp="1"/>
+          </p:cNvSpPr>
           <p:nvPr>
-            <p:ph idx="1" type="body"/>
+            <p:ph type="body" idx="1"/>
           </p:nvPr>
         </p:nvSpPr>
         <p:spPr>
@@ -9846,12 +10004,12 @@
           </a:prstGeom>
         </p:spPr>
         <p:txBody>
-          <a:bodyPr anchorCtr="0" anchor="t" bIns="91425" lIns="91425" spcFirstLastPara="1" rIns="91425" wrap="square" tIns="91425">
+          <a:bodyPr spcFirstLastPara="1" wrap="square" lIns="91425" tIns="91425" rIns="91425" bIns="91425" anchor="t" anchorCtr="0">
             <a:normAutofit/>
           </a:bodyPr>
           <a:lstStyle/>
           <a:p>
-            <a:pPr indent="0" lvl="0" marL="0" rtl="0" algn="ctr">
+            <a:pPr marL="0" lvl="0" indent="0" algn="ctr" rtl="0">
               <a:spcBef>
                 <a:spcPts val="0"/>
               </a:spcBef>
@@ -9878,7 +10036,7 @@
           <a:blip r:embed="rId3">
             <a:alphaModFix/>
           </a:blip>
-          <a:srcRect b="11652" l="0" r="0" t="0"/>
+          <a:srcRect b="11652"/>
           <a:stretch/>
         </p:blipFill>
         <p:spPr>
@@ -9904,11 +10062,11 @@
 </file>
 
 <file path=ppt/slides/slide20.xml><?xml version="1.0" encoding="utf-8"?>
-<p:sld xmlns:a="http://schemas.openxmlformats.org/drawingml/2006/main" xmlns:r="http://schemas.openxmlformats.org/officeDocument/2006/relationships" xmlns:mc="http://schemas.openxmlformats.org/markup-compatibility/2006" xmlns:mv="urn:schemas-microsoft-com:mac:vml" xmlns:p="http://schemas.openxmlformats.org/presentationml/2006/main" xmlns:c="http://schemas.openxmlformats.org/drawingml/2006/chart" xmlns:dgm="http://schemas.openxmlformats.org/drawingml/2006/diagram" xmlns:o="urn:schemas-microsoft-com:office:office" xmlns:v="urn:schemas-microsoft-com:vml" xmlns:pvml="urn:schemas-microsoft-com:office:powerpoint" xmlns:com="http://schemas.openxmlformats.org/drawingml/2006/compatibility" xmlns:p14="http://schemas.microsoft.com/office/powerpoint/2010/main" xmlns:p15="http://schemas.microsoft.com/office/powerpoint/2012/main" xmlns:ahyp="http://schemas.microsoft.com/office/drawing/2018/hyperlinkcolor">
+<p:sld xmlns:a="http://schemas.openxmlformats.org/drawingml/2006/main" xmlns:r="http://schemas.openxmlformats.org/officeDocument/2006/relationships" xmlns:p="http://schemas.openxmlformats.org/presentationml/2006/main">
   <p:cSld>
     <p:spTree>
       <p:nvGrpSpPr>
-        <p:cNvPr id="185" name="Shape 185"/>
+        <p:cNvPr id="1" name="Shape 185"/>
         <p:cNvGrpSpPr/>
         <p:nvPr/>
       </p:nvGrpSpPr>
@@ -9957,11 +10115,185 @@
 </file>
 
 <file path=ppt/slides/slide21.xml><?xml version="1.0" encoding="utf-8"?>
-<p:sld xmlns:a="http://schemas.openxmlformats.org/drawingml/2006/main" xmlns:r="http://schemas.openxmlformats.org/officeDocument/2006/relationships" xmlns:mc="http://schemas.openxmlformats.org/markup-compatibility/2006" xmlns:mv="urn:schemas-microsoft-com:mac:vml" xmlns:p="http://schemas.openxmlformats.org/presentationml/2006/main" xmlns:c="http://schemas.openxmlformats.org/drawingml/2006/chart" xmlns:dgm="http://schemas.openxmlformats.org/drawingml/2006/diagram" xmlns:o="urn:schemas-microsoft-com:office:office" xmlns:v="urn:schemas-microsoft-com:vml" xmlns:pvml="urn:schemas-microsoft-com:office:powerpoint" xmlns:com="http://schemas.openxmlformats.org/drawingml/2006/compatibility" xmlns:p14="http://schemas.microsoft.com/office/powerpoint/2010/main" xmlns:p15="http://schemas.microsoft.com/office/powerpoint/2012/main" xmlns:ahyp="http://schemas.microsoft.com/office/drawing/2018/hyperlinkcolor">
+<p:sld xmlns:a="http://schemas.openxmlformats.org/drawingml/2006/main" xmlns:r="http://schemas.openxmlformats.org/officeDocument/2006/relationships" xmlns:p="http://schemas.openxmlformats.org/presentationml/2006/main">
   <p:cSld>
     <p:spTree>
       <p:nvGrpSpPr>
-        <p:cNvPr id="190" name="Shape 190"/>
+        <p:cNvPr id="1" name=""/>
+        <p:cNvGrpSpPr/>
+        <p:nvPr/>
+      </p:nvGrpSpPr>
+      <p:grpSpPr>
+        <a:xfrm>
+          <a:off x="0" y="0"/>
+          <a:ext cx="0" cy="0"/>
+          <a:chOff x="0" y="0"/>
+          <a:chExt cx="0" cy="0"/>
+        </a:xfrm>
+      </p:grpSpPr>
+      <p:pic>
+        <p:nvPicPr>
+          <p:cNvPr id="7" name="Imagen 6" descr="MINGW64:/c/Users/ESTUDIANTES/Downloads/variables_condicionales                                                  ">
+            <a:extLst>
+              <a:ext uri="{FF2B5EF4-FFF2-40B4-BE49-F238E27FC236}">
+                <a16:creationId xmlns:a16="http://schemas.microsoft.com/office/drawing/2014/main" id="{41EDE2F6-E185-A813-5540-C9B0B264637A}"/>
+              </a:ext>
+            </a:extLst>
+          </p:cNvPr>
+          <p:cNvPicPr>
+            <a:picLocks noChangeAspect="1"/>
+          </p:cNvPicPr>
+          <p:nvPr/>
+        </p:nvPicPr>
+        <p:blipFill>
+          <a:blip r:embed="rId2">
+            <a:extLst>
+              <a:ext uri="{28A0092B-C50C-407E-A947-70E740481C1C}">
+                <a14:useLocalDpi xmlns:a14="http://schemas.microsoft.com/office/drawing/2010/main" val="0"/>
+              </a:ext>
+            </a:extLst>
+          </a:blip>
+          <a:stretch>
+            <a:fillRect/>
+          </a:stretch>
+        </p:blipFill>
+        <p:spPr>
+          <a:xfrm>
+            <a:off x="0" y="2406682"/>
+            <a:ext cx="5151863" cy="2736817"/>
+          </a:xfrm>
+          <a:prstGeom prst="rect">
+            <a:avLst/>
+          </a:prstGeom>
+        </p:spPr>
+      </p:pic>
+      <p:pic>
+        <p:nvPicPr>
+          <p:cNvPr id="8" name="Imagen 7" descr="MINGW64:/c/Users/ESTUDIANTES/Downloads/variables_condicionales                                                  ">
+            <a:extLst>
+              <a:ext uri="{FF2B5EF4-FFF2-40B4-BE49-F238E27FC236}">
+                <a16:creationId xmlns:a16="http://schemas.microsoft.com/office/drawing/2014/main" id="{13A01A87-B753-B9DA-BF17-2C861EF68EFD}"/>
+              </a:ext>
+            </a:extLst>
+          </p:cNvPr>
+          <p:cNvPicPr>
+            <a:picLocks noChangeAspect="1"/>
+          </p:cNvPicPr>
+          <p:nvPr/>
+        </p:nvPicPr>
+        <p:blipFill>
+          <a:blip r:embed="rId3">
+            <a:extLst>
+              <a:ext uri="{28A0092B-C50C-407E-A947-70E740481C1C}">
+                <a14:useLocalDpi xmlns:a14="http://schemas.microsoft.com/office/drawing/2010/main" val="0"/>
+              </a:ext>
+            </a:extLst>
+          </a:blip>
+          <a:stretch>
+            <a:fillRect/>
+          </a:stretch>
+        </p:blipFill>
+        <p:spPr>
+          <a:xfrm>
+            <a:off x="4482790" y="2406682"/>
+            <a:ext cx="4909422" cy="2736817"/>
+          </a:xfrm>
+          <a:prstGeom prst="rect">
+            <a:avLst/>
+          </a:prstGeom>
+        </p:spPr>
+      </p:pic>
+      <p:pic>
+        <p:nvPicPr>
+          <p:cNvPr id="4" name="Imagen 3" descr="MINGW64:/c/Users/ESTUDIANTES/Downloads/variables_condicionales                                                  ">
+            <a:extLst>
+              <a:ext uri="{FF2B5EF4-FFF2-40B4-BE49-F238E27FC236}">
+                <a16:creationId xmlns:a16="http://schemas.microsoft.com/office/drawing/2014/main" id="{B5B0F3D9-4397-6576-4568-C6915D855096}"/>
+              </a:ext>
+            </a:extLst>
+          </p:cNvPr>
+          <p:cNvPicPr>
+            <a:picLocks noChangeAspect="1"/>
+          </p:cNvPicPr>
+          <p:nvPr/>
+        </p:nvPicPr>
+        <p:blipFill>
+          <a:blip r:embed="rId4">
+            <a:extLst>
+              <a:ext uri="{28A0092B-C50C-407E-A947-70E740481C1C}">
+                <a14:useLocalDpi xmlns:a14="http://schemas.microsoft.com/office/drawing/2010/main" val="0"/>
+              </a:ext>
+            </a:extLst>
+          </a:blip>
+          <a:stretch>
+            <a:fillRect/>
+          </a:stretch>
+        </p:blipFill>
+        <p:spPr>
+          <a:xfrm>
+            <a:off x="0" y="1"/>
+            <a:ext cx="4909421" cy="2608025"/>
+          </a:xfrm>
+          <a:prstGeom prst="rect">
+            <a:avLst/>
+          </a:prstGeom>
+        </p:spPr>
+      </p:pic>
+      <p:pic>
+        <p:nvPicPr>
+          <p:cNvPr id="6" name="Imagen 5" descr="MINGW64:/c/Users/ESTUDIANTES/Downloads/variables_condicionales                                                  ">
+            <a:extLst>
+              <a:ext uri="{FF2B5EF4-FFF2-40B4-BE49-F238E27FC236}">
+                <a16:creationId xmlns:a16="http://schemas.microsoft.com/office/drawing/2014/main" id="{A50D18D5-4FD3-7370-CA7A-B7BFA1AB6089}"/>
+              </a:ext>
+            </a:extLst>
+          </p:cNvPr>
+          <p:cNvPicPr>
+            <a:picLocks noChangeAspect="1"/>
+          </p:cNvPicPr>
+          <p:nvPr/>
+        </p:nvPicPr>
+        <p:blipFill>
+          <a:blip r:embed="rId5">
+            <a:extLst>
+              <a:ext uri="{28A0092B-C50C-407E-A947-70E740481C1C}">
+                <a14:useLocalDpi xmlns:a14="http://schemas.microsoft.com/office/drawing/2010/main" val="0"/>
+              </a:ext>
+            </a:extLst>
+          </a:blip>
+          <a:stretch>
+            <a:fillRect/>
+          </a:stretch>
+        </p:blipFill>
+        <p:spPr>
+          <a:xfrm>
+            <a:off x="4482791" y="1"/>
+            <a:ext cx="4909422" cy="2608026"/>
+          </a:xfrm>
+          <a:prstGeom prst="rect">
+            <a:avLst/>
+          </a:prstGeom>
+        </p:spPr>
+      </p:pic>
+    </p:spTree>
+    <p:extLst>
+      <p:ext uri="{BB962C8B-B14F-4D97-AF65-F5344CB8AC3E}">
+        <p14:creationId xmlns:p14="http://schemas.microsoft.com/office/powerpoint/2010/main" val="256234861"/>
+      </p:ext>
+    </p:extLst>
+  </p:cSld>
+  <p:clrMapOvr>
+    <a:masterClrMapping/>
+  </p:clrMapOvr>
+</p:sld>
+</file>
+
+<file path=ppt/slides/slide22.xml><?xml version="1.0" encoding="utf-8"?>
+<p:sld xmlns:a="http://schemas.openxmlformats.org/drawingml/2006/main" xmlns:r="http://schemas.openxmlformats.org/officeDocument/2006/relationships" xmlns:p="http://schemas.openxmlformats.org/presentationml/2006/main">
+  <p:cSld>
+    <p:spTree>
+      <p:nvGrpSpPr>
+        <p:cNvPr id="1" name="Shape 190"/>
         <p:cNvGrpSpPr/>
         <p:nvPr/>
       </p:nvGrpSpPr>
@@ -9976,7 +10308,9 @@
       <p:sp>
         <p:nvSpPr>
           <p:cNvPr id="191" name="Google Shape;191;p33"/>
-          <p:cNvSpPr txBox="1"/>
+          <p:cNvSpPr txBox="1">
+            <a:spLocks noGrp="1"/>
+          </p:cNvSpPr>
           <p:nvPr>
             <p:ph type="title"/>
           </p:nvPr>
@@ -9991,12 +10325,12 @@
           </a:prstGeom>
         </p:spPr>
         <p:txBody>
-          <a:bodyPr anchorCtr="0" anchor="t" bIns="91425" lIns="91425" spcFirstLastPara="1" rIns="91425" wrap="square" tIns="91425">
+          <a:bodyPr spcFirstLastPara="1" wrap="square" lIns="91425" tIns="91425" rIns="91425" bIns="91425" anchor="t" anchorCtr="0">
             <a:normAutofit fontScale="90000"/>
           </a:bodyPr>
           <a:lstStyle/>
           <a:p>
-            <a:pPr indent="0" lvl="0" marL="0" rtl="0" algn="l">
+            <a:pPr marL="0" lvl="0" indent="0" algn="l" rtl="0">
               <a:spcBef>
                 <a:spcPts val="0"/>
               </a:spcBef>
@@ -10022,11 +10356,11 @@
 </file>
 
 <file path=ppt/slides/slide3.xml><?xml version="1.0" encoding="utf-8"?>
-<p:sld xmlns:a="http://schemas.openxmlformats.org/drawingml/2006/main" xmlns:r="http://schemas.openxmlformats.org/officeDocument/2006/relationships" xmlns:mc="http://schemas.openxmlformats.org/markup-compatibility/2006" xmlns:mv="urn:schemas-microsoft-com:mac:vml" xmlns:p="http://schemas.openxmlformats.org/presentationml/2006/main" xmlns:c="http://schemas.openxmlformats.org/drawingml/2006/chart" xmlns:dgm="http://schemas.openxmlformats.org/drawingml/2006/diagram" xmlns:o="urn:schemas-microsoft-com:office:office" xmlns:v="urn:schemas-microsoft-com:vml" xmlns:pvml="urn:schemas-microsoft-com:office:powerpoint" xmlns:com="http://schemas.openxmlformats.org/drawingml/2006/compatibility" xmlns:p14="http://schemas.microsoft.com/office/powerpoint/2010/main" xmlns:p15="http://schemas.microsoft.com/office/powerpoint/2012/main" xmlns:ahyp="http://schemas.microsoft.com/office/drawing/2018/hyperlinkcolor">
+<p:sld xmlns:a="http://schemas.openxmlformats.org/drawingml/2006/main" xmlns:r="http://schemas.openxmlformats.org/officeDocument/2006/relationships" xmlns:p="http://schemas.openxmlformats.org/presentationml/2006/main">
   <p:cSld>
     <p:spTree>
       <p:nvGrpSpPr>
-        <p:cNvPr id="97" name="Shape 97"/>
+        <p:cNvPr id="1" name="Shape 97"/>
         <p:cNvGrpSpPr/>
         <p:nvPr/>
       </p:nvGrpSpPr>
@@ -10075,11 +10409,11 @@
 </file>
 
 <file path=ppt/slides/slide4.xml><?xml version="1.0" encoding="utf-8"?>
-<p:sld xmlns:a="http://schemas.openxmlformats.org/drawingml/2006/main" xmlns:r="http://schemas.openxmlformats.org/officeDocument/2006/relationships" xmlns:mc="http://schemas.openxmlformats.org/markup-compatibility/2006" xmlns:mv="urn:schemas-microsoft-com:mac:vml" xmlns:p="http://schemas.openxmlformats.org/presentationml/2006/main" xmlns:c="http://schemas.openxmlformats.org/drawingml/2006/chart" xmlns:dgm="http://schemas.openxmlformats.org/drawingml/2006/diagram" xmlns:o="urn:schemas-microsoft-com:office:office" xmlns:v="urn:schemas-microsoft-com:vml" xmlns:pvml="urn:schemas-microsoft-com:office:powerpoint" xmlns:com="http://schemas.openxmlformats.org/drawingml/2006/compatibility" xmlns:p14="http://schemas.microsoft.com/office/powerpoint/2010/main" xmlns:p15="http://schemas.microsoft.com/office/powerpoint/2012/main" xmlns:ahyp="http://schemas.microsoft.com/office/drawing/2018/hyperlinkcolor">
+<p:sld xmlns:a="http://schemas.openxmlformats.org/drawingml/2006/main" xmlns:r="http://schemas.openxmlformats.org/officeDocument/2006/relationships" xmlns:p="http://schemas.openxmlformats.org/presentationml/2006/main">
   <p:cSld>
     <p:spTree>
       <p:nvGrpSpPr>
-        <p:cNvPr id="102" name="Shape 102"/>
+        <p:cNvPr id="1" name="Shape 102"/>
         <p:cNvGrpSpPr/>
         <p:nvPr/>
       </p:nvGrpSpPr>
@@ -10128,11 +10462,11 @@
 </file>
 
 <file path=ppt/slides/slide5.xml><?xml version="1.0" encoding="utf-8"?>
-<p:sld xmlns:a="http://schemas.openxmlformats.org/drawingml/2006/main" xmlns:r="http://schemas.openxmlformats.org/officeDocument/2006/relationships" xmlns:mc="http://schemas.openxmlformats.org/markup-compatibility/2006" xmlns:mv="urn:schemas-microsoft-com:mac:vml" xmlns:p="http://schemas.openxmlformats.org/presentationml/2006/main" xmlns:c="http://schemas.openxmlformats.org/drawingml/2006/chart" xmlns:dgm="http://schemas.openxmlformats.org/drawingml/2006/diagram" xmlns:o="urn:schemas-microsoft-com:office:office" xmlns:v="urn:schemas-microsoft-com:vml" xmlns:pvml="urn:schemas-microsoft-com:office:powerpoint" xmlns:com="http://schemas.openxmlformats.org/drawingml/2006/compatibility" xmlns:p14="http://schemas.microsoft.com/office/powerpoint/2010/main" xmlns:p15="http://schemas.microsoft.com/office/powerpoint/2012/main" xmlns:ahyp="http://schemas.microsoft.com/office/drawing/2018/hyperlinkcolor">
+<p:sld xmlns:a="http://schemas.openxmlformats.org/drawingml/2006/main" xmlns:r="http://schemas.openxmlformats.org/officeDocument/2006/relationships" xmlns:p="http://schemas.openxmlformats.org/presentationml/2006/main">
   <p:cSld>
     <p:spTree>
       <p:nvGrpSpPr>
-        <p:cNvPr id="107" name="Shape 107"/>
+        <p:cNvPr id="1" name="Shape 107"/>
         <p:cNvGrpSpPr/>
         <p:nvPr/>
       </p:nvGrpSpPr>
@@ -10181,11 +10515,11 @@
 </file>
 
 <file path=ppt/slides/slide6.xml><?xml version="1.0" encoding="utf-8"?>
-<p:sld xmlns:a="http://schemas.openxmlformats.org/drawingml/2006/main" xmlns:r="http://schemas.openxmlformats.org/officeDocument/2006/relationships" xmlns:mc="http://schemas.openxmlformats.org/markup-compatibility/2006" xmlns:mv="urn:schemas-microsoft-com:mac:vml" xmlns:p="http://schemas.openxmlformats.org/presentationml/2006/main" xmlns:c="http://schemas.openxmlformats.org/drawingml/2006/chart" xmlns:dgm="http://schemas.openxmlformats.org/drawingml/2006/diagram" xmlns:o="urn:schemas-microsoft-com:office:office" xmlns:v="urn:schemas-microsoft-com:vml" xmlns:pvml="urn:schemas-microsoft-com:office:powerpoint" xmlns:com="http://schemas.openxmlformats.org/drawingml/2006/compatibility" xmlns:p14="http://schemas.microsoft.com/office/powerpoint/2010/main" xmlns:p15="http://schemas.microsoft.com/office/powerpoint/2012/main" xmlns:ahyp="http://schemas.microsoft.com/office/drawing/2018/hyperlinkcolor">
+<p:sld xmlns:a="http://schemas.openxmlformats.org/drawingml/2006/main" xmlns:r="http://schemas.openxmlformats.org/officeDocument/2006/relationships" xmlns:p="http://schemas.openxmlformats.org/presentationml/2006/main">
   <p:cSld>
     <p:spTree>
       <p:nvGrpSpPr>
-        <p:cNvPr id="112" name="Shape 112"/>
+        <p:cNvPr id="1" name="Shape 112"/>
         <p:cNvGrpSpPr/>
         <p:nvPr/>
       </p:nvGrpSpPr>
@@ -10200,9 +10534,11 @@
       <p:sp>
         <p:nvSpPr>
           <p:cNvPr id="113" name="Google Shape;113;p18"/>
-          <p:cNvSpPr txBox="1"/>
+          <p:cNvSpPr txBox="1">
+            <a:spLocks noGrp="1"/>
+          </p:cNvSpPr>
           <p:nvPr>
-            <p:ph idx="1" type="body"/>
+            <p:ph type="body" idx="1"/>
           </p:nvPr>
         </p:nvSpPr>
         <p:spPr>
@@ -10215,12 +10551,12 @@
           </a:prstGeom>
         </p:spPr>
         <p:txBody>
-          <a:bodyPr anchorCtr="0" anchor="t" bIns="91425" lIns="91425" spcFirstLastPara="1" rIns="91425" wrap="square" tIns="91425">
+          <a:bodyPr spcFirstLastPara="1" wrap="square" lIns="91425" tIns="91425" rIns="91425" bIns="91425" anchor="t" anchorCtr="0">
             <a:normAutofit/>
           </a:bodyPr>
           <a:lstStyle/>
           <a:p>
-            <a:pPr indent="0" lvl="0" marL="0" rtl="0" algn="ctr">
+            <a:pPr marL="0" lvl="0" indent="0" algn="ctr" rtl="0">
               <a:spcBef>
                 <a:spcPts val="0"/>
               </a:spcBef>
@@ -10274,11 +10610,11 @@
 </file>
 
 <file path=ppt/slides/slide7.xml><?xml version="1.0" encoding="utf-8"?>
-<p:sld xmlns:a="http://schemas.openxmlformats.org/drawingml/2006/main" xmlns:r="http://schemas.openxmlformats.org/officeDocument/2006/relationships" xmlns:mc="http://schemas.openxmlformats.org/markup-compatibility/2006" xmlns:mv="urn:schemas-microsoft-com:mac:vml" xmlns:p="http://schemas.openxmlformats.org/presentationml/2006/main" xmlns:c="http://schemas.openxmlformats.org/drawingml/2006/chart" xmlns:dgm="http://schemas.openxmlformats.org/drawingml/2006/diagram" xmlns:o="urn:schemas-microsoft-com:office:office" xmlns:v="urn:schemas-microsoft-com:vml" xmlns:pvml="urn:schemas-microsoft-com:office:powerpoint" xmlns:com="http://schemas.openxmlformats.org/drawingml/2006/compatibility" xmlns:p14="http://schemas.microsoft.com/office/powerpoint/2010/main" xmlns:p15="http://schemas.microsoft.com/office/powerpoint/2012/main" xmlns:ahyp="http://schemas.microsoft.com/office/drawing/2018/hyperlinkcolor">
+<p:sld xmlns:a="http://schemas.openxmlformats.org/drawingml/2006/main" xmlns:r="http://schemas.openxmlformats.org/officeDocument/2006/relationships" xmlns:p="http://schemas.openxmlformats.org/presentationml/2006/main">
   <p:cSld>
     <p:spTree>
       <p:nvGrpSpPr>
-        <p:cNvPr id="118" name="Shape 118"/>
+        <p:cNvPr id="1" name="Shape 118"/>
         <p:cNvGrpSpPr/>
         <p:nvPr/>
       </p:nvGrpSpPr>
@@ -10327,11 +10663,11 @@
 </file>
 
 <file path=ppt/slides/slide8.xml><?xml version="1.0" encoding="utf-8"?>
-<p:sld xmlns:a="http://schemas.openxmlformats.org/drawingml/2006/main" xmlns:r="http://schemas.openxmlformats.org/officeDocument/2006/relationships" xmlns:mc="http://schemas.openxmlformats.org/markup-compatibility/2006" xmlns:mv="urn:schemas-microsoft-com:mac:vml" xmlns:p="http://schemas.openxmlformats.org/presentationml/2006/main" xmlns:c="http://schemas.openxmlformats.org/drawingml/2006/chart" xmlns:dgm="http://schemas.openxmlformats.org/drawingml/2006/diagram" xmlns:o="urn:schemas-microsoft-com:office:office" xmlns:v="urn:schemas-microsoft-com:vml" xmlns:pvml="urn:schemas-microsoft-com:office:powerpoint" xmlns:com="http://schemas.openxmlformats.org/drawingml/2006/compatibility" xmlns:p14="http://schemas.microsoft.com/office/powerpoint/2010/main" xmlns:p15="http://schemas.microsoft.com/office/powerpoint/2012/main" xmlns:ahyp="http://schemas.microsoft.com/office/drawing/2018/hyperlinkcolor">
+<p:sld xmlns:a="http://schemas.openxmlformats.org/drawingml/2006/main" xmlns:r="http://schemas.openxmlformats.org/officeDocument/2006/relationships" xmlns:p="http://schemas.openxmlformats.org/presentationml/2006/main">
   <p:cSld>
     <p:spTree>
       <p:nvGrpSpPr>
-        <p:cNvPr id="123" name="Shape 123"/>
+        <p:cNvPr id="1" name="Shape 123"/>
         <p:cNvGrpSpPr/>
         <p:nvPr/>
       </p:nvGrpSpPr>
@@ -10380,11 +10716,11 @@
 </file>
 
 <file path=ppt/slides/slide9.xml><?xml version="1.0" encoding="utf-8"?>
-<p:sld xmlns:a="http://schemas.openxmlformats.org/drawingml/2006/main" xmlns:r="http://schemas.openxmlformats.org/officeDocument/2006/relationships" xmlns:mc="http://schemas.openxmlformats.org/markup-compatibility/2006" xmlns:mv="urn:schemas-microsoft-com:mac:vml" xmlns:p="http://schemas.openxmlformats.org/presentationml/2006/main" xmlns:c="http://schemas.openxmlformats.org/drawingml/2006/chart" xmlns:dgm="http://schemas.openxmlformats.org/drawingml/2006/diagram" xmlns:o="urn:schemas-microsoft-com:office:office" xmlns:v="urn:schemas-microsoft-com:vml" xmlns:pvml="urn:schemas-microsoft-com:office:powerpoint" xmlns:com="http://schemas.openxmlformats.org/drawingml/2006/compatibility" xmlns:p14="http://schemas.microsoft.com/office/powerpoint/2010/main" xmlns:p15="http://schemas.microsoft.com/office/powerpoint/2012/main" xmlns:ahyp="http://schemas.microsoft.com/office/drawing/2018/hyperlinkcolor">
+<p:sld xmlns:a="http://schemas.openxmlformats.org/drawingml/2006/main" xmlns:r="http://schemas.openxmlformats.org/officeDocument/2006/relationships" xmlns:p="http://schemas.openxmlformats.org/presentationml/2006/main">
   <p:cSld>
     <p:spTree>
       <p:nvGrpSpPr>
-        <p:cNvPr id="128" name="Shape 128"/>
+        <p:cNvPr id="1" name="Shape 128"/>
         <p:cNvGrpSpPr/>
         <p:nvPr/>
       </p:nvGrpSpPr>
@@ -10433,7 +10769,7 @@
 </file>
 
 <file path=ppt/theme/theme1.xml><?xml version="1.0" encoding="utf-8"?>
-<a:theme xmlns:a="http://schemas.openxmlformats.org/drawingml/2006/main" xmlns:r="http://schemas.openxmlformats.org/officeDocument/2006/relationships" name="Streamline">
+<a:theme xmlns:a="http://schemas.openxmlformats.org/drawingml/2006/main" name="Streamline">
   <a:themeElements>
     <a:clrScheme name="Streamline">
       <a:dk1>
@@ -10708,11 +11044,13 @@
       </a:bgFillStyleLst>
     </a:fmtScheme>
   </a:themeElements>
+  <a:objectDefaults/>
+  <a:extraClrSchemeLst/>
 </a:theme>
 </file>
 
 <file path=ppt/theme/theme2.xml><?xml version="1.0" encoding="utf-8"?>
-<a:theme xmlns:a="http://schemas.openxmlformats.org/drawingml/2006/main" xmlns:r="http://schemas.openxmlformats.org/officeDocument/2006/relationships">
+<a:theme xmlns:a="http://schemas.openxmlformats.org/drawingml/2006/main">
   <a:themeElements>
     <a:clrScheme name="Default">
       <a:dk1>
@@ -10987,5 +11325,7 @@
       </a:bgFillStyleLst>
     </a:fmtScheme>
   </a:themeElements>
+  <a:objectDefaults/>
+  <a:extraClrSchemeLst/>
 </a:theme>
 </file>